--- a/Day7-ClassificationAnalysis/Ch08-ClassificationModels.pptx
+++ b/Day7-ClassificationAnalysis/Ch08-ClassificationModels.pptx
@@ -5,40 +5,45 @@
     <p:sldMasterId id="2147483684" r:id="rId4"/>
   </p:sldMasterIdLst>
   <p:notesMasterIdLst>
-    <p:notesMasterId r:id="rId33"/>
+    <p:notesMasterId r:id="rId38"/>
   </p:notesMasterIdLst>
   <p:handoutMasterIdLst>
-    <p:handoutMasterId r:id="rId34"/>
+    <p:handoutMasterId r:id="rId39"/>
   </p:handoutMasterIdLst>
   <p:sldIdLst>
     <p:sldId id="257" r:id="rId5"/>
     <p:sldId id="258" r:id="rId6"/>
     <p:sldId id="256" r:id="rId7"/>
-    <p:sldId id="281" r:id="rId8"/>
-    <p:sldId id="331" r:id="rId9"/>
-    <p:sldId id="332" r:id="rId10"/>
-    <p:sldId id="334" r:id="rId11"/>
-    <p:sldId id="364" r:id="rId12"/>
-    <p:sldId id="335" r:id="rId13"/>
-    <p:sldId id="365" r:id="rId14"/>
-    <p:sldId id="366" r:id="rId15"/>
-    <p:sldId id="329" r:id="rId16"/>
-    <p:sldId id="339" r:id="rId17"/>
-    <p:sldId id="340" r:id="rId18"/>
-    <p:sldId id="341" r:id="rId19"/>
-    <p:sldId id="342" r:id="rId20"/>
-    <p:sldId id="355" r:id="rId21"/>
-    <p:sldId id="343" r:id="rId22"/>
-    <p:sldId id="360" r:id="rId23"/>
-    <p:sldId id="362" r:id="rId24"/>
-    <p:sldId id="363" r:id="rId25"/>
-    <p:sldId id="347" r:id="rId26"/>
-    <p:sldId id="359" r:id="rId27"/>
-    <p:sldId id="348" r:id="rId28"/>
-    <p:sldId id="330" r:id="rId29"/>
-    <p:sldId id="349" r:id="rId30"/>
-    <p:sldId id="354" r:id="rId31"/>
-    <p:sldId id="351" r:id="rId32"/>
+    <p:sldId id="367" r:id="rId8"/>
+    <p:sldId id="372" r:id="rId9"/>
+    <p:sldId id="373" r:id="rId10"/>
+    <p:sldId id="374" r:id="rId11"/>
+    <p:sldId id="375" r:id="rId12"/>
+    <p:sldId id="281" r:id="rId13"/>
+    <p:sldId id="331" r:id="rId14"/>
+    <p:sldId id="332" r:id="rId15"/>
+    <p:sldId id="334" r:id="rId16"/>
+    <p:sldId id="364" r:id="rId17"/>
+    <p:sldId id="335" r:id="rId18"/>
+    <p:sldId id="365" r:id="rId19"/>
+    <p:sldId id="366" r:id="rId20"/>
+    <p:sldId id="329" r:id="rId21"/>
+    <p:sldId id="339" r:id="rId22"/>
+    <p:sldId id="340" r:id="rId23"/>
+    <p:sldId id="341" r:id="rId24"/>
+    <p:sldId id="342" r:id="rId25"/>
+    <p:sldId id="355" r:id="rId26"/>
+    <p:sldId id="343" r:id="rId27"/>
+    <p:sldId id="360" r:id="rId28"/>
+    <p:sldId id="362" r:id="rId29"/>
+    <p:sldId id="363" r:id="rId30"/>
+    <p:sldId id="347" r:id="rId31"/>
+    <p:sldId id="359" r:id="rId32"/>
+    <p:sldId id="348" r:id="rId33"/>
+    <p:sldId id="330" r:id="rId34"/>
+    <p:sldId id="349" r:id="rId35"/>
+    <p:sldId id="354" r:id="rId36"/>
+    <p:sldId id="351" r:id="rId37"/>
   </p:sldIdLst>
   <p:sldSz cx="9144000" cy="6858000" type="screen4x3"/>
   <p:notesSz cx="7053263" cy="9356725"/>
@@ -1284,7 +1289,7 @@
     </p:spTree>
     <p:extLst>
       <p:ext uri="{BB962C8B-B14F-4D97-AF65-F5344CB8AC3E}">
-        <p14:creationId xmlns:p14="http://schemas.microsoft.com/office/powerpoint/2010/main" val="3165237976"/>
+        <p14:creationId xmlns:p14="http://schemas.microsoft.com/office/powerpoint/2010/main" val="1565230098"/>
       </p:ext>
     </p:extLst>
   </p:cSld>
@@ -1350,7 +1355,7 @@
     </p:spTree>
     <p:extLst>
       <p:ext uri="{BB962C8B-B14F-4D97-AF65-F5344CB8AC3E}">
-        <p14:creationId xmlns:p14="http://schemas.microsoft.com/office/powerpoint/2010/main" val="3996280586"/>
+        <p14:creationId xmlns:p14="http://schemas.microsoft.com/office/powerpoint/2010/main" val="1372303649"/>
       </p:ext>
     </p:extLst>
   </p:cSld>
@@ -1379,25 +1384,6 @@
       </p:grpSpPr>
       <p:sp>
         <p:nvSpPr>
-          <p:cNvPr id="3" name="Notes Placeholder 2"/>
-          <p:cNvSpPr>
-            <a:spLocks noGrp="1"/>
-          </p:cNvSpPr>
-          <p:nvPr>
-            <p:ph type="body" idx="1"/>
-          </p:nvPr>
-        </p:nvSpPr>
-        <p:spPr/>
-        <p:txBody>
-          <a:bodyPr/>
-          <a:lstStyle/>
-          <a:p>
-            <a:endParaRPr lang="en-US" dirty="0"/>
-          </a:p>
-        </p:txBody>
-      </p:sp>
-      <p:sp>
-        <p:nvSpPr>
           <p:cNvPr id="4" name="Slide Image Placeholder 3"/>
           <p:cNvSpPr>
             <a:spLocks noGrp="1" noRot="1" noChangeAspect="1"/>
@@ -1413,10 +1399,29 @@
           </a:xfrm>
         </p:spPr>
       </p:sp>
+      <p:sp>
+        <p:nvSpPr>
+          <p:cNvPr id="5" name="Notes Placeholder 4"/>
+          <p:cNvSpPr>
+            <a:spLocks noGrp="1"/>
+          </p:cNvSpPr>
+          <p:nvPr>
+            <p:ph type="body" idx="1"/>
+          </p:nvPr>
+        </p:nvSpPr>
+        <p:spPr/>
+        <p:txBody>
+          <a:bodyPr/>
+          <a:lstStyle/>
+          <a:p>
+            <a:endParaRPr lang="en-US" dirty="0"/>
+          </a:p>
+        </p:txBody>
+      </p:sp>
     </p:spTree>
     <p:extLst>
       <p:ext uri="{BB962C8B-B14F-4D97-AF65-F5344CB8AC3E}">
-        <p14:creationId xmlns:p14="http://schemas.microsoft.com/office/powerpoint/2010/main" val="1577659577"/>
+        <p14:creationId xmlns:p14="http://schemas.microsoft.com/office/powerpoint/2010/main" val="329036260"/>
       </p:ext>
     </p:extLst>
   </p:cSld>
@@ -1482,7 +1487,7 @@
     </p:spTree>
     <p:extLst>
       <p:ext uri="{BB962C8B-B14F-4D97-AF65-F5344CB8AC3E}">
-        <p14:creationId xmlns:p14="http://schemas.microsoft.com/office/powerpoint/2010/main" val="1574355301"/>
+        <p14:creationId xmlns:p14="http://schemas.microsoft.com/office/powerpoint/2010/main" val="1837707428"/>
       </p:ext>
     </p:extLst>
   </p:cSld>
@@ -1548,7 +1553,7 @@
     </p:spTree>
     <p:extLst>
       <p:ext uri="{BB962C8B-B14F-4D97-AF65-F5344CB8AC3E}">
-        <p14:creationId xmlns:p14="http://schemas.microsoft.com/office/powerpoint/2010/main" val="1738624816"/>
+        <p14:creationId xmlns:p14="http://schemas.microsoft.com/office/powerpoint/2010/main" val="1502264193"/>
       </p:ext>
     </p:extLst>
   </p:cSld>
@@ -1614,7 +1619,7 @@
     </p:spTree>
     <p:extLst>
       <p:ext uri="{BB962C8B-B14F-4D97-AF65-F5344CB8AC3E}">
-        <p14:creationId xmlns:p14="http://schemas.microsoft.com/office/powerpoint/2010/main" val="88445827"/>
+        <p14:creationId xmlns:p14="http://schemas.microsoft.com/office/powerpoint/2010/main" val="3165237976"/>
       </p:ext>
     </p:extLst>
   </p:cSld>
@@ -1680,7 +1685,7 @@
     </p:spTree>
     <p:extLst>
       <p:ext uri="{BB962C8B-B14F-4D97-AF65-F5344CB8AC3E}">
-        <p14:creationId xmlns:p14="http://schemas.microsoft.com/office/powerpoint/2010/main" val="662896443"/>
+        <p14:creationId xmlns:p14="http://schemas.microsoft.com/office/powerpoint/2010/main" val="3996280586"/>
       </p:ext>
     </p:extLst>
   </p:cSld>
@@ -1709,6 +1714,25 @@
       </p:grpSpPr>
       <p:sp>
         <p:nvSpPr>
+          <p:cNvPr id="3" name="Notes Placeholder 2"/>
+          <p:cNvSpPr>
+            <a:spLocks noGrp="1"/>
+          </p:cNvSpPr>
+          <p:nvPr>
+            <p:ph type="body" idx="1"/>
+          </p:nvPr>
+        </p:nvSpPr>
+        <p:spPr/>
+        <p:txBody>
+          <a:bodyPr/>
+          <a:lstStyle/>
+          <a:p>
+            <a:endParaRPr lang="en-US" dirty="0"/>
+          </a:p>
+        </p:txBody>
+      </p:sp>
+      <p:sp>
+        <p:nvSpPr>
           <p:cNvPr id="4" name="Slide Image Placeholder 3"/>
           <p:cNvSpPr>
             <a:spLocks noGrp="1" noRot="1" noChangeAspect="1"/>
@@ -1724,29 +1748,10 @@
           </a:xfrm>
         </p:spPr>
       </p:sp>
-      <p:sp>
-        <p:nvSpPr>
-          <p:cNvPr id="5" name="Notes Placeholder 4"/>
-          <p:cNvSpPr>
-            <a:spLocks noGrp="1"/>
-          </p:cNvSpPr>
-          <p:nvPr>
-            <p:ph type="body" idx="1"/>
-          </p:nvPr>
-        </p:nvSpPr>
-        <p:spPr/>
-        <p:txBody>
-          <a:bodyPr/>
-          <a:lstStyle/>
-          <a:p>
-            <a:endParaRPr lang="en-US" dirty="0"/>
-          </a:p>
-        </p:txBody>
-      </p:sp>
     </p:spTree>
     <p:extLst>
       <p:ext uri="{BB962C8B-B14F-4D97-AF65-F5344CB8AC3E}">
-        <p14:creationId xmlns:p14="http://schemas.microsoft.com/office/powerpoint/2010/main" val="719987584"/>
+        <p14:creationId xmlns:p14="http://schemas.microsoft.com/office/powerpoint/2010/main" val="1577659577"/>
       </p:ext>
     </p:extLst>
   </p:cSld>
@@ -1812,7 +1817,7 @@
     </p:spTree>
     <p:extLst>
       <p:ext uri="{BB962C8B-B14F-4D97-AF65-F5344CB8AC3E}">
-        <p14:creationId xmlns:p14="http://schemas.microsoft.com/office/powerpoint/2010/main" val="1890198950"/>
+        <p14:creationId xmlns:p14="http://schemas.microsoft.com/office/powerpoint/2010/main" val="1574355301"/>
       </p:ext>
     </p:extLst>
   </p:cSld>
@@ -1841,7 +1846,7 @@
       </p:grpSpPr>
       <p:sp>
         <p:nvSpPr>
-          <p:cNvPr id="2" name="Slide Image Placeholder 1"/>
+          <p:cNvPr id="4" name="Slide Image Placeholder 3"/>
           <p:cNvSpPr>
             <a:spLocks noGrp="1" noRot="1" noChangeAspect="1"/>
           </p:cNvSpPr>
@@ -1858,7 +1863,7 @@
       </p:sp>
       <p:sp>
         <p:nvSpPr>
-          <p:cNvPr id="3" name="Notes Placeholder 2"/>
+          <p:cNvPr id="5" name="Notes Placeholder 4"/>
           <p:cNvSpPr>
             <a:spLocks noGrp="1"/>
           </p:cNvSpPr>
@@ -1878,7 +1883,7 @@
     </p:spTree>
     <p:extLst>
       <p:ext uri="{BB962C8B-B14F-4D97-AF65-F5344CB8AC3E}">
-        <p14:creationId xmlns:p14="http://schemas.microsoft.com/office/powerpoint/2010/main" val="3045367752"/>
+        <p14:creationId xmlns:p14="http://schemas.microsoft.com/office/powerpoint/2010/main" val="1738624816"/>
       </p:ext>
     </p:extLst>
   </p:cSld>
@@ -2010,7 +2015,7 @@
     </p:spTree>
     <p:extLst>
       <p:ext uri="{BB962C8B-B14F-4D97-AF65-F5344CB8AC3E}">
-        <p14:creationId xmlns:p14="http://schemas.microsoft.com/office/powerpoint/2010/main" val="2329670748"/>
+        <p14:creationId xmlns:p14="http://schemas.microsoft.com/office/powerpoint/2010/main" val="88445827"/>
       </p:ext>
     </p:extLst>
   </p:cSld>
@@ -2076,7 +2081,7 @@
     </p:spTree>
     <p:extLst>
       <p:ext uri="{BB962C8B-B14F-4D97-AF65-F5344CB8AC3E}">
-        <p14:creationId xmlns:p14="http://schemas.microsoft.com/office/powerpoint/2010/main" val="4131700859"/>
+        <p14:creationId xmlns:p14="http://schemas.microsoft.com/office/powerpoint/2010/main" val="662896443"/>
       </p:ext>
     </p:extLst>
   </p:cSld>
@@ -2142,7 +2147,7 @@
     </p:spTree>
     <p:extLst>
       <p:ext uri="{BB962C8B-B14F-4D97-AF65-F5344CB8AC3E}">
-        <p14:creationId xmlns:p14="http://schemas.microsoft.com/office/powerpoint/2010/main" val="76209708"/>
+        <p14:creationId xmlns:p14="http://schemas.microsoft.com/office/powerpoint/2010/main" val="719987584"/>
       </p:ext>
     </p:extLst>
   </p:cSld>
@@ -2171,7 +2176,7 @@
       </p:grpSpPr>
       <p:sp>
         <p:nvSpPr>
-          <p:cNvPr id="2" name="Slide Image Placeholder 1"/>
+          <p:cNvPr id="4" name="Slide Image Placeholder 3"/>
           <p:cNvSpPr>
             <a:spLocks noGrp="1" noRot="1" noChangeAspect="1"/>
           </p:cNvSpPr>
@@ -2188,7 +2193,7 @@
       </p:sp>
       <p:sp>
         <p:nvSpPr>
-          <p:cNvPr id="3" name="Notes Placeholder 2"/>
+          <p:cNvPr id="5" name="Notes Placeholder 4"/>
           <p:cNvSpPr>
             <a:spLocks noGrp="1"/>
           </p:cNvSpPr>
@@ -2208,7 +2213,7 @@
     </p:spTree>
     <p:extLst>
       <p:ext uri="{BB962C8B-B14F-4D97-AF65-F5344CB8AC3E}">
-        <p14:creationId xmlns:p14="http://schemas.microsoft.com/office/powerpoint/2010/main" val="3401263479"/>
+        <p14:creationId xmlns:p14="http://schemas.microsoft.com/office/powerpoint/2010/main" val="1890198950"/>
       </p:ext>
     </p:extLst>
   </p:cSld>
@@ -2237,7 +2242,7 @@
       </p:grpSpPr>
       <p:sp>
         <p:nvSpPr>
-          <p:cNvPr id="4" name="Slide Image Placeholder 3"/>
+          <p:cNvPr id="2" name="Slide Image Placeholder 1"/>
           <p:cNvSpPr>
             <a:spLocks noGrp="1" noRot="1" noChangeAspect="1"/>
           </p:cNvSpPr>
@@ -2254,7 +2259,7 @@
       </p:sp>
       <p:sp>
         <p:nvSpPr>
-          <p:cNvPr id="5" name="Notes Placeholder 4"/>
+          <p:cNvPr id="3" name="Notes Placeholder 2"/>
           <p:cNvSpPr>
             <a:spLocks noGrp="1"/>
           </p:cNvSpPr>
@@ -2274,7 +2279,7 @@
     </p:spTree>
     <p:extLst>
       <p:ext uri="{BB962C8B-B14F-4D97-AF65-F5344CB8AC3E}">
-        <p14:creationId xmlns:p14="http://schemas.microsoft.com/office/powerpoint/2010/main" val="1437364188"/>
+        <p14:creationId xmlns:p14="http://schemas.microsoft.com/office/powerpoint/2010/main" val="3045367752"/>
       </p:ext>
     </p:extLst>
   </p:cSld>
@@ -2303,25 +2308,6 @@
       </p:grpSpPr>
       <p:sp>
         <p:nvSpPr>
-          <p:cNvPr id="3" name="Notes Placeholder 2"/>
-          <p:cNvSpPr>
-            <a:spLocks noGrp="1"/>
-          </p:cNvSpPr>
-          <p:nvPr>
-            <p:ph type="body" idx="1"/>
-          </p:nvPr>
-        </p:nvSpPr>
-        <p:spPr/>
-        <p:txBody>
-          <a:bodyPr/>
-          <a:lstStyle/>
-          <a:p>
-            <a:endParaRPr lang="en-US" dirty="0"/>
-          </a:p>
-        </p:txBody>
-      </p:sp>
-      <p:sp>
-        <p:nvSpPr>
           <p:cNvPr id="4" name="Slide Image Placeholder 3"/>
           <p:cNvSpPr>
             <a:spLocks noGrp="1" noRot="1" noChangeAspect="1"/>
@@ -2337,10 +2323,29 @@
           </a:xfrm>
         </p:spPr>
       </p:sp>
+      <p:sp>
+        <p:nvSpPr>
+          <p:cNvPr id="5" name="Notes Placeholder 4"/>
+          <p:cNvSpPr>
+            <a:spLocks noGrp="1"/>
+          </p:cNvSpPr>
+          <p:nvPr>
+            <p:ph type="body" idx="1"/>
+          </p:nvPr>
+        </p:nvSpPr>
+        <p:spPr/>
+        <p:txBody>
+          <a:bodyPr/>
+          <a:lstStyle/>
+          <a:p>
+            <a:endParaRPr lang="en-US" dirty="0"/>
+          </a:p>
+        </p:txBody>
+      </p:sp>
     </p:spTree>
     <p:extLst>
       <p:ext uri="{BB962C8B-B14F-4D97-AF65-F5344CB8AC3E}">
-        <p14:creationId xmlns:p14="http://schemas.microsoft.com/office/powerpoint/2010/main" val="561715035"/>
+        <p14:creationId xmlns:p14="http://schemas.microsoft.com/office/powerpoint/2010/main" val="2329670748"/>
       </p:ext>
     </p:extLst>
   </p:cSld>
@@ -2406,7 +2411,7 @@
     </p:spTree>
     <p:extLst>
       <p:ext uri="{BB962C8B-B14F-4D97-AF65-F5344CB8AC3E}">
-        <p14:creationId xmlns:p14="http://schemas.microsoft.com/office/powerpoint/2010/main" val="339578072"/>
+        <p14:creationId xmlns:p14="http://schemas.microsoft.com/office/powerpoint/2010/main" val="4131700859"/>
       </p:ext>
     </p:extLst>
   </p:cSld>
@@ -2472,7 +2477,7 @@
     </p:spTree>
     <p:extLst>
       <p:ext uri="{BB962C8B-B14F-4D97-AF65-F5344CB8AC3E}">
-        <p14:creationId xmlns:p14="http://schemas.microsoft.com/office/powerpoint/2010/main" val="1016140467"/>
+        <p14:creationId xmlns:p14="http://schemas.microsoft.com/office/powerpoint/2010/main" val="76209708"/>
       </p:ext>
     </p:extLst>
   </p:cSld>
@@ -2538,7 +2543,73 @@
     </p:spTree>
     <p:extLst>
       <p:ext uri="{BB962C8B-B14F-4D97-AF65-F5344CB8AC3E}">
-        <p14:creationId xmlns:p14="http://schemas.microsoft.com/office/powerpoint/2010/main" val="1396924133"/>
+        <p14:creationId xmlns:p14="http://schemas.microsoft.com/office/powerpoint/2010/main" val="3401263479"/>
+      </p:ext>
+    </p:extLst>
+  </p:cSld>
+  <p:clrMapOvr>
+    <a:masterClrMapping/>
+  </p:clrMapOvr>
+</p:notes>
+</file>
+
+<file path=ppt/notesSlides/notesSlide29.xml><?xml version="1.0" encoding="utf-8"?>
+<p:notes xmlns:a="http://schemas.openxmlformats.org/drawingml/2006/main" xmlns:r="http://schemas.openxmlformats.org/officeDocument/2006/relationships" xmlns:p="http://schemas.openxmlformats.org/presentationml/2006/main">
+  <p:cSld>
+    <p:spTree>
+      <p:nvGrpSpPr>
+        <p:cNvPr id="1" name=""/>
+        <p:cNvGrpSpPr/>
+        <p:nvPr/>
+      </p:nvGrpSpPr>
+      <p:grpSpPr>
+        <a:xfrm>
+          <a:off x="0" y="0"/>
+          <a:ext cx="0" cy="0"/>
+          <a:chOff x="0" y="0"/>
+          <a:chExt cx="0" cy="0"/>
+        </a:xfrm>
+      </p:grpSpPr>
+      <p:sp>
+        <p:nvSpPr>
+          <p:cNvPr id="4" name="Slide Image Placeholder 3"/>
+          <p:cNvSpPr>
+            <a:spLocks noGrp="1" noRot="1" noChangeAspect="1"/>
+          </p:cNvSpPr>
+          <p:nvPr>
+            <p:ph type="sldImg"/>
+          </p:nvPr>
+        </p:nvSpPr>
+        <p:spPr>
+          <a:xfrm>
+            <a:off x="1189038" y="701675"/>
+            <a:ext cx="4676775" cy="3508375"/>
+          </a:xfrm>
+        </p:spPr>
+      </p:sp>
+      <p:sp>
+        <p:nvSpPr>
+          <p:cNvPr id="5" name="Notes Placeholder 4"/>
+          <p:cNvSpPr>
+            <a:spLocks noGrp="1"/>
+          </p:cNvSpPr>
+          <p:nvPr>
+            <p:ph type="body" idx="1"/>
+          </p:nvPr>
+        </p:nvSpPr>
+        <p:spPr/>
+        <p:txBody>
+          <a:bodyPr/>
+          <a:lstStyle/>
+          <a:p>
+            <a:endParaRPr lang="en-US" dirty="0"/>
+          </a:p>
+        </p:txBody>
+      </p:sp>
+    </p:spTree>
+    <p:extLst>
+      <p:ext uri="{BB962C8B-B14F-4D97-AF65-F5344CB8AC3E}">
+        <p14:creationId xmlns:p14="http://schemas.microsoft.com/office/powerpoint/2010/main" val="1437364188"/>
       </p:ext>
     </p:extLst>
   </p:cSld>
@@ -2614,6 +2685,270 @@
 </p:notes>
 </file>
 
+<file path=ppt/notesSlides/notesSlide30.xml><?xml version="1.0" encoding="utf-8"?>
+<p:notes xmlns:a="http://schemas.openxmlformats.org/drawingml/2006/main" xmlns:r="http://schemas.openxmlformats.org/officeDocument/2006/relationships" xmlns:p="http://schemas.openxmlformats.org/presentationml/2006/main">
+  <p:cSld>
+    <p:spTree>
+      <p:nvGrpSpPr>
+        <p:cNvPr id="1" name=""/>
+        <p:cNvGrpSpPr/>
+        <p:nvPr/>
+      </p:nvGrpSpPr>
+      <p:grpSpPr>
+        <a:xfrm>
+          <a:off x="0" y="0"/>
+          <a:ext cx="0" cy="0"/>
+          <a:chOff x="0" y="0"/>
+          <a:chExt cx="0" cy="0"/>
+        </a:xfrm>
+      </p:grpSpPr>
+      <p:sp>
+        <p:nvSpPr>
+          <p:cNvPr id="3" name="Notes Placeholder 2"/>
+          <p:cNvSpPr>
+            <a:spLocks noGrp="1"/>
+          </p:cNvSpPr>
+          <p:nvPr>
+            <p:ph type="body" idx="1"/>
+          </p:nvPr>
+        </p:nvSpPr>
+        <p:spPr/>
+        <p:txBody>
+          <a:bodyPr/>
+          <a:lstStyle/>
+          <a:p>
+            <a:endParaRPr lang="en-US" dirty="0"/>
+          </a:p>
+        </p:txBody>
+      </p:sp>
+      <p:sp>
+        <p:nvSpPr>
+          <p:cNvPr id="4" name="Slide Image Placeholder 3"/>
+          <p:cNvSpPr>
+            <a:spLocks noGrp="1" noRot="1" noChangeAspect="1"/>
+          </p:cNvSpPr>
+          <p:nvPr>
+            <p:ph type="sldImg"/>
+          </p:nvPr>
+        </p:nvSpPr>
+        <p:spPr>
+          <a:xfrm>
+            <a:off x="1189038" y="701675"/>
+            <a:ext cx="4676775" cy="3508375"/>
+          </a:xfrm>
+        </p:spPr>
+      </p:sp>
+    </p:spTree>
+    <p:extLst>
+      <p:ext uri="{BB962C8B-B14F-4D97-AF65-F5344CB8AC3E}">
+        <p14:creationId xmlns:p14="http://schemas.microsoft.com/office/powerpoint/2010/main" val="561715035"/>
+      </p:ext>
+    </p:extLst>
+  </p:cSld>
+  <p:clrMapOvr>
+    <a:masterClrMapping/>
+  </p:clrMapOvr>
+</p:notes>
+</file>
+
+<file path=ppt/notesSlides/notesSlide31.xml><?xml version="1.0" encoding="utf-8"?>
+<p:notes xmlns:a="http://schemas.openxmlformats.org/drawingml/2006/main" xmlns:r="http://schemas.openxmlformats.org/officeDocument/2006/relationships" xmlns:p="http://schemas.openxmlformats.org/presentationml/2006/main">
+  <p:cSld>
+    <p:spTree>
+      <p:nvGrpSpPr>
+        <p:cNvPr id="1" name=""/>
+        <p:cNvGrpSpPr/>
+        <p:nvPr/>
+      </p:nvGrpSpPr>
+      <p:grpSpPr>
+        <a:xfrm>
+          <a:off x="0" y="0"/>
+          <a:ext cx="0" cy="0"/>
+          <a:chOff x="0" y="0"/>
+          <a:chExt cx="0" cy="0"/>
+        </a:xfrm>
+      </p:grpSpPr>
+      <p:sp>
+        <p:nvSpPr>
+          <p:cNvPr id="4" name="Slide Image Placeholder 3"/>
+          <p:cNvSpPr>
+            <a:spLocks noGrp="1" noRot="1" noChangeAspect="1"/>
+          </p:cNvSpPr>
+          <p:nvPr>
+            <p:ph type="sldImg"/>
+          </p:nvPr>
+        </p:nvSpPr>
+        <p:spPr>
+          <a:xfrm>
+            <a:off x="1189038" y="701675"/>
+            <a:ext cx="4676775" cy="3508375"/>
+          </a:xfrm>
+        </p:spPr>
+      </p:sp>
+      <p:sp>
+        <p:nvSpPr>
+          <p:cNvPr id="5" name="Notes Placeholder 4"/>
+          <p:cNvSpPr>
+            <a:spLocks noGrp="1"/>
+          </p:cNvSpPr>
+          <p:nvPr>
+            <p:ph type="body" idx="1"/>
+          </p:nvPr>
+        </p:nvSpPr>
+        <p:spPr/>
+        <p:txBody>
+          <a:bodyPr/>
+          <a:lstStyle/>
+          <a:p>
+            <a:endParaRPr lang="en-US" dirty="0"/>
+          </a:p>
+        </p:txBody>
+      </p:sp>
+    </p:spTree>
+    <p:extLst>
+      <p:ext uri="{BB962C8B-B14F-4D97-AF65-F5344CB8AC3E}">
+        <p14:creationId xmlns:p14="http://schemas.microsoft.com/office/powerpoint/2010/main" val="339578072"/>
+      </p:ext>
+    </p:extLst>
+  </p:cSld>
+  <p:clrMapOvr>
+    <a:masterClrMapping/>
+  </p:clrMapOvr>
+</p:notes>
+</file>
+
+<file path=ppt/notesSlides/notesSlide32.xml><?xml version="1.0" encoding="utf-8"?>
+<p:notes xmlns:a="http://schemas.openxmlformats.org/drawingml/2006/main" xmlns:r="http://schemas.openxmlformats.org/officeDocument/2006/relationships" xmlns:p="http://schemas.openxmlformats.org/presentationml/2006/main">
+  <p:cSld>
+    <p:spTree>
+      <p:nvGrpSpPr>
+        <p:cNvPr id="1" name=""/>
+        <p:cNvGrpSpPr/>
+        <p:nvPr/>
+      </p:nvGrpSpPr>
+      <p:grpSpPr>
+        <a:xfrm>
+          <a:off x="0" y="0"/>
+          <a:ext cx="0" cy="0"/>
+          <a:chOff x="0" y="0"/>
+          <a:chExt cx="0" cy="0"/>
+        </a:xfrm>
+      </p:grpSpPr>
+      <p:sp>
+        <p:nvSpPr>
+          <p:cNvPr id="4" name="Slide Image Placeholder 3"/>
+          <p:cNvSpPr>
+            <a:spLocks noGrp="1" noRot="1" noChangeAspect="1"/>
+          </p:cNvSpPr>
+          <p:nvPr>
+            <p:ph type="sldImg"/>
+          </p:nvPr>
+        </p:nvSpPr>
+        <p:spPr>
+          <a:xfrm>
+            <a:off x="1189038" y="701675"/>
+            <a:ext cx="4676775" cy="3508375"/>
+          </a:xfrm>
+        </p:spPr>
+      </p:sp>
+      <p:sp>
+        <p:nvSpPr>
+          <p:cNvPr id="5" name="Notes Placeholder 4"/>
+          <p:cNvSpPr>
+            <a:spLocks noGrp="1"/>
+          </p:cNvSpPr>
+          <p:nvPr>
+            <p:ph type="body" idx="1"/>
+          </p:nvPr>
+        </p:nvSpPr>
+        <p:spPr/>
+        <p:txBody>
+          <a:bodyPr/>
+          <a:lstStyle/>
+          <a:p>
+            <a:endParaRPr lang="en-US" dirty="0"/>
+          </a:p>
+        </p:txBody>
+      </p:sp>
+    </p:spTree>
+    <p:extLst>
+      <p:ext uri="{BB962C8B-B14F-4D97-AF65-F5344CB8AC3E}">
+        <p14:creationId xmlns:p14="http://schemas.microsoft.com/office/powerpoint/2010/main" val="1016140467"/>
+      </p:ext>
+    </p:extLst>
+  </p:cSld>
+  <p:clrMapOvr>
+    <a:masterClrMapping/>
+  </p:clrMapOvr>
+</p:notes>
+</file>
+
+<file path=ppt/notesSlides/notesSlide33.xml><?xml version="1.0" encoding="utf-8"?>
+<p:notes xmlns:a="http://schemas.openxmlformats.org/drawingml/2006/main" xmlns:r="http://schemas.openxmlformats.org/officeDocument/2006/relationships" xmlns:p="http://schemas.openxmlformats.org/presentationml/2006/main">
+  <p:cSld>
+    <p:spTree>
+      <p:nvGrpSpPr>
+        <p:cNvPr id="1" name=""/>
+        <p:cNvGrpSpPr/>
+        <p:nvPr/>
+      </p:nvGrpSpPr>
+      <p:grpSpPr>
+        <a:xfrm>
+          <a:off x="0" y="0"/>
+          <a:ext cx="0" cy="0"/>
+          <a:chOff x="0" y="0"/>
+          <a:chExt cx="0" cy="0"/>
+        </a:xfrm>
+      </p:grpSpPr>
+      <p:sp>
+        <p:nvSpPr>
+          <p:cNvPr id="2" name="Slide Image Placeholder 1"/>
+          <p:cNvSpPr>
+            <a:spLocks noGrp="1" noRot="1" noChangeAspect="1"/>
+          </p:cNvSpPr>
+          <p:nvPr>
+            <p:ph type="sldImg"/>
+          </p:nvPr>
+        </p:nvSpPr>
+        <p:spPr>
+          <a:xfrm>
+            <a:off x="1189038" y="701675"/>
+            <a:ext cx="4676775" cy="3508375"/>
+          </a:xfrm>
+        </p:spPr>
+      </p:sp>
+      <p:sp>
+        <p:nvSpPr>
+          <p:cNvPr id="3" name="Notes Placeholder 2"/>
+          <p:cNvSpPr>
+            <a:spLocks noGrp="1"/>
+          </p:cNvSpPr>
+          <p:nvPr>
+            <p:ph type="body" idx="1"/>
+          </p:nvPr>
+        </p:nvSpPr>
+        <p:spPr/>
+        <p:txBody>
+          <a:bodyPr/>
+          <a:lstStyle/>
+          <a:p>
+            <a:endParaRPr lang="en-US" dirty="0"/>
+          </a:p>
+        </p:txBody>
+      </p:sp>
+    </p:spTree>
+    <p:extLst>
+      <p:ext uri="{BB962C8B-B14F-4D97-AF65-F5344CB8AC3E}">
+        <p14:creationId xmlns:p14="http://schemas.microsoft.com/office/powerpoint/2010/main" val="1396924133"/>
+      </p:ext>
+    </p:extLst>
+  </p:cSld>
+  <p:clrMapOvr>
+    <a:masterClrMapping/>
+  </p:clrMapOvr>
+</p:notes>
+</file>
+
 <file path=ppt/notesSlides/notesSlide4.xml><?xml version="1.0" encoding="utf-8"?>
 <p:notes xmlns:a="http://schemas.openxmlformats.org/drawingml/2006/main" xmlns:r="http://schemas.openxmlformats.org/officeDocument/2006/relationships" xmlns:p="http://schemas.openxmlformats.org/presentationml/2006/main">
   <p:cSld>
@@ -2670,7 +3005,7 @@
     </p:spTree>
     <p:extLst>
       <p:ext uri="{BB962C8B-B14F-4D97-AF65-F5344CB8AC3E}">
-        <p14:creationId xmlns:p14="http://schemas.microsoft.com/office/powerpoint/2010/main" val="431877283"/>
+        <p14:creationId xmlns:p14="http://schemas.microsoft.com/office/powerpoint/2010/main" val="1735555408"/>
       </p:ext>
     </p:extLst>
   </p:cSld>
@@ -2736,7 +3071,7 @@
     </p:spTree>
     <p:extLst>
       <p:ext uri="{BB962C8B-B14F-4D97-AF65-F5344CB8AC3E}">
-        <p14:creationId xmlns:p14="http://schemas.microsoft.com/office/powerpoint/2010/main" val="1565230098"/>
+        <p14:creationId xmlns:p14="http://schemas.microsoft.com/office/powerpoint/2010/main" val="3803509468"/>
       </p:ext>
     </p:extLst>
   </p:cSld>
@@ -2802,7 +3137,7 @@
     </p:spTree>
     <p:extLst>
       <p:ext uri="{BB962C8B-B14F-4D97-AF65-F5344CB8AC3E}">
-        <p14:creationId xmlns:p14="http://schemas.microsoft.com/office/powerpoint/2010/main" val="1372303649"/>
+        <p14:creationId xmlns:p14="http://schemas.microsoft.com/office/powerpoint/2010/main" val="2638638792"/>
       </p:ext>
     </p:extLst>
   </p:cSld>
@@ -2868,7 +3203,7 @@
     </p:spTree>
     <p:extLst>
       <p:ext uri="{BB962C8B-B14F-4D97-AF65-F5344CB8AC3E}">
-        <p14:creationId xmlns:p14="http://schemas.microsoft.com/office/powerpoint/2010/main" val="329036260"/>
+        <p14:creationId xmlns:p14="http://schemas.microsoft.com/office/powerpoint/2010/main" val="1794427698"/>
       </p:ext>
     </p:extLst>
   </p:cSld>
@@ -2897,6 +3232,25 @@
       </p:grpSpPr>
       <p:sp>
         <p:nvSpPr>
+          <p:cNvPr id="3" name="Notes Placeholder 2"/>
+          <p:cNvSpPr>
+            <a:spLocks noGrp="1"/>
+          </p:cNvSpPr>
+          <p:nvPr>
+            <p:ph type="body" idx="1"/>
+          </p:nvPr>
+        </p:nvSpPr>
+        <p:spPr/>
+        <p:txBody>
+          <a:bodyPr/>
+          <a:lstStyle/>
+          <a:p>
+            <a:endParaRPr lang="en-US" dirty="0"/>
+          </a:p>
+        </p:txBody>
+      </p:sp>
+      <p:sp>
+        <p:nvSpPr>
           <p:cNvPr id="4" name="Slide Image Placeholder 3"/>
           <p:cNvSpPr>
             <a:spLocks noGrp="1" noRot="1" noChangeAspect="1"/>
@@ -2912,29 +3266,10 @@
           </a:xfrm>
         </p:spPr>
       </p:sp>
-      <p:sp>
-        <p:nvSpPr>
-          <p:cNvPr id="5" name="Notes Placeholder 4"/>
-          <p:cNvSpPr>
-            <a:spLocks noGrp="1"/>
-          </p:cNvSpPr>
-          <p:nvPr>
-            <p:ph type="body" idx="1"/>
-          </p:nvPr>
-        </p:nvSpPr>
-        <p:spPr/>
-        <p:txBody>
-          <a:bodyPr/>
-          <a:lstStyle/>
-          <a:p>
-            <a:endParaRPr lang="en-US" dirty="0"/>
-          </a:p>
-        </p:txBody>
-      </p:sp>
     </p:spTree>
     <p:extLst>
       <p:ext uri="{BB962C8B-B14F-4D97-AF65-F5344CB8AC3E}">
-        <p14:creationId xmlns:p14="http://schemas.microsoft.com/office/powerpoint/2010/main" val="1837707428"/>
+        <p14:creationId xmlns:p14="http://schemas.microsoft.com/office/powerpoint/2010/main" val="2382970391"/>
       </p:ext>
     </p:extLst>
   </p:cSld>
@@ -3000,7 +3335,7 @@
     </p:spTree>
     <p:extLst>
       <p:ext uri="{BB962C8B-B14F-4D97-AF65-F5344CB8AC3E}">
-        <p14:creationId xmlns:p14="http://schemas.microsoft.com/office/powerpoint/2010/main" val="1502264193"/>
+        <p14:creationId xmlns:p14="http://schemas.microsoft.com/office/powerpoint/2010/main" val="431877283"/>
       </p:ext>
     </p:extLst>
   </p:cSld>
@@ -8133,6 +8468,1410 @@
         </p:nvSpPr>
         <p:spPr>
           <a:xfrm>
+            <a:off x="581024" y="1155614"/>
+            <a:ext cx="8142351" cy="5072616"/>
+          </a:xfrm>
+        </p:spPr>
+        <p:txBody>
+          <a:bodyPr/>
+          <a:lstStyle/>
+          <a:p>
+            <a:r>
+              <a:rPr lang="en-US" dirty="0"/>
+              <a:t>There are some consistent steps you need to do regardless of which algorithm you use, although some models have different requirements</a:t>
+            </a:r>
+          </a:p>
+          <a:p>
+            <a:r>
+              <a:rPr lang="en-US" dirty="0"/>
+              <a:t>Usually, categorical data needs to be re-encoded as a vector that is OneHotEncoded </a:t>
+            </a:r>
+          </a:p>
+          <a:p>
+            <a:r>
+              <a:rPr lang="en-US" dirty="0"/>
+              <a:t>All models should take the data set and split it into a training and testing set</a:t>
+            </a:r>
+          </a:p>
+          <a:p>
+            <a:r>
+              <a:rPr lang="en-US" dirty="0"/>
+              <a:t>First, you fit the model with the training set</a:t>
+            </a:r>
+          </a:p>
+          <a:p>
+            <a:pPr lvl="1"/>
+            <a:r>
+              <a:rPr lang="en-US" dirty="0"/>
+              <a:t>Can take some time for large datasets</a:t>
+            </a:r>
+          </a:p>
+          <a:p>
+            <a:r>
+              <a:rPr lang="en-US" dirty="0"/>
+              <a:t>Once the model is trained, you can see how good it is at making predictions by using a predict function and comparing those values to known values for the variable you are trying to predict</a:t>
+            </a:r>
+          </a:p>
+          <a:p>
+            <a:r>
+              <a:rPr lang="en-US" dirty="0"/>
+              <a:t>After you’ve picked the model that does the best job, you can use it to predict values either individually or in a batch for new data as it comes in</a:t>
+            </a:r>
+          </a:p>
+        </p:txBody>
+      </p:sp>
+      <p:sp>
+        <p:nvSpPr>
+          <p:cNvPr id="2" name="Title 1"/>
+          <p:cNvSpPr>
+            <a:spLocks noGrp="1"/>
+          </p:cNvSpPr>
+          <p:nvPr>
+            <p:ph type="title"/>
+          </p:nvPr>
+        </p:nvSpPr>
+        <p:spPr/>
+        <p:txBody>
+          <a:bodyPr/>
+          <a:lstStyle/>
+          <a:p>
+            <a:r>
+              <a:rPr lang="en-US" dirty="0"/>
+              <a:t>Steps to Classification</a:t>
+            </a:r>
+          </a:p>
+        </p:txBody>
+      </p:sp>
+    </p:spTree>
+    <p:extLst>
+      <p:ext uri="{BB962C8B-B14F-4D97-AF65-F5344CB8AC3E}">
+        <p14:creationId xmlns:p14="http://schemas.microsoft.com/office/powerpoint/2010/main" val="494064200"/>
+      </p:ext>
+    </p:extLst>
+  </p:cSld>
+  <p:clrMapOvr>
+    <a:masterClrMapping/>
+  </p:clrMapOvr>
+</p:sld>
+</file>
+
+<file path=ppt/slides/slide11.xml><?xml version="1.0" encoding="utf-8"?>
+<p:sld xmlns:a="http://schemas.openxmlformats.org/drawingml/2006/main" xmlns:r="http://schemas.openxmlformats.org/officeDocument/2006/relationships" xmlns:p="http://schemas.openxmlformats.org/presentationml/2006/main">
+  <p:cSld>
+    <p:spTree>
+      <p:nvGrpSpPr>
+        <p:cNvPr id="1" name=""/>
+        <p:cNvGrpSpPr/>
+        <p:nvPr/>
+      </p:nvGrpSpPr>
+      <p:grpSpPr>
+        <a:xfrm>
+          <a:off x="0" y="0"/>
+          <a:ext cx="0" cy="0"/>
+          <a:chOff x="0" y="0"/>
+          <a:chExt cx="0" cy="0"/>
+        </a:xfrm>
+      </p:grpSpPr>
+      <p:sp>
+        <p:nvSpPr>
+          <p:cNvPr id="3" name="Content Placeholder 2"/>
+          <p:cNvSpPr>
+            <a:spLocks noGrp="1"/>
+          </p:cNvSpPr>
+          <p:nvPr>
+            <p:ph idx="1"/>
+          </p:nvPr>
+        </p:nvSpPr>
+        <p:spPr/>
+        <p:txBody>
+          <a:bodyPr/>
+          <a:lstStyle/>
+          <a:p>
+            <a:r>
+              <a:rPr lang="en-US" dirty="0"/>
+              <a:t>Often you are trying to predict an either/or value</a:t>
+            </a:r>
+          </a:p>
+          <a:p>
+            <a:pPr lvl="1"/>
+            <a:r>
+              <a:rPr lang="en-US" dirty="0"/>
+              <a:t>Is a card swipe fraudulent or legitimate?</a:t>
+            </a:r>
+          </a:p>
+          <a:p>
+            <a:pPr lvl="1"/>
+            <a:r>
+              <a:rPr lang="en-US" dirty="0"/>
+              <a:t>Does a patient have cancer or not?</a:t>
+            </a:r>
+          </a:p>
+          <a:p>
+            <a:r>
+              <a:rPr lang="en-US" dirty="0"/>
+              <a:t>Not limited to just two choices, you could predict whether a record falls into a category with many different values</a:t>
+            </a:r>
+          </a:p>
+          <a:p>
+            <a:pPr lvl="1"/>
+            <a:r>
+              <a:rPr lang="en-US" dirty="0"/>
+              <a:t>It just gets trickier sometimes to interpret the results</a:t>
+            </a:r>
+          </a:p>
+          <a:p>
+            <a:r>
+              <a:rPr lang="en-US" dirty="0"/>
+              <a:t>The math and techniques behind the scenes can get complicated, but you don’t really need to know any of it to use the algorithms</a:t>
+            </a:r>
+          </a:p>
+          <a:p>
+            <a:r>
+              <a:rPr lang="en-US" dirty="0"/>
+              <a:t>Just knowing how to identify that you need a classification model and how to prep the data and interpret the results is often good enough to get started</a:t>
+            </a:r>
+          </a:p>
+          <a:p>
+            <a:r>
+              <a:rPr lang="en-US" dirty="0"/>
+              <a:t>As you get more sophisticated, you can learn the math behind the scenes to tweak the results and try to get better results</a:t>
+            </a:r>
+          </a:p>
+        </p:txBody>
+      </p:sp>
+      <p:sp>
+        <p:nvSpPr>
+          <p:cNvPr id="2" name="Title 1"/>
+          <p:cNvSpPr>
+            <a:spLocks noGrp="1"/>
+          </p:cNvSpPr>
+          <p:nvPr>
+            <p:ph type="title"/>
+          </p:nvPr>
+        </p:nvSpPr>
+        <p:spPr/>
+        <p:txBody>
+          <a:bodyPr/>
+          <a:lstStyle/>
+          <a:p>
+            <a:r>
+              <a:rPr lang="en-US" dirty="0"/>
+              <a:t>Notes on Classification</a:t>
+            </a:r>
+          </a:p>
+        </p:txBody>
+      </p:sp>
+    </p:spTree>
+    <p:extLst>
+      <p:ext uri="{BB962C8B-B14F-4D97-AF65-F5344CB8AC3E}">
+        <p14:creationId xmlns:p14="http://schemas.microsoft.com/office/powerpoint/2010/main" val="1938783940"/>
+      </p:ext>
+    </p:extLst>
+  </p:cSld>
+  <p:clrMapOvr>
+    <a:masterClrMapping/>
+  </p:clrMapOvr>
+</p:sld>
+</file>
+
+<file path=ppt/slides/slide12.xml><?xml version="1.0" encoding="utf-8"?>
+<p:sld xmlns:a="http://schemas.openxmlformats.org/drawingml/2006/main" xmlns:r="http://schemas.openxmlformats.org/officeDocument/2006/relationships" xmlns:p="http://schemas.openxmlformats.org/presentationml/2006/main">
+  <p:cSld>
+    <p:spTree>
+      <p:nvGrpSpPr>
+        <p:cNvPr id="1" name=""/>
+        <p:cNvGrpSpPr/>
+        <p:nvPr/>
+      </p:nvGrpSpPr>
+      <p:grpSpPr>
+        <a:xfrm>
+          <a:off x="0" y="0"/>
+          <a:ext cx="0" cy="0"/>
+          <a:chOff x="0" y="0"/>
+          <a:chExt cx="0" cy="0"/>
+        </a:xfrm>
+      </p:grpSpPr>
+      <p:sp>
+        <p:nvSpPr>
+          <p:cNvPr id="3" name="Content Placeholder 2"/>
+          <p:cNvSpPr>
+            <a:spLocks noGrp="1"/>
+          </p:cNvSpPr>
+          <p:nvPr>
+            <p:ph idx="1"/>
+          </p:nvPr>
+        </p:nvSpPr>
+        <p:spPr/>
+        <p:txBody>
+          <a:bodyPr/>
+          <a:lstStyle/>
+          <a:p>
+            <a:r>
+              <a:rPr lang="en-US" dirty="0"/>
+              <a:t>Let’s look at some data first, and use this with several different algorithms</a:t>
+            </a:r>
+          </a:p>
+          <a:p>
+            <a:r>
+              <a:rPr lang="en-US" dirty="0"/>
+              <a:t>The dataset is whether borrowers defaulted on a loan or not</a:t>
+            </a:r>
+          </a:p>
+          <a:p>
+            <a:endParaRPr lang="en-US" dirty="0"/>
+          </a:p>
+          <a:p>
+            <a:endParaRPr lang="en-US" dirty="0"/>
+          </a:p>
+          <a:p>
+            <a:endParaRPr lang="en-US" dirty="0"/>
+          </a:p>
+          <a:p>
+            <a:pPr lvl="1"/>
+            <a:endParaRPr lang="en-US" sz="1200" dirty="0"/>
+          </a:p>
+          <a:p>
+            <a:r>
+              <a:rPr lang="en-US" dirty="0"/>
+              <a:t>Let’s keep the following numerical and categorical features and try to predict whether they default yes/no</a:t>
+            </a:r>
+          </a:p>
+          <a:p>
+            <a:endParaRPr lang="en-US" dirty="0"/>
+          </a:p>
+          <a:p>
+            <a:pPr lvl="1"/>
+            <a:endParaRPr lang="en-US" dirty="0"/>
+          </a:p>
+        </p:txBody>
+      </p:sp>
+      <p:sp>
+        <p:nvSpPr>
+          <p:cNvPr id="2" name="Title 1"/>
+          <p:cNvSpPr>
+            <a:spLocks noGrp="1"/>
+          </p:cNvSpPr>
+          <p:nvPr>
+            <p:ph type="title"/>
+          </p:nvPr>
+        </p:nvSpPr>
+        <p:spPr/>
+        <p:txBody>
+          <a:bodyPr/>
+          <a:lstStyle/>
+          <a:p>
+            <a:r>
+              <a:rPr lang="en-US" dirty="0"/>
+              <a:t>Preparing the Data</a:t>
+            </a:r>
+          </a:p>
+        </p:txBody>
+      </p:sp>
+      <p:sp>
+        <p:nvSpPr>
+          <p:cNvPr id="4" name="TextBox 3">
+            <a:extLst>
+              <a:ext uri="{FF2B5EF4-FFF2-40B4-BE49-F238E27FC236}">
+                <a16:creationId xmlns:a16="http://schemas.microsoft.com/office/drawing/2014/main" id="{B25BD5BC-E8B9-4540-A404-A5C6B4AFC25D}"/>
+              </a:ext>
+            </a:extLst>
+          </p:cNvPr>
+          <p:cNvSpPr txBox="1"/>
+          <p:nvPr/>
+        </p:nvSpPr>
+        <p:spPr>
+          <a:xfrm>
+            <a:off x="741851" y="2059887"/>
+            <a:ext cx="7660298" cy="954107"/>
+          </a:xfrm>
+          <a:prstGeom prst="rect">
+            <a:avLst/>
+          </a:prstGeom>
+          <a:noFill/>
+          <a:ln w="28575" algn="ctr">
+            <a:solidFill>
+              <a:schemeClr val="accent2">
+                <a:lumMod val="20000"/>
+                <a:lumOff val="80000"/>
+              </a:schemeClr>
+            </a:solidFill>
+            <a:miter lim="800000"/>
+            <a:headEnd/>
+            <a:tailEnd/>
+          </a:ln>
+          <a:effectLst/>
+        </p:spPr>
+        <p:txBody>
+          <a:bodyPr wrap="square">
+            <a:spAutoFit/>
+          </a:bodyPr>
+          <a:lstStyle>
+            <a:defPPr>
+              <a:defRPr lang="en-US"/>
+            </a:defPPr>
+            <a:lvl1pPr marL="0" defTabSz="914400" eaLnBrk="1" latinLnBrk="0" hangingPunct="1">
+              <a:defRPr sz="1400">
+                <a:solidFill>
+                  <a:schemeClr val="tx1"/>
+                </a:solidFill>
+                <a:latin typeface="Courier New" pitchFamily="49" charset="0"/>
+                <a:cs typeface="+mn-cs"/>
+              </a:defRPr>
+            </a:lvl1pPr>
+            <a:lvl2pPr marL="742950" indent="-285750" defTabSz="914400" latinLnBrk="0">
+              <a:defRPr sz="1400">
+                <a:solidFill>
+                  <a:schemeClr val="tx1"/>
+                </a:solidFill>
+                <a:latin typeface="Arial" charset="0"/>
+                <a:cs typeface="+mn-cs"/>
+              </a:defRPr>
+            </a:lvl2pPr>
+            <a:lvl3pPr marL="1143000" indent="-228600" defTabSz="914400" latinLnBrk="0">
+              <a:defRPr sz="1400">
+                <a:solidFill>
+                  <a:schemeClr val="tx1"/>
+                </a:solidFill>
+                <a:latin typeface="Arial" charset="0"/>
+                <a:cs typeface="+mn-cs"/>
+              </a:defRPr>
+            </a:lvl3pPr>
+            <a:lvl4pPr marL="1600200" indent="-228600" defTabSz="914400" latinLnBrk="0">
+              <a:defRPr sz="1400">
+                <a:solidFill>
+                  <a:schemeClr val="tx1"/>
+                </a:solidFill>
+                <a:latin typeface="Arial" charset="0"/>
+                <a:cs typeface="+mn-cs"/>
+              </a:defRPr>
+            </a:lvl4pPr>
+            <a:lvl5pPr marL="2057400" indent="-228600" defTabSz="914400" latinLnBrk="0">
+              <a:defRPr sz="1400">
+                <a:solidFill>
+                  <a:schemeClr val="tx1"/>
+                </a:solidFill>
+                <a:latin typeface="Arial" charset="0"/>
+                <a:cs typeface="+mn-cs"/>
+              </a:defRPr>
+            </a:lvl5pPr>
+            <a:lvl6pPr marL="2514600" indent="-228600" eaLnBrk="0" fontAlgn="base" hangingPunct="0">
+              <a:spcBef>
+                <a:spcPct val="0"/>
+              </a:spcBef>
+              <a:spcAft>
+                <a:spcPct val="0"/>
+              </a:spcAft>
+              <a:defRPr sz="1400">
+                <a:solidFill>
+                  <a:schemeClr val="tx1"/>
+                </a:solidFill>
+                <a:latin typeface="Arial" charset="0"/>
+                <a:cs typeface="+mn-cs"/>
+              </a:defRPr>
+            </a:lvl6pPr>
+            <a:lvl7pPr marL="2971800" indent="-228600" eaLnBrk="0" fontAlgn="base" hangingPunct="0">
+              <a:spcBef>
+                <a:spcPct val="0"/>
+              </a:spcBef>
+              <a:spcAft>
+                <a:spcPct val="0"/>
+              </a:spcAft>
+              <a:defRPr sz="1400">
+                <a:solidFill>
+                  <a:schemeClr val="tx1"/>
+                </a:solidFill>
+                <a:latin typeface="Arial" charset="0"/>
+                <a:cs typeface="+mn-cs"/>
+              </a:defRPr>
+            </a:lvl7pPr>
+            <a:lvl8pPr marL="3429000" indent="-228600" eaLnBrk="0" fontAlgn="base" hangingPunct="0">
+              <a:spcBef>
+                <a:spcPct val="0"/>
+              </a:spcBef>
+              <a:spcAft>
+                <a:spcPct val="0"/>
+              </a:spcAft>
+              <a:defRPr sz="1400">
+                <a:solidFill>
+                  <a:schemeClr val="tx1"/>
+                </a:solidFill>
+                <a:latin typeface="Arial" charset="0"/>
+                <a:cs typeface="+mn-cs"/>
+              </a:defRPr>
+            </a:lvl8pPr>
+            <a:lvl9pPr marL="3886200" indent="-228600" eaLnBrk="0" fontAlgn="base" hangingPunct="0">
+              <a:spcBef>
+                <a:spcPct val="0"/>
+              </a:spcBef>
+              <a:spcAft>
+                <a:spcPct val="0"/>
+              </a:spcAft>
+              <a:defRPr sz="1400">
+                <a:solidFill>
+                  <a:schemeClr val="tx1"/>
+                </a:solidFill>
+                <a:latin typeface="Arial" charset="0"/>
+                <a:cs typeface="+mn-cs"/>
+              </a:defRPr>
+            </a:lvl9pPr>
+          </a:lstStyle>
+          <a:p>
+            <a:r>
+              <a:rPr lang="en-US" b="1" dirty="0"/>
+              <a:t>filename = 'bank.csv'</a:t>
+            </a:r>
+          </a:p>
+          <a:p>
+            <a:r>
+              <a:rPr lang="en-US" b="1" dirty="0"/>
+              <a:t>df = spark.read.csv(f'/class/datasets/finance/{filename}', header = True, inferSchema = True)</a:t>
+            </a:r>
+          </a:p>
+          <a:p>
+            <a:r>
+              <a:rPr lang="en-US" b="1" dirty="0"/>
+              <a:t>display(df)</a:t>
+            </a:r>
+          </a:p>
+        </p:txBody>
+      </p:sp>
+      <p:sp>
+        <p:nvSpPr>
+          <p:cNvPr id="5" name="TextBox 4">
+            <a:extLst>
+              <a:ext uri="{FF2B5EF4-FFF2-40B4-BE49-F238E27FC236}">
+                <a16:creationId xmlns:a16="http://schemas.microsoft.com/office/drawing/2014/main" id="{10612803-6614-AD49-83F2-D3BC541C0055}"/>
+              </a:ext>
+            </a:extLst>
+          </p:cNvPr>
+          <p:cNvSpPr txBox="1"/>
+          <p:nvPr/>
+        </p:nvSpPr>
+        <p:spPr>
+          <a:xfrm>
+            <a:off x="741851" y="4244398"/>
+            <a:ext cx="7660298" cy="1600438"/>
+          </a:xfrm>
+          <a:prstGeom prst="rect">
+            <a:avLst/>
+          </a:prstGeom>
+          <a:noFill/>
+          <a:ln w="28575" algn="ctr">
+            <a:solidFill>
+              <a:schemeClr val="accent2">
+                <a:lumMod val="20000"/>
+                <a:lumOff val="80000"/>
+              </a:schemeClr>
+            </a:solidFill>
+            <a:miter lim="800000"/>
+            <a:headEnd/>
+            <a:tailEnd/>
+          </a:ln>
+          <a:effectLst/>
+        </p:spPr>
+        <p:txBody>
+          <a:bodyPr wrap="square">
+            <a:spAutoFit/>
+          </a:bodyPr>
+          <a:lstStyle>
+            <a:defPPr>
+              <a:defRPr lang="en-US"/>
+            </a:defPPr>
+            <a:lvl1pPr marL="0" defTabSz="914400" eaLnBrk="1" latinLnBrk="0" hangingPunct="1">
+              <a:defRPr sz="1400">
+                <a:solidFill>
+                  <a:schemeClr val="tx1"/>
+                </a:solidFill>
+                <a:latin typeface="Courier New" pitchFamily="49" charset="0"/>
+                <a:cs typeface="+mn-cs"/>
+              </a:defRPr>
+            </a:lvl1pPr>
+            <a:lvl2pPr marL="742950" indent="-285750" defTabSz="914400" latinLnBrk="0">
+              <a:defRPr sz="1400">
+                <a:solidFill>
+                  <a:schemeClr val="tx1"/>
+                </a:solidFill>
+                <a:latin typeface="Arial" charset="0"/>
+                <a:cs typeface="+mn-cs"/>
+              </a:defRPr>
+            </a:lvl2pPr>
+            <a:lvl3pPr marL="1143000" indent="-228600" defTabSz="914400" latinLnBrk="0">
+              <a:defRPr sz="1400">
+                <a:solidFill>
+                  <a:schemeClr val="tx1"/>
+                </a:solidFill>
+                <a:latin typeface="Arial" charset="0"/>
+                <a:cs typeface="+mn-cs"/>
+              </a:defRPr>
+            </a:lvl3pPr>
+            <a:lvl4pPr marL="1600200" indent="-228600" defTabSz="914400" latinLnBrk="0">
+              <a:defRPr sz="1400">
+                <a:solidFill>
+                  <a:schemeClr val="tx1"/>
+                </a:solidFill>
+                <a:latin typeface="Arial" charset="0"/>
+                <a:cs typeface="+mn-cs"/>
+              </a:defRPr>
+            </a:lvl4pPr>
+            <a:lvl5pPr marL="2057400" indent="-228600" defTabSz="914400" latinLnBrk="0">
+              <a:defRPr sz="1400">
+                <a:solidFill>
+                  <a:schemeClr val="tx1"/>
+                </a:solidFill>
+                <a:latin typeface="Arial" charset="0"/>
+                <a:cs typeface="+mn-cs"/>
+              </a:defRPr>
+            </a:lvl5pPr>
+            <a:lvl6pPr marL="2514600" indent="-228600" eaLnBrk="0" fontAlgn="base" hangingPunct="0">
+              <a:spcBef>
+                <a:spcPct val="0"/>
+              </a:spcBef>
+              <a:spcAft>
+                <a:spcPct val="0"/>
+              </a:spcAft>
+              <a:defRPr sz="1400">
+                <a:solidFill>
+                  <a:schemeClr val="tx1"/>
+                </a:solidFill>
+                <a:latin typeface="Arial" charset="0"/>
+                <a:cs typeface="+mn-cs"/>
+              </a:defRPr>
+            </a:lvl6pPr>
+            <a:lvl7pPr marL="2971800" indent="-228600" eaLnBrk="0" fontAlgn="base" hangingPunct="0">
+              <a:spcBef>
+                <a:spcPct val="0"/>
+              </a:spcBef>
+              <a:spcAft>
+                <a:spcPct val="0"/>
+              </a:spcAft>
+              <a:defRPr sz="1400">
+                <a:solidFill>
+                  <a:schemeClr val="tx1"/>
+                </a:solidFill>
+                <a:latin typeface="Arial" charset="0"/>
+                <a:cs typeface="+mn-cs"/>
+              </a:defRPr>
+            </a:lvl7pPr>
+            <a:lvl8pPr marL="3429000" indent="-228600" eaLnBrk="0" fontAlgn="base" hangingPunct="0">
+              <a:spcBef>
+                <a:spcPct val="0"/>
+              </a:spcBef>
+              <a:spcAft>
+                <a:spcPct val="0"/>
+              </a:spcAft>
+              <a:defRPr sz="1400">
+                <a:solidFill>
+                  <a:schemeClr val="tx1"/>
+                </a:solidFill>
+                <a:latin typeface="Arial" charset="0"/>
+                <a:cs typeface="+mn-cs"/>
+              </a:defRPr>
+            </a:lvl8pPr>
+            <a:lvl9pPr marL="3886200" indent="-228600" eaLnBrk="0" fontAlgn="base" hangingPunct="0">
+              <a:spcBef>
+                <a:spcPct val="0"/>
+              </a:spcBef>
+              <a:spcAft>
+                <a:spcPct val="0"/>
+              </a:spcAft>
+              <a:defRPr sz="1400">
+                <a:solidFill>
+                  <a:schemeClr val="tx1"/>
+                </a:solidFill>
+                <a:latin typeface="Arial" charset="0"/>
+                <a:cs typeface="+mn-cs"/>
+              </a:defRPr>
+            </a:lvl9pPr>
+          </a:lstStyle>
+          <a:p>
+            <a:r>
+              <a:rPr lang="en-US" b="1" dirty="0"/>
+              <a:t>numeric_features = ['age','balance', 'duration', 'pdays']</a:t>
+            </a:r>
+          </a:p>
+          <a:p>
+            <a:r>
+              <a:rPr lang="en-US" b="1" dirty="0"/>
+              <a:t>categorical_features = ['job', 'marital', 'education', 'housing', 'loan', 'contact', 'campaign', 'poutcome', 'deposit']</a:t>
+            </a:r>
+          </a:p>
+          <a:p>
+            <a:r>
+              <a:rPr lang="en-US" b="1" dirty="0"/>
+              <a:t>target_label = 'default'</a:t>
+            </a:r>
+          </a:p>
+          <a:p>
+            <a:endParaRPr lang="en-US" b="1" dirty="0"/>
+          </a:p>
+          <a:p>
+            <a:r>
+              <a:rPr lang="en-US" b="1" dirty="0"/>
+              <a:t>df = dfRawFile.select(numeric_features + categorical_features + [target_label])</a:t>
+            </a:r>
+          </a:p>
+        </p:txBody>
+      </p:sp>
+    </p:spTree>
+    <p:extLst>
+      <p:ext uri="{BB962C8B-B14F-4D97-AF65-F5344CB8AC3E}">
+        <p14:creationId xmlns:p14="http://schemas.microsoft.com/office/powerpoint/2010/main" val="1222681029"/>
+      </p:ext>
+    </p:extLst>
+  </p:cSld>
+  <p:clrMapOvr>
+    <a:masterClrMapping/>
+  </p:clrMapOvr>
+</p:sld>
+</file>
+
+<file path=ppt/slides/slide13.xml><?xml version="1.0" encoding="utf-8"?>
+<p:sld xmlns:a="http://schemas.openxmlformats.org/drawingml/2006/main" xmlns:r="http://schemas.openxmlformats.org/officeDocument/2006/relationships" xmlns:p="http://schemas.openxmlformats.org/presentationml/2006/main">
+  <p:cSld>
+    <p:spTree>
+      <p:nvGrpSpPr>
+        <p:cNvPr id="1" name=""/>
+        <p:cNvGrpSpPr/>
+        <p:nvPr/>
+      </p:nvGrpSpPr>
+      <p:grpSpPr>
+        <a:xfrm>
+          <a:off x="0" y="0"/>
+          <a:ext cx="0" cy="0"/>
+          <a:chOff x="0" y="0"/>
+          <a:chExt cx="0" cy="0"/>
+        </a:xfrm>
+      </p:grpSpPr>
+      <p:sp>
+        <p:nvSpPr>
+          <p:cNvPr id="3" name="Content Placeholder 2"/>
+          <p:cNvSpPr>
+            <a:spLocks noGrp="1"/>
+          </p:cNvSpPr>
+          <p:nvPr>
+            <p:ph idx="1"/>
+          </p:nvPr>
+        </p:nvSpPr>
+        <p:spPr>
+          <a:xfrm>
+            <a:off x="581025" y="1155614"/>
+            <a:ext cx="8210278" cy="3690706"/>
+          </a:xfrm>
+        </p:spPr>
+        <p:txBody>
+          <a:bodyPr/>
+          <a:lstStyle/>
+          <a:p>
+            <a:r>
+              <a:rPr lang="en-US" dirty="0"/>
+              <a:t>Scatter plots are helpful to explore the numerical data</a:t>
+            </a:r>
+          </a:p>
+          <a:p>
+            <a:endParaRPr lang="en-US" dirty="0"/>
+          </a:p>
+          <a:p>
+            <a:endParaRPr lang="en-US" dirty="0"/>
+          </a:p>
+          <a:p>
+            <a:endParaRPr lang="en-US" dirty="0"/>
+          </a:p>
+          <a:p>
+            <a:pPr lvl="1"/>
+            <a:endParaRPr lang="en-US" dirty="0"/>
+          </a:p>
+          <a:p>
+            <a:pPr marL="228600" lvl="1" indent="0">
+              <a:buNone/>
+            </a:pPr>
+            <a:endParaRPr lang="en-US" dirty="0"/>
+          </a:p>
+        </p:txBody>
+      </p:sp>
+      <p:sp>
+        <p:nvSpPr>
+          <p:cNvPr id="2" name="Title 1"/>
+          <p:cNvSpPr>
+            <a:spLocks noGrp="1"/>
+          </p:cNvSpPr>
+          <p:nvPr>
+            <p:ph type="title"/>
+          </p:nvPr>
+        </p:nvSpPr>
+        <p:spPr/>
+        <p:txBody>
+          <a:bodyPr/>
+          <a:lstStyle/>
+          <a:p>
+            <a:r>
+              <a:rPr lang="en-US" dirty="0"/>
+              <a:t>Explore Numerical Features</a:t>
+            </a:r>
+          </a:p>
+        </p:txBody>
+      </p:sp>
+      <p:sp>
+        <p:nvSpPr>
+          <p:cNvPr id="4" name="TextBox 3">
+            <a:extLst>
+              <a:ext uri="{FF2B5EF4-FFF2-40B4-BE49-F238E27FC236}">
+                <a16:creationId xmlns:a16="http://schemas.microsoft.com/office/drawing/2014/main" id="{B25BD5BC-E8B9-4540-A404-A5C6B4AFC25D}"/>
+              </a:ext>
+            </a:extLst>
+          </p:cNvPr>
+          <p:cNvSpPr txBox="1"/>
+          <p:nvPr/>
+        </p:nvSpPr>
+        <p:spPr>
+          <a:xfrm>
+            <a:off x="1341926" y="1624841"/>
+            <a:ext cx="6460148" cy="584775"/>
+          </a:xfrm>
+          <a:prstGeom prst="rect">
+            <a:avLst/>
+          </a:prstGeom>
+          <a:noFill/>
+          <a:ln w="28575" algn="ctr">
+            <a:solidFill>
+              <a:schemeClr val="accent2">
+                <a:lumMod val="20000"/>
+                <a:lumOff val="80000"/>
+              </a:schemeClr>
+            </a:solidFill>
+            <a:miter lim="800000"/>
+            <a:headEnd/>
+            <a:tailEnd/>
+          </a:ln>
+          <a:effectLst/>
+        </p:spPr>
+        <p:txBody>
+          <a:bodyPr wrap="square">
+            <a:spAutoFit/>
+          </a:bodyPr>
+          <a:lstStyle>
+            <a:defPPr>
+              <a:defRPr lang="en-US"/>
+            </a:defPPr>
+            <a:lvl1pPr marL="0" defTabSz="914400" eaLnBrk="1" latinLnBrk="0" hangingPunct="1">
+              <a:defRPr sz="1400">
+                <a:solidFill>
+                  <a:schemeClr val="tx1"/>
+                </a:solidFill>
+                <a:latin typeface="Courier New" pitchFamily="49" charset="0"/>
+                <a:cs typeface="+mn-cs"/>
+              </a:defRPr>
+            </a:lvl1pPr>
+            <a:lvl2pPr marL="742950" indent="-285750" defTabSz="914400" latinLnBrk="0">
+              <a:defRPr sz="1400">
+                <a:solidFill>
+                  <a:schemeClr val="tx1"/>
+                </a:solidFill>
+                <a:latin typeface="Arial" charset="0"/>
+                <a:cs typeface="+mn-cs"/>
+              </a:defRPr>
+            </a:lvl2pPr>
+            <a:lvl3pPr marL="1143000" indent="-228600" defTabSz="914400" latinLnBrk="0">
+              <a:defRPr sz="1400">
+                <a:solidFill>
+                  <a:schemeClr val="tx1"/>
+                </a:solidFill>
+                <a:latin typeface="Arial" charset="0"/>
+                <a:cs typeface="+mn-cs"/>
+              </a:defRPr>
+            </a:lvl3pPr>
+            <a:lvl4pPr marL="1600200" indent="-228600" defTabSz="914400" latinLnBrk="0">
+              <a:defRPr sz="1400">
+                <a:solidFill>
+                  <a:schemeClr val="tx1"/>
+                </a:solidFill>
+                <a:latin typeface="Arial" charset="0"/>
+                <a:cs typeface="+mn-cs"/>
+              </a:defRPr>
+            </a:lvl4pPr>
+            <a:lvl5pPr marL="2057400" indent="-228600" defTabSz="914400" latinLnBrk="0">
+              <a:defRPr sz="1400">
+                <a:solidFill>
+                  <a:schemeClr val="tx1"/>
+                </a:solidFill>
+                <a:latin typeface="Arial" charset="0"/>
+                <a:cs typeface="+mn-cs"/>
+              </a:defRPr>
+            </a:lvl5pPr>
+            <a:lvl6pPr marL="2514600" indent="-228600" eaLnBrk="0" fontAlgn="base" hangingPunct="0">
+              <a:spcBef>
+                <a:spcPct val="0"/>
+              </a:spcBef>
+              <a:spcAft>
+                <a:spcPct val="0"/>
+              </a:spcAft>
+              <a:defRPr sz="1400">
+                <a:solidFill>
+                  <a:schemeClr val="tx1"/>
+                </a:solidFill>
+                <a:latin typeface="Arial" charset="0"/>
+                <a:cs typeface="+mn-cs"/>
+              </a:defRPr>
+            </a:lvl6pPr>
+            <a:lvl7pPr marL="2971800" indent="-228600" eaLnBrk="0" fontAlgn="base" hangingPunct="0">
+              <a:spcBef>
+                <a:spcPct val="0"/>
+              </a:spcBef>
+              <a:spcAft>
+                <a:spcPct val="0"/>
+              </a:spcAft>
+              <a:defRPr sz="1400">
+                <a:solidFill>
+                  <a:schemeClr val="tx1"/>
+                </a:solidFill>
+                <a:latin typeface="Arial" charset="0"/>
+                <a:cs typeface="+mn-cs"/>
+              </a:defRPr>
+            </a:lvl7pPr>
+            <a:lvl8pPr marL="3429000" indent="-228600" eaLnBrk="0" fontAlgn="base" hangingPunct="0">
+              <a:spcBef>
+                <a:spcPct val="0"/>
+              </a:spcBef>
+              <a:spcAft>
+                <a:spcPct val="0"/>
+              </a:spcAft>
+              <a:defRPr sz="1400">
+                <a:solidFill>
+                  <a:schemeClr val="tx1"/>
+                </a:solidFill>
+                <a:latin typeface="Arial" charset="0"/>
+                <a:cs typeface="+mn-cs"/>
+              </a:defRPr>
+            </a:lvl8pPr>
+            <a:lvl9pPr marL="3886200" indent="-228600" eaLnBrk="0" fontAlgn="base" hangingPunct="0">
+              <a:spcBef>
+                <a:spcPct val="0"/>
+              </a:spcBef>
+              <a:spcAft>
+                <a:spcPct val="0"/>
+              </a:spcAft>
+              <a:defRPr sz="1400">
+                <a:solidFill>
+                  <a:schemeClr val="tx1"/>
+                </a:solidFill>
+                <a:latin typeface="Arial" charset="0"/>
+                <a:cs typeface="+mn-cs"/>
+              </a:defRPr>
+            </a:lvl9pPr>
+          </a:lstStyle>
+          <a:p>
+            <a:r>
+              <a:rPr lang="en-US" sz="1600" b="1" dirty="0"/>
+              <a:t>pyh.describe_numeric_features(df, numeric_features)</a:t>
+            </a:r>
+          </a:p>
+          <a:p>
+            <a:r>
+              <a:rPr lang="en-US" sz="1600" b="1" dirty="0"/>
+              <a:t>pyh.scatter_matrix(df, numeric_features)</a:t>
+            </a:r>
+          </a:p>
+        </p:txBody>
+      </p:sp>
+      <p:pic>
+        <p:nvPicPr>
+          <p:cNvPr id="6" name="Picture 5">
+            <a:extLst>
+              <a:ext uri="{FF2B5EF4-FFF2-40B4-BE49-F238E27FC236}">
+                <a16:creationId xmlns:a16="http://schemas.microsoft.com/office/drawing/2014/main" id="{13CEDCC9-373A-C04A-8EB8-C5E359BC16F5}"/>
+              </a:ext>
+            </a:extLst>
+          </p:cNvPr>
+          <p:cNvPicPr>
+            <a:picLocks noChangeAspect="1"/>
+          </p:cNvPicPr>
+          <p:nvPr/>
+        </p:nvPicPr>
+        <p:blipFill>
+          <a:blip r:embed="rId3" cstate="print">
+            <a:extLst>
+              <a:ext uri="{28A0092B-C50C-407E-A947-70E740481C1C}">
+                <a14:useLocalDpi xmlns:a14="http://schemas.microsoft.com/office/drawing/2010/main" val="0"/>
+              </a:ext>
+            </a:extLst>
+          </a:blip>
+          <a:stretch>
+            <a:fillRect/>
+          </a:stretch>
+        </p:blipFill>
+        <p:spPr>
+          <a:xfrm>
+            <a:off x="1341926" y="2454821"/>
+            <a:ext cx="3221980" cy="3709851"/>
+          </a:xfrm>
+          <a:prstGeom prst="rect">
+            <a:avLst/>
+          </a:prstGeom>
+          <a:ln>
+            <a:solidFill>
+              <a:schemeClr val="bg2"/>
+            </a:solidFill>
+          </a:ln>
+        </p:spPr>
+      </p:pic>
+    </p:spTree>
+    <p:extLst>
+      <p:ext uri="{BB962C8B-B14F-4D97-AF65-F5344CB8AC3E}">
+        <p14:creationId xmlns:p14="http://schemas.microsoft.com/office/powerpoint/2010/main" val="3200389685"/>
+      </p:ext>
+    </p:extLst>
+  </p:cSld>
+  <p:clrMapOvr>
+    <a:masterClrMapping/>
+  </p:clrMapOvr>
+</p:sld>
+</file>
+
+<file path=ppt/slides/slide14.xml><?xml version="1.0" encoding="utf-8"?>
+<p:sld xmlns:a="http://schemas.openxmlformats.org/drawingml/2006/main" xmlns:r="http://schemas.openxmlformats.org/officeDocument/2006/relationships" xmlns:p="http://schemas.openxmlformats.org/presentationml/2006/main">
+  <p:cSld>
+    <p:spTree>
+      <p:nvGrpSpPr>
+        <p:cNvPr id="1" name=""/>
+        <p:cNvGrpSpPr/>
+        <p:nvPr/>
+      </p:nvGrpSpPr>
+      <p:grpSpPr>
+        <a:xfrm>
+          <a:off x="0" y="0"/>
+          <a:ext cx="0" cy="0"/>
+          <a:chOff x="0" y="0"/>
+          <a:chExt cx="0" cy="0"/>
+        </a:xfrm>
+      </p:grpSpPr>
+      <p:sp>
+        <p:nvSpPr>
+          <p:cNvPr id="3" name="Content Placeholder 2"/>
+          <p:cNvSpPr>
+            <a:spLocks noGrp="1"/>
+          </p:cNvSpPr>
+          <p:nvPr>
+            <p:ph idx="1"/>
+          </p:nvPr>
+        </p:nvSpPr>
+        <p:spPr>
+          <a:xfrm>
+            <a:off x="581025" y="1155614"/>
+            <a:ext cx="8210278" cy="3690706"/>
+          </a:xfrm>
+        </p:spPr>
+        <p:txBody>
+          <a:bodyPr/>
+          <a:lstStyle/>
+          <a:p>
+            <a:r>
+              <a:rPr lang="en-US" dirty="0"/>
+              <a:t>Use the helper function we saw earlier in the regression chapter</a:t>
+            </a:r>
+          </a:p>
+          <a:p>
+            <a:endParaRPr lang="en-US" dirty="0"/>
+          </a:p>
+          <a:p>
+            <a:endParaRPr lang="en-US" dirty="0"/>
+          </a:p>
+          <a:p>
+            <a:endParaRPr lang="en-US" dirty="0"/>
+          </a:p>
+          <a:p>
+            <a:pPr lvl="1"/>
+            <a:endParaRPr lang="en-US" dirty="0"/>
+          </a:p>
+          <a:p>
+            <a:pPr marL="228600" lvl="1" indent="0">
+              <a:buNone/>
+            </a:pPr>
+            <a:endParaRPr lang="en-US" dirty="0"/>
+          </a:p>
+        </p:txBody>
+      </p:sp>
+      <p:sp>
+        <p:nvSpPr>
+          <p:cNvPr id="2" name="Title 1"/>
+          <p:cNvSpPr>
+            <a:spLocks noGrp="1"/>
+          </p:cNvSpPr>
+          <p:nvPr>
+            <p:ph type="title"/>
+          </p:nvPr>
+        </p:nvSpPr>
+        <p:spPr/>
+        <p:txBody>
+          <a:bodyPr/>
+          <a:lstStyle/>
+          <a:p>
+            <a:r>
+              <a:rPr lang="en-US" dirty="0"/>
+              <a:t>Change Categorical Column</a:t>
+            </a:r>
+          </a:p>
+        </p:txBody>
+      </p:sp>
+      <p:sp>
+        <p:nvSpPr>
+          <p:cNvPr id="4" name="TextBox 3">
+            <a:extLst>
+              <a:ext uri="{FF2B5EF4-FFF2-40B4-BE49-F238E27FC236}">
+                <a16:creationId xmlns:a16="http://schemas.microsoft.com/office/drawing/2014/main" id="{B25BD5BC-E8B9-4540-A404-A5C6B4AFC25D}"/>
+              </a:ext>
+            </a:extLst>
+          </p:cNvPr>
+          <p:cNvSpPr txBox="1"/>
+          <p:nvPr/>
+        </p:nvSpPr>
+        <p:spPr>
+          <a:xfrm>
+            <a:off x="943344" y="1613118"/>
+            <a:ext cx="7743456" cy="1569660"/>
+          </a:xfrm>
+          <a:prstGeom prst="rect">
+            <a:avLst/>
+          </a:prstGeom>
+          <a:noFill/>
+          <a:ln w="28575" algn="ctr">
+            <a:solidFill>
+              <a:schemeClr val="accent2">
+                <a:lumMod val="20000"/>
+                <a:lumOff val="80000"/>
+              </a:schemeClr>
+            </a:solidFill>
+            <a:miter lim="800000"/>
+            <a:headEnd/>
+            <a:tailEnd/>
+          </a:ln>
+          <a:effectLst/>
+        </p:spPr>
+        <p:txBody>
+          <a:bodyPr wrap="square">
+            <a:spAutoFit/>
+          </a:bodyPr>
+          <a:lstStyle>
+            <a:defPPr>
+              <a:defRPr lang="en-US"/>
+            </a:defPPr>
+            <a:lvl1pPr marL="0" defTabSz="914400" eaLnBrk="1" latinLnBrk="0" hangingPunct="1">
+              <a:defRPr sz="1400">
+                <a:solidFill>
+                  <a:schemeClr val="tx1"/>
+                </a:solidFill>
+                <a:latin typeface="Courier New" pitchFamily="49" charset="0"/>
+                <a:cs typeface="+mn-cs"/>
+              </a:defRPr>
+            </a:lvl1pPr>
+            <a:lvl2pPr marL="742950" indent="-285750" defTabSz="914400" latinLnBrk="0">
+              <a:defRPr sz="1400">
+                <a:solidFill>
+                  <a:schemeClr val="tx1"/>
+                </a:solidFill>
+                <a:latin typeface="Arial" charset="0"/>
+                <a:cs typeface="+mn-cs"/>
+              </a:defRPr>
+            </a:lvl2pPr>
+            <a:lvl3pPr marL="1143000" indent="-228600" defTabSz="914400" latinLnBrk="0">
+              <a:defRPr sz="1400">
+                <a:solidFill>
+                  <a:schemeClr val="tx1"/>
+                </a:solidFill>
+                <a:latin typeface="Arial" charset="0"/>
+                <a:cs typeface="+mn-cs"/>
+              </a:defRPr>
+            </a:lvl3pPr>
+            <a:lvl4pPr marL="1600200" indent="-228600" defTabSz="914400" latinLnBrk="0">
+              <a:defRPr sz="1400">
+                <a:solidFill>
+                  <a:schemeClr val="tx1"/>
+                </a:solidFill>
+                <a:latin typeface="Arial" charset="0"/>
+                <a:cs typeface="+mn-cs"/>
+              </a:defRPr>
+            </a:lvl4pPr>
+            <a:lvl5pPr marL="2057400" indent="-228600" defTabSz="914400" latinLnBrk="0">
+              <a:defRPr sz="1400">
+                <a:solidFill>
+                  <a:schemeClr val="tx1"/>
+                </a:solidFill>
+                <a:latin typeface="Arial" charset="0"/>
+                <a:cs typeface="+mn-cs"/>
+              </a:defRPr>
+            </a:lvl5pPr>
+            <a:lvl6pPr marL="2514600" indent="-228600" eaLnBrk="0" fontAlgn="base" hangingPunct="0">
+              <a:spcBef>
+                <a:spcPct val="0"/>
+              </a:spcBef>
+              <a:spcAft>
+                <a:spcPct val="0"/>
+              </a:spcAft>
+              <a:defRPr sz="1400">
+                <a:solidFill>
+                  <a:schemeClr val="tx1"/>
+                </a:solidFill>
+                <a:latin typeface="Arial" charset="0"/>
+                <a:cs typeface="+mn-cs"/>
+              </a:defRPr>
+            </a:lvl6pPr>
+            <a:lvl7pPr marL="2971800" indent="-228600" eaLnBrk="0" fontAlgn="base" hangingPunct="0">
+              <a:spcBef>
+                <a:spcPct val="0"/>
+              </a:spcBef>
+              <a:spcAft>
+                <a:spcPct val="0"/>
+              </a:spcAft>
+              <a:defRPr sz="1400">
+                <a:solidFill>
+                  <a:schemeClr val="tx1"/>
+                </a:solidFill>
+                <a:latin typeface="Arial" charset="0"/>
+                <a:cs typeface="+mn-cs"/>
+              </a:defRPr>
+            </a:lvl7pPr>
+            <a:lvl8pPr marL="3429000" indent="-228600" eaLnBrk="0" fontAlgn="base" hangingPunct="0">
+              <a:spcBef>
+                <a:spcPct val="0"/>
+              </a:spcBef>
+              <a:spcAft>
+                <a:spcPct val="0"/>
+              </a:spcAft>
+              <a:defRPr sz="1400">
+                <a:solidFill>
+                  <a:schemeClr val="tx1"/>
+                </a:solidFill>
+                <a:latin typeface="Arial" charset="0"/>
+                <a:cs typeface="+mn-cs"/>
+              </a:defRPr>
+            </a:lvl8pPr>
+            <a:lvl9pPr marL="3886200" indent="-228600" eaLnBrk="0" fontAlgn="base" hangingPunct="0">
+              <a:spcBef>
+                <a:spcPct val="0"/>
+              </a:spcBef>
+              <a:spcAft>
+                <a:spcPct val="0"/>
+              </a:spcAft>
+              <a:defRPr sz="1400">
+                <a:solidFill>
+                  <a:schemeClr val="tx1"/>
+                </a:solidFill>
+                <a:latin typeface="Arial" charset="0"/>
+                <a:cs typeface="+mn-cs"/>
+              </a:defRPr>
+            </a:lvl9pPr>
+          </a:lstStyle>
+          <a:p>
+            <a:r>
+              <a:rPr lang="en-US" sz="1600" b="1" dirty="0"/>
+              <a:t>pipeline = </a:t>
+            </a:r>
+            <a:r>
+              <a:rPr lang="en-US" sz="1600" b="1" dirty="0" err="1"/>
+              <a:t>MakeMLPipeline</a:t>
+            </a:r>
+            <a:r>
+              <a:rPr lang="en-US" sz="1600" b="1" dirty="0"/>
+              <a:t>(df, categorical_features, numeric_features, </a:t>
+            </a:r>
+            <a:r>
+              <a:rPr lang="en-US" sz="1600" b="1" dirty="0" err="1"/>
+              <a:t>target_label</a:t>
+            </a:r>
+            <a:r>
+              <a:rPr lang="en-US" sz="1600" b="1" dirty="0"/>
+              <a:t>)</a:t>
+            </a:r>
+          </a:p>
+          <a:p>
+            <a:r>
+              <a:rPr lang="en-US" sz="1600" b="1" dirty="0" err="1"/>
+              <a:t>pipelineModel</a:t>
+            </a:r>
+            <a:r>
+              <a:rPr lang="en-US" sz="1600" b="1" dirty="0"/>
+              <a:t> = </a:t>
+            </a:r>
+            <a:r>
+              <a:rPr lang="en-US" sz="1600" b="1" dirty="0" err="1"/>
+              <a:t>pipeline.fit</a:t>
+            </a:r>
+            <a:r>
+              <a:rPr lang="en-US" sz="1600" b="1" dirty="0"/>
+              <a:t>(</a:t>
+            </a:r>
+            <a:r>
+              <a:rPr lang="en-US" sz="1600" b="1" dirty="0" err="1"/>
+              <a:t>df</a:t>
+            </a:r>
+            <a:r>
+              <a:rPr lang="en-US" sz="1600" b="1" dirty="0"/>
+              <a:t>)</a:t>
+            </a:r>
+          </a:p>
+          <a:p>
+            <a:r>
+              <a:rPr lang="en-US" sz="1600" b="1" dirty="0" err="1"/>
+              <a:t>dfML</a:t>
+            </a:r>
+            <a:r>
+              <a:rPr lang="en-US" sz="1600" b="1" dirty="0"/>
+              <a:t> = </a:t>
+            </a:r>
+            <a:r>
+              <a:rPr lang="en-US" sz="1600" b="1" dirty="0" err="1"/>
+              <a:t>pipelineModel.transform</a:t>
+            </a:r>
+            <a:r>
+              <a:rPr lang="en-US" sz="1600" b="1" dirty="0"/>
+              <a:t>(</a:t>
+            </a:r>
+            <a:r>
+              <a:rPr lang="en-US" sz="1600" b="1" dirty="0" err="1"/>
+              <a:t>df</a:t>
+            </a:r>
+            <a:r>
+              <a:rPr lang="en-US" sz="1600" b="1" dirty="0"/>
+              <a:t>)</a:t>
+            </a:r>
+          </a:p>
+          <a:p>
+            <a:r>
+              <a:rPr lang="en-US" sz="1600" b="1" dirty="0"/>
+              <a:t>display(dfML)</a:t>
+            </a:r>
+          </a:p>
+          <a:p>
+            <a:r>
+              <a:rPr lang="en-US" sz="1600" b="1" dirty="0"/>
+              <a:t>display(dfML.groupBy('label').count())</a:t>
+            </a:r>
+            <a:endParaRPr lang="en-US" sz="1600" dirty="0"/>
+          </a:p>
+        </p:txBody>
+      </p:sp>
+      <p:pic>
+        <p:nvPicPr>
+          <p:cNvPr id="7" name="Picture 6">
+            <a:extLst>
+              <a:ext uri="{FF2B5EF4-FFF2-40B4-BE49-F238E27FC236}">
+                <a16:creationId xmlns:a16="http://schemas.microsoft.com/office/drawing/2014/main" id="{BD685758-E743-0548-AEB2-62DAB78C003E}"/>
+              </a:ext>
+            </a:extLst>
+          </p:cNvPr>
+          <p:cNvPicPr>
+            <a:picLocks noChangeAspect="1"/>
+          </p:cNvPicPr>
+          <p:nvPr/>
+        </p:nvPicPr>
+        <p:blipFill>
+          <a:blip r:embed="rId3">
+            <a:extLst>
+              <a:ext uri="{28A0092B-C50C-407E-A947-70E740481C1C}">
+                <a14:useLocalDpi xmlns:a14="http://schemas.microsoft.com/office/drawing/2010/main" val="0"/>
+              </a:ext>
+            </a:extLst>
+          </a:blip>
+          <a:stretch>
+            <a:fillRect/>
+          </a:stretch>
+        </p:blipFill>
+        <p:spPr>
+          <a:xfrm>
+            <a:off x="4166388" y="3178293"/>
+            <a:ext cx="4394200" cy="2298700"/>
+          </a:xfrm>
+          <a:prstGeom prst="rect">
+            <a:avLst/>
+          </a:prstGeom>
+          <a:ln>
+            <a:solidFill>
+              <a:schemeClr val="bg2"/>
+            </a:solidFill>
+          </a:ln>
+        </p:spPr>
+      </p:pic>
+      <p:pic>
+        <p:nvPicPr>
+          <p:cNvPr id="9" name="Picture 8">
+            <a:extLst>
+              <a:ext uri="{FF2B5EF4-FFF2-40B4-BE49-F238E27FC236}">
+                <a16:creationId xmlns:a16="http://schemas.microsoft.com/office/drawing/2014/main" id="{A1CB7B0A-54C6-2046-8030-F495E6416314}"/>
+              </a:ext>
+            </a:extLst>
+          </p:cNvPr>
+          <p:cNvPicPr>
+            <a:picLocks noChangeAspect="1"/>
+          </p:cNvPicPr>
+          <p:nvPr/>
+        </p:nvPicPr>
+        <p:blipFill>
+          <a:blip r:embed="rId4">
+            <a:extLst>
+              <a:ext uri="{28A0092B-C50C-407E-A947-70E740481C1C}">
+                <a14:useLocalDpi xmlns:a14="http://schemas.microsoft.com/office/drawing/2010/main" val="0"/>
+              </a:ext>
+            </a:extLst>
+          </a:blip>
+          <a:stretch>
+            <a:fillRect/>
+          </a:stretch>
+        </p:blipFill>
+        <p:spPr>
+          <a:xfrm>
+            <a:off x="943344" y="3178293"/>
+            <a:ext cx="2965625" cy="3023774"/>
+          </a:xfrm>
+          <a:prstGeom prst="rect">
+            <a:avLst/>
+          </a:prstGeom>
+          <a:ln>
+            <a:solidFill>
+              <a:schemeClr val="bg2"/>
+            </a:solidFill>
+          </a:ln>
+        </p:spPr>
+      </p:pic>
+    </p:spTree>
+    <p:extLst>
+      <p:ext uri="{BB962C8B-B14F-4D97-AF65-F5344CB8AC3E}">
+        <p14:creationId xmlns:p14="http://schemas.microsoft.com/office/powerpoint/2010/main" val="899484718"/>
+      </p:ext>
+    </p:extLst>
+  </p:cSld>
+  <p:clrMapOvr>
+    <a:masterClrMapping/>
+  </p:clrMapOvr>
+</p:sld>
+</file>
+
+<file path=ppt/slides/slide15.xml><?xml version="1.0" encoding="utf-8"?>
+<p:sld xmlns:a="http://schemas.openxmlformats.org/drawingml/2006/main" xmlns:r="http://schemas.openxmlformats.org/officeDocument/2006/relationships" xmlns:p="http://schemas.openxmlformats.org/presentationml/2006/main">
+  <p:cSld>
+    <p:spTree>
+      <p:nvGrpSpPr>
+        <p:cNvPr id="1" name=""/>
+        <p:cNvGrpSpPr/>
+        <p:nvPr/>
+      </p:nvGrpSpPr>
+      <p:grpSpPr>
+        <a:xfrm>
+          <a:off x="0" y="0"/>
+          <a:ext cx="0" cy="0"/>
+          <a:chOff x="0" y="0"/>
+          <a:chExt cx="0" cy="0"/>
+        </a:xfrm>
+      </p:grpSpPr>
+      <p:sp>
+        <p:nvSpPr>
+          <p:cNvPr id="3" name="Content Placeholder 2"/>
+          <p:cNvSpPr>
+            <a:spLocks noGrp="1"/>
+          </p:cNvSpPr>
+          <p:nvPr>
+            <p:ph idx="1"/>
+          </p:nvPr>
+        </p:nvSpPr>
+        <p:spPr>
+          <a:xfrm>
             <a:off x="581025" y="1155614"/>
             <a:ext cx="8210278" cy="3690706"/>
           </a:xfrm>
@@ -8405,7 +10144,7 @@
 </p:sld>
 </file>
 
-<file path=ppt/slides/slide11.xml><?xml version="1.0" encoding="utf-8"?>
+<file path=ppt/slides/slide16.xml><?xml version="1.0" encoding="utf-8"?>
 <p:sld xmlns:a="http://schemas.openxmlformats.org/drawingml/2006/main" xmlns:r="http://schemas.openxmlformats.org/officeDocument/2006/relationships" xmlns:p="http://schemas.openxmlformats.org/presentationml/2006/main">
   <p:cSld>
     <p:spTree>
@@ -8686,7 +10425,7 @@
 </p:sld>
 </file>
 
-<file path=ppt/slides/slide12.xml><?xml version="1.0" encoding="utf-8"?>
+<file path=ppt/slides/slide17.xml><?xml version="1.0" encoding="utf-8"?>
 <p:sld xmlns:a="http://schemas.openxmlformats.org/drawingml/2006/main" xmlns:r="http://schemas.openxmlformats.org/officeDocument/2006/relationships" xmlns:p="http://schemas.openxmlformats.org/presentationml/2006/main">
   <p:cSld>
     <p:spTree>
@@ -8740,14 +10479,14 @@
           <p:nvPr>
             <p:extLst>
               <p:ext uri="{D42A27DB-BD31-4B8C-83A1-F6EECF244321}">
-                <p14:modId xmlns:p14="http://schemas.microsoft.com/office/powerpoint/2010/main" val="2804518129"/>
+                <p14:modId xmlns:p14="http://schemas.microsoft.com/office/powerpoint/2010/main" val="1781918861"/>
               </p:ext>
             </p:extLst>
           </p:nvPr>
         </p:nvGraphicFramePr>
         <p:xfrm>
           <a:off x="2880360" y="1447543"/>
-          <a:ext cx="3383280" cy="1645920"/>
+          <a:ext cx="3383280" cy="2194560"/>
         </p:xfrm>
         <a:graphic>
           <a:graphicData uri="http://schemas.openxmlformats.org/drawingml/2006/table">
@@ -8789,11 +10528,72 @@
                           <a:ea typeface="+mn-ea"/>
                           <a:cs typeface="+mn-cs"/>
                         </a:rPr>
+                        <a:t>Pipelines</a:t>
+                      </a:r>
+                    </a:p>
+                  </a:txBody>
+                  <a:tcPr anchor="ctr">
+                    <a:lnB w="12700" cap="flat" cmpd="sng" algn="ctr">
+                      <a:solidFill>
+                        <a:schemeClr val="bg1">
+                          <a:lumMod val="65000"/>
+                        </a:schemeClr>
+                      </a:solidFill>
+                      <a:prstDash val="solid"/>
+                      <a:round/>
+                      <a:headEnd type="none" w="med" len="med"/>
+                      <a:tailEnd type="none" w="med" len="med"/>
+                    </a:lnB>
+                    <a:noFill/>
+                  </a:tcPr>
+                </a:tc>
+                <a:extLst>
+                  <a:ext uri="{0D108BD9-81ED-4DB2-BD59-A6C34878D82A}">
+                    <a16:rowId xmlns:a16="http://schemas.microsoft.com/office/drawing/2014/main" val="3731360539"/>
+                  </a:ext>
+                </a:extLst>
+              </a:tr>
+              <a:tr h="548640">
+                <a:tc>
+                  <a:txBody>
+                    <a:bodyPr/>
+                    <a:lstStyle/>
+                    <a:p>
+                      <a:pPr>
+                        <a:lnSpc>
+                          <a:spcPct val="100000"/>
+                        </a:lnSpc>
+                        <a:spcAft>
+                          <a:spcPts val="0"/>
+                        </a:spcAft>
+                      </a:pPr>
+                      <a:r>
+                        <a:rPr lang="en-US" sz="2000" kern="1200" dirty="0">
+                          <a:solidFill>
+                            <a:schemeClr val="bg1">
+                              <a:lumMod val="65000"/>
+                            </a:schemeClr>
+                          </a:solidFill>
+                          <a:latin typeface="+mn-lt"/>
+                          <a:ea typeface="+mn-ea"/>
+                          <a:cs typeface="+mn-cs"/>
+                        </a:rPr>
                         <a:t>Classification Model</a:t>
                       </a:r>
                     </a:p>
                   </a:txBody>
                   <a:tcPr anchor="ctr">
+                    <a:lnT w="12700" cap="flat" cmpd="sng" algn="ctr">
+                      <a:solidFill>
+                        <a:schemeClr val="bg1">
+                          <a:lumMod val="65000"/>
+                        </a:schemeClr>
+                      </a:solidFill>
+                      <a:prstDash val="solid"/>
+                      <a:round/>
+                      <a:headEnd type="none" w="med" len="med"/>
+                      <a:tailEnd type="none" w="med" len="med"/>
+                    </a:lnT>
                     <a:lnB w="12700" cap="flat" cmpd="sng" algn="ctr">
                       <a:solidFill>
                         <a:schemeClr val="bg1">
@@ -8945,7 +10745,7 @@
 </p:sld>
 </file>
 
-<file path=ppt/slides/slide13.xml><?xml version="1.0" encoding="utf-8"?>
+<file path=ppt/slides/slide18.xml><?xml version="1.0" encoding="utf-8"?>
 <p:sld xmlns:a="http://schemas.openxmlformats.org/drawingml/2006/main" xmlns:r="http://schemas.openxmlformats.org/officeDocument/2006/relationships" xmlns:p="http://schemas.openxmlformats.org/presentationml/2006/main">
   <p:cSld>
     <p:spTree>
@@ -9076,7 +10876,7 @@
 </p:sld>
 </file>
 
-<file path=ppt/slides/slide14.xml><?xml version="1.0" encoding="utf-8"?>
+<file path=ppt/slides/slide19.xml><?xml version="1.0" encoding="utf-8"?>
 <p:sld xmlns:a="http://schemas.openxmlformats.org/drawingml/2006/main" xmlns:r="http://schemas.openxmlformats.org/officeDocument/2006/relationships" xmlns:p="http://schemas.openxmlformats.org/presentationml/2006/main">
   <p:cSld>
     <p:spTree>
@@ -9531,7 +11331,145 @@
 </p:sld>
 </file>
 
-<file path=ppt/slides/slide15.xml><?xml version="1.0" encoding="utf-8"?>
+<file path=ppt/slides/slide2.xml><?xml version="1.0" encoding="utf-8"?>
+<p:sld xmlns:a="http://schemas.openxmlformats.org/drawingml/2006/main" xmlns:r="http://schemas.openxmlformats.org/officeDocument/2006/relationships" xmlns:p="http://schemas.openxmlformats.org/presentationml/2006/main">
+  <p:cSld>
+    <p:spTree>
+      <p:nvGrpSpPr>
+        <p:cNvPr id="1" name=""/>
+        <p:cNvGrpSpPr/>
+        <p:nvPr/>
+      </p:nvGrpSpPr>
+      <p:grpSpPr>
+        <a:xfrm>
+          <a:off x="0" y="0"/>
+          <a:ext cx="0" cy="0"/>
+          <a:chOff x="0" y="0"/>
+          <a:chExt cx="0" cy="0"/>
+        </a:xfrm>
+      </p:grpSpPr>
+      <p:sp>
+        <p:nvSpPr>
+          <p:cNvPr id="5" name="Content Placeholder 4"/>
+          <p:cNvSpPr>
+            <a:spLocks noGrp="1"/>
+          </p:cNvSpPr>
+          <p:nvPr>
+            <p:ph idx="1"/>
+          </p:nvPr>
+        </p:nvSpPr>
+        <p:spPr/>
+        <p:txBody>
+          <a:bodyPr/>
+          <a:lstStyle/>
+          <a:p>
+            <a:pPr marL="0" indent="0">
+              <a:buNone/>
+            </a:pPr>
+            <a:r>
+              <a:rPr lang="en-US" dirty="0"/>
+              <a:t>In this chapter, we will:</a:t>
+            </a:r>
+          </a:p>
+          <a:p>
+            <a:r>
+              <a:rPr lang="en-US" dirty="0"/>
+              <a:t>Introduce Pipelines for better transformations</a:t>
+            </a:r>
+          </a:p>
+          <a:p>
+            <a:r>
+              <a:rPr lang="en-US" dirty="0"/>
+              <a:t>Understand the use cases for Classification models</a:t>
+            </a:r>
+          </a:p>
+          <a:p>
+            <a:r>
+              <a:rPr lang="en-US" dirty="0"/>
+              <a:t>Discuss and compare various algorithms</a:t>
+            </a:r>
+          </a:p>
+          <a:p>
+            <a:pPr lvl="1"/>
+            <a:r>
+              <a:rPr lang="en-US" dirty="0"/>
+              <a:t>Naive Bayes</a:t>
+            </a:r>
+          </a:p>
+          <a:p>
+            <a:pPr lvl="1"/>
+            <a:r>
+              <a:rPr lang="en-US" dirty="0"/>
+              <a:t>Decision Tree</a:t>
+            </a:r>
+          </a:p>
+          <a:p>
+            <a:pPr lvl="1"/>
+            <a:r>
+              <a:rPr lang="en-US" dirty="0"/>
+              <a:t>Logistic Regression</a:t>
+            </a:r>
+          </a:p>
+          <a:p>
+            <a:pPr lvl="1"/>
+            <a:r>
+              <a:rPr lang="en-US" dirty="0"/>
+              <a:t>Neural Network</a:t>
+            </a:r>
+          </a:p>
+          <a:p>
+            <a:pPr marL="0" indent="0">
+              <a:buNone/>
+            </a:pPr>
+            <a:endParaRPr lang="en-US" dirty="0"/>
+          </a:p>
+          <a:p>
+            <a:endParaRPr lang="en-US" dirty="0"/>
+          </a:p>
+          <a:p>
+            <a:pPr marL="0" indent="0">
+              <a:buNone/>
+            </a:pPr>
+            <a:endParaRPr lang="en-US" dirty="0"/>
+          </a:p>
+        </p:txBody>
+      </p:sp>
+      <p:sp>
+        <p:nvSpPr>
+          <p:cNvPr id="4" name="Title 3"/>
+          <p:cNvSpPr>
+            <a:spLocks noGrp="1"/>
+          </p:cNvSpPr>
+          <p:nvPr>
+            <p:ph type="title"/>
+          </p:nvPr>
+        </p:nvSpPr>
+        <p:spPr/>
+        <p:txBody>
+          <a:bodyPr/>
+          <a:lstStyle/>
+          <a:p>
+            <a:r>
+              <a:rPr lang="en-US" dirty="0"/>
+              <a:t>Chapter Objectives</a:t>
+            </a:r>
+          </a:p>
+        </p:txBody>
+      </p:sp>
+    </p:spTree>
+    <p:extLst>
+      <p:ext uri="{BB962C8B-B14F-4D97-AF65-F5344CB8AC3E}">
+        <p14:creationId xmlns:p14="http://schemas.microsoft.com/office/powerpoint/2010/main" val="1685483045"/>
+      </p:ext>
+    </p:extLst>
+  </p:cSld>
+  <p:clrMapOvr>
+    <a:masterClrMapping/>
+  </p:clrMapOvr>
+</p:sld>
+</file>
+
+<file path=ppt/slides/slide20.xml><?xml version="1.0" encoding="utf-8"?>
 <p:sld xmlns:a="http://schemas.openxmlformats.org/drawingml/2006/main" xmlns:r="http://schemas.openxmlformats.org/officeDocument/2006/relationships" xmlns:p="http://schemas.openxmlformats.org/presentationml/2006/main">
   <p:cSld>
     <p:spTree>
@@ -9958,7 +11896,7 @@
 </p:sld>
 </file>
 
-<file path=ppt/slides/slide16.xml><?xml version="1.0" encoding="utf-8"?>
+<file path=ppt/slides/slide21.xml><?xml version="1.0" encoding="utf-8"?>
 <p:sld xmlns:a="http://schemas.openxmlformats.org/drawingml/2006/main" xmlns:r="http://schemas.openxmlformats.org/officeDocument/2006/relationships" xmlns:p="http://schemas.openxmlformats.org/presentationml/2006/main">
   <p:cSld>
     <p:spTree>
@@ -10130,7 +12068,7 @@
 </p:sld>
 </file>
 
-<file path=ppt/slides/slide17.xml><?xml version="1.0" encoding="utf-8"?>
+<file path=ppt/slides/slide22.xml><?xml version="1.0" encoding="utf-8"?>
 <p:sld xmlns:a="http://schemas.openxmlformats.org/drawingml/2006/main" xmlns:r="http://schemas.openxmlformats.org/officeDocument/2006/relationships" xmlns:p="http://schemas.openxmlformats.org/presentationml/2006/main">
   <p:cSld>
     <p:spTree>
@@ -10255,7 +12193,7 @@
 </p:sld>
 </file>
 
-<file path=ppt/slides/slide18.xml><?xml version="1.0" encoding="utf-8"?>
+<file path=ppt/slides/slide23.xml><?xml version="1.0" encoding="utf-8"?>
 <p:sld xmlns:a="http://schemas.openxmlformats.org/drawingml/2006/main" xmlns:r="http://schemas.openxmlformats.org/officeDocument/2006/relationships" xmlns:p="http://schemas.openxmlformats.org/presentationml/2006/main">
   <p:cSld>
     <p:spTree>
@@ -10887,7 +12825,7 @@
 </p:sld>
 </file>
 
-<file path=ppt/slides/slide19.xml><?xml version="1.0" encoding="utf-8"?>
+<file path=ppt/slides/slide24.xml><?xml version="1.0" encoding="utf-8"?>
 <p:sld xmlns:a="http://schemas.openxmlformats.org/drawingml/2006/main" xmlns:r="http://schemas.openxmlformats.org/officeDocument/2006/relationships" xmlns:p="http://schemas.openxmlformats.org/presentationml/2006/main">
   <p:cSld>
     <p:spTree>
@@ -11089,7 +13027,7 @@
 </p:sld>
 </file>
 
-<file path=ppt/slides/slide2.xml><?xml version="1.0" encoding="utf-8"?>
+<file path=ppt/slides/slide25.xml><?xml version="1.0" encoding="utf-8"?>
 <p:sld xmlns:a="http://schemas.openxmlformats.org/drawingml/2006/main" xmlns:r="http://schemas.openxmlformats.org/officeDocument/2006/relationships" xmlns:p="http://schemas.openxmlformats.org/presentationml/2006/main">
   <p:cSld>
     <p:spTree>
@@ -11108,138 +13046,6 @@
       </p:grpSpPr>
       <p:sp>
         <p:nvSpPr>
-          <p:cNvPr id="5" name="Content Placeholder 4"/>
-          <p:cNvSpPr>
-            <a:spLocks noGrp="1"/>
-          </p:cNvSpPr>
-          <p:nvPr>
-            <p:ph idx="1"/>
-          </p:nvPr>
-        </p:nvSpPr>
-        <p:spPr/>
-        <p:txBody>
-          <a:bodyPr/>
-          <a:lstStyle/>
-          <a:p>
-            <a:pPr marL="0" indent="0">
-              <a:buNone/>
-            </a:pPr>
-            <a:r>
-              <a:rPr lang="en-US" dirty="0"/>
-              <a:t>In this chapter, we will:</a:t>
-            </a:r>
-          </a:p>
-          <a:p>
-            <a:r>
-              <a:rPr lang="en-US" dirty="0"/>
-              <a:t>Understand the use cases for Classification models</a:t>
-            </a:r>
-          </a:p>
-          <a:p>
-            <a:r>
-              <a:rPr lang="en-US" dirty="0"/>
-              <a:t>Discuss and compare various algorithms</a:t>
-            </a:r>
-          </a:p>
-          <a:p>
-            <a:pPr lvl="1"/>
-            <a:r>
-              <a:rPr lang="en-US" dirty="0"/>
-              <a:t>Naive Bayes</a:t>
-            </a:r>
-          </a:p>
-          <a:p>
-            <a:pPr lvl="1"/>
-            <a:r>
-              <a:rPr lang="en-US" dirty="0"/>
-              <a:t>Decision Tree</a:t>
-            </a:r>
-          </a:p>
-          <a:p>
-            <a:pPr lvl="1"/>
-            <a:r>
-              <a:rPr lang="en-US" dirty="0"/>
-              <a:t>Logistic Regression</a:t>
-            </a:r>
-          </a:p>
-          <a:p>
-            <a:pPr lvl="1"/>
-            <a:r>
-              <a:rPr lang="en-US" dirty="0"/>
-              <a:t>Neural Network</a:t>
-            </a:r>
-          </a:p>
-          <a:p>
-            <a:pPr marL="0" indent="0">
-              <a:buNone/>
-            </a:pPr>
-            <a:endParaRPr lang="en-US" dirty="0"/>
-          </a:p>
-          <a:p>
-            <a:endParaRPr lang="en-US" dirty="0"/>
-          </a:p>
-          <a:p>
-            <a:pPr marL="0" indent="0">
-              <a:buNone/>
-            </a:pPr>
-            <a:endParaRPr lang="en-US" dirty="0"/>
-          </a:p>
-        </p:txBody>
-      </p:sp>
-      <p:sp>
-        <p:nvSpPr>
-          <p:cNvPr id="4" name="Title 3"/>
-          <p:cNvSpPr>
-            <a:spLocks noGrp="1"/>
-          </p:cNvSpPr>
-          <p:nvPr>
-            <p:ph type="title"/>
-          </p:nvPr>
-        </p:nvSpPr>
-        <p:spPr/>
-        <p:txBody>
-          <a:bodyPr/>
-          <a:lstStyle/>
-          <a:p>
-            <a:r>
-              <a:rPr lang="en-US" dirty="0"/>
-              <a:t>Chapter Objectives</a:t>
-            </a:r>
-          </a:p>
-        </p:txBody>
-      </p:sp>
-    </p:spTree>
-    <p:extLst>
-      <p:ext uri="{BB962C8B-B14F-4D97-AF65-F5344CB8AC3E}">
-        <p14:creationId xmlns:p14="http://schemas.microsoft.com/office/powerpoint/2010/main" val="1685483045"/>
-      </p:ext>
-    </p:extLst>
-  </p:cSld>
-  <p:clrMapOvr>
-    <a:masterClrMapping/>
-  </p:clrMapOvr>
-</p:sld>
-</file>
-
-<file path=ppt/slides/slide20.xml><?xml version="1.0" encoding="utf-8"?>
-<p:sld xmlns:a="http://schemas.openxmlformats.org/drawingml/2006/main" xmlns:r="http://schemas.openxmlformats.org/officeDocument/2006/relationships" xmlns:p="http://schemas.openxmlformats.org/presentationml/2006/main">
-  <p:cSld>
-    <p:spTree>
-      <p:nvGrpSpPr>
-        <p:cNvPr id="1" name=""/>
-        <p:cNvGrpSpPr/>
-        <p:nvPr/>
-      </p:nvGrpSpPr>
-      <p:grpSpPr>
-        <a:xfrm>
-          <a:off x="0" y="0"/>
-          <a:ext cx="0" cy="0"/>
-          <a:chOff x="0" y="0"/>
-          <a:chExt cx="0" cy="0"/>
-        </a:xfrm>
-      </p:grpSpPr>
-      <p:sp>
-        <p:nvSpPr>
           <p:cNvPr id="3" name="Content Placeholder 2"/>
           <p:cNvSpPr>
             <a:spLocks noGrp="1"/>
@@ -11354,7 +13160,7 @@
 </p:sld>
 </file>
 
-<file path=ppt/slides/slide21.xml><?xml version="1.0" encoding="utf-8"?>
+<file path=ppt/slides/slide26.xml><?xml version="1.0" encoding="utf-8"?>
 <p:sld xmlns:a="http://schemas.openxmlformats.org/drawingml/2006/main" xmlns:r="http://schemas.openxmlformats.org/officeDocument/2006/relationships" xmlns:p="http://schemas.openxmlformats.org/presentationml/2006/main">
   <p:cSld>
     <p:spTree>
@@ -11603,7 +13409,7 @@
 </p:sld>
 </file>
 
-<file path=ppt/slides/slide22.xml><?xml version="1.0" encoding="utf-8"?>
+<file path=ppt/slides/slide27.xml><?xml version="1.0" encoding="utf-8"?>
 <p:sld xmlns:a="http://schemas.openxmlformats.org/drawingml/2006/main" xmlns:r="http://schemas.openxmlformats.org/officeDocument/2006/relationships" xmlns:p="http://schemas.openxmlformats.org/presentationml/2006/main">
   <p:cSld>
     <p:spTree>
@@ -11781,7 +13587,7 @@
 </p:sld>
 </file>
 
-<file path=ppt/slides/slide23.xml><?xml version="1.0" encoding="utf-8"?>
+<file path=ppt/slides/slide28.xml><?xml version="1.0" encoding="utf-8"?>
 <p:sld xmlns:a="http://schemas.openxmlformats.org/drawingml/2006/main" xmlns:r="http://schemas.openxmlformats.org/officeDocument/2006/relationships" xmlns:p="http://schemas.openxmlformats.org/presentationml/2006/main">
   <p:cSld>
     <p:spTree>
@@ -13858,7 +15664,7 @@
 </p:sld>
 </file>
 
-<file path=ppt/slides/slide24.xml><?xml version="1.0" encoding="utf-8"?>
+<file path=ppt/slides/slide29.xml><?xml version="1.0" encoding="utf-8"?>
 <p:sld xmlns:a="http://schemas.openxmlformats.org/drawingml/2006/main" xmlns:r="http://schemas.openxmlformats.org/officeDocument/2006/relationships" xmlns:p="http://schemas.openxmlformats.org/presentationml/2006/main">
   <p:cSld>
     <p:spTree>
@@ -14141,581 +15947,6 @@
 </p:sld>
 </file>
 
-<file path=ppt/slides/slide25.xml><?xml version="1.0" encoding="utf-8"?>
-<p:sld xmlns:a="http://schemas.openxmlformats.org/drawingml/2006/main" xmlns:r="http://schemas.openxmlformats.org/officeDocument/2006/relationships" xmlns:p="http://schemas.openxmlformats.org/presentationml/2006/main">
-  <p:cSld>
-    <p:spTree>
-      <p:nvGrpSpPr>
-        <p:cNvPr id="1" name=""/>
-        <p:cNvGrpSpPr/>
-        <p:nvPr/>
-      </p:nvGrpSpPr>
-      <p:grpSpPr>
-        <a:xfrm>
-          <a:off x="0" y="0"/>
-          <a:ext cx="0" cy="0"/>
-          <a:chOff x="0" y="0"/>
-          <a:chExt cx="0" cy="0"/>
-        </a:xfrm>
-      </p:grpSpPr>
-      <p:sp>
-        <p:nvSpPr>
-          <p:cNvPr id="2" name="Title 1"/>
-          <p:cNvSpPr>
-            <a:spLocks noGrp="1"/>
-          </p:cNvSpPr>
-          <p:nvPr>
-            <p:ph type="title"/>
-          </p:nvPr>
-        </p:nvSpPr>
-        <p:spPr/>
-        <p:txBody>
-          <a:bodyPr/>
-          <a:lstStyle/>
-          <a:p>
-            <a:r>
-              <a:rPr lang="en-US" dirty="0"/>
-              <a:t>Chapter Concepts</a:t>
-            </a:r>
-          </a:p>
-        </p:txBody>
-      </p:sp>
-      <p:graphicFrame>
-        <p:nvGraphicFramePr>
-          <p:cNvPr id="9" name="Table 8">
-            <a:extLst>
-              <a:ext uri="{FF2B5EF4-FFF2-40B4-BE49-F238E27FC236}">
-                <a16:creationId xmlns:a16="http://schemas.microsoft.com/office/drawing/2014/main" id="{6570BA12-CA1C-48F9-87A2-FF2840B5C427}"/>
-              </a:ext>
-            </a:extLst>
-          </p:cNvPr>
-          <p:cNvGraphicFramePr>
-            <a:graphicFrameLocks noGrp="1"/>
-          </p:cNvGraphicFramePr>
-          <p:nvPr>
-            <p:extLst>
-              <p:ext uri="{D42A27DB-BD31-4B8C-83A1-F6EECF244321}">
-                <p14:modId xmlns:p14="http://schemas.microsoft.com/office/powerpoint/2010/main" val="690481891"/>
-              </p:ext>
-            </p:extLst>
-          </p:nvPr>
-        </p:nvGraphicFramePr>
-        <p:xfrm>
-          <a:off x="2880360" y="1447543"/>
-          <a:ext cx="3383280" cy="1645920"/>
-        </p:xfrm>
-        <a:graphic>
-          <a:graphicData uri="http://schemas.openxmlformats.org/drawingml/2006/table">
-            <a:tbl>
-              <a:tblPr>
-                <a:tableStyleId>{00A15C55-8517-42AA-B614-E9B94910E393}</a:tableStyleId>
-              </a:tblPr>
-              <a:tblGrid>
-                <a:gridCol w="3383280">
-                  <a:extLst>
-                    <a:ext uri="{9D8B030D-6E8A-4147-A177-3AD203B41FA5}">
-                      <a16:colId xmlns:a16="http://schemas.microsoft.com/office/drawing/2014/main" val="1695728431"/>
-                    </a:ext>
-                  </a:extLst>
-                </a:gridCol>
-              </a:tblGrid>
-              <a:tr h="548640">
-                <a:tc>
-                  <a:txBody>
-                    <a:bodyPr/>
-                    <a:lstStyle/>
-                    <a:p>
-                      <a:pPr>
-                        <a:lnSpc>
-                          <a:spcPct val="100000"/>
-                        </a:lnSpc>
-                        <a:spcAft>
-                          <a:spcPts val="0"/>
-                        </a:spcAft>
-                      </a:pPr>
-                      <a:r>
-                        <a:rPr lang="en-US" sz="2000" kern="1200" dirty="0">
-                          <a:solidFill>
-                            <a:schemeClr val="bg1">
-                              <a:lumMod val="65000"/>
-                            </a:schemeClr>
-                          </a:solidFill>
-                          <a:latin typeface="+mn-lt"/>
-                          <a:ea typeface="+mn-ea"/>
-                          <a:cs typeface="+mn-cs"/>
-                        </a:rPr>
-                        <a:t>Classification Model</a:t>
-                      </a:r>
-                    </a:p>
-                  </a:txBody>
-                  <a:tcPr anchor="ctr">
-                    <a:lnB w="12700" cap="flat" cmpd="sng" algn="ctr">
-                      <a:solidFill>
-                        <a:schemeClr val="bg1">
-                          <a:lumMod val="65000"/>
-                        </a:schemeClr>
-                      </a:solidFill>
-                      <a:prstDash val="solid"/>
-                      <a:round/>
-                      <a:headEnd type="none" w="med" len="med"/>
-                      <a:tailEnd type="none" w="med" len="med"/>
-                    </a:lnB>
-                    <a:noFill/>
-                  </a:tcPr>
-                </a:tc>
-                <a:extLst>
-                  <a:ext uri="{0D108BD9-81ED-4DB2-BD59-A6C34878D82A}">
-                    <a16:rowId xmlns:a16="http://schemas.microsoft.com/office/drawing/2014/main" val="2307098774"/>
-                  </a:ext>
-                </a:extLst>
-              </a:tr>
-              <a:tr h="548640">
-                <a:tc>
-                  <a:txBody>
-                    <a:bodyPr/>
-                    <a:lstStyle/>
-                    <a:p>
-                      <a:pPr>
-                        <a:lnSpc>
-                          <a:spcPct val="100000"/>
-                        </a:lnSpc>
-                        <a:spcAft>
-                          <a:spcPts val="0"/>
-                        </a:spcAft>
-                      </a:pPr>
-                      <a:r>
-                        <a:rPr lang="en-US" sz="2000" dirty="0">
-                          <a:solidFill>
-                            <a:schemeClr val="bg1">
-                              <a:lumMod val="65000"/>
-                            </a:schemeClr>
-                          </a:solidFill>
-                        </a:rPr>
-                        <a:t>Algorithms</a:t>
-                      </a:r>
-                    </a:p>
-                  </a:txBody>
-                  <a:tcPr anchor="ctr">
-                    <a:lnT w="12700" cap="flat" cmpd="sng" algn="ctr">
-                      <a:solidFill>
-                        <a:schemeClr val="bg1">
-                          <a:lumMod val="65000"/>
-                        </a:schemeClr>
-                      </a:solidFill>
-                      <a:prstDash val="solid"/>
-                      <a:round/>
-                      <a:headEnd type="none" w="med" len="med"/>
-                      <a:tailEnd type="none" w="med" len="med"/>
-                    </a:lnT>
-                    <a:lnB w="12700" cap="flat" cmpd="sng" algn="ctr">
-                      <a:solidFill>
-                        <a:schemeClr val="bg1">
-                          <a:lumMod val="65000"/>
-                        </a:schemeClr>
-                      </a:solidFill>
-                      <a:prstDash val="solid"/>
-                      <a:round/>
-                      <a:headEnd type="none" w="med" len="med"/>
-                      <a:tailEnd type="none" w="med" len="med"/>
-                    </a:lnB>
-                    <a:noFill/>
-                  </a:tcPr>
-                </a:tc>
-                <a:extLst>
-                  <a:ext uri="{0D108BD9-81ED-4DB2-BD59-A6C34878D82A}">
-                    <a16:rowId xmlns:a16="http://schemas.microsoft.com/office/drawing/2014/main" val="1466711860"/>
-                  </a:ext>
-                </a:extLst>
-              </a:tr>
-              <a:tr h="548640">
-                <a:tc>
-                  <a:txBody>
-                    <a:bodyPr/>
-                    <a:lstStyle/>
-                    <a:p>
-                      <a:pPr>
-                        <a:lnSpc>
-                          <a:spcPct val="100000"/>
-                        </a:lnSpc>
-                        <a:spcAft>
-                          <a:spcPts val="0"/>
-                        </a:spcAft>
-                      </a:pPr>
-                      <a:r>
-                        <a:rPr lang="en-US" sz="2000" b="1" dirty="0">
-                          <a:solidFill>
-                            <a:schemeClr val="tx1"/>
-                          </a:solidFill>
-                        </a:rPr>
-                        <a:t>Chapter Summary</a:t>
-                      </a:r>
-                    </a:p>
-                  </a:txBody>
-                  <a:tcPr anchor="ctr">
-                    <a:lnT w="12700" cap="flat" cmpd="sng" algn="ctr">
-                      <a:solidFill>
-                        <a:schemeClr val="bg1">
-                          <a:lumMod val="65000"/>
-                        </a:schemeClr>
-                      </a:solidFill>
-                      <a:prstDash val="solid"/>
-                      <a:round/>
-                      <a:headEnd type="none" w="med" len="med"/>
-                      <a:tailEnd type="none" w="med" len="med"/>
-                    </a:lnT>
-                    <a:lnB w="12700" cap="flat" cmpd="sng" algn="ctr">
-                      <a:solidFill>
-                        <a:schemeClr val="bg1">
-                          <a:lumMod val="65000"/>
-                        </a:schemeClr>
-                      </a:solidFill>
-                      <a:prstDash val="solid"/>
-                      <a:round/>
-                      <a:headEnd type="none" w="med" len="med"/>
-                      <a:tailEnd type="none" w="med" len="med"/>
-                    </a:lnB>
-                    <a:noFill/>
-                  </a:tcPr>
-                </a:tc>
-                <a:extLst>
-                  <a:ext uri="{0D108BD9-81ED-4DB2-BD59-A6C34878D82A}">
-                    <a16:rowId xmlns:a16="http://schemas.microsoft.com/office/drawing/2014/main" val="376303497"/>
-                  </a:ext>
-                </a:extLst>
-              </a:tr>
-            </a:tbl>
-          </a:graphicData>
-        </a:graphic>
-      </p:graphicFrame>
-    </p:spTree>
-    <p:extLst>
-      <p:ext uri="{BB962C8B-B14F-4D97-AF65-F5344CB8AC3E}">
-        <p14:creationId xmlns:p14="http://schemas.microsoft.com/office/powerpoint/2010/main" val="1695838917"/>
-      </p:ext>
-    </p:extLst>
-  </p:cSld>
-  <p:clrMapOvr>
-    <a:masterClrMapping/>
-  </p:clrMapOvr>
-</p:sld>
-</file>
-
-<file path=ppt/slides/slide26.xml><?xml version="1.0" encoding="utf-8"?>
-<p:sld xmlns:a="http://schemas.openxmlformats.org/drawingml/2006/main" xmlns:r="http://schemas.openxmlformats.org/officeDocument/2006/relationships" xmlns:p="http://schemas.openxmlformats.org/presentationml/2006/main">
-  <p:cSld>
-    <p:spTree>
-      <p:nvGrpSpPr>
-        <p:cNvPr id="1" name=""/>
-        <p:cNvGrpSpPr/>
-        <p:nvPr/>
-      </p:nvGrpSpPr>
-      <p:grpSpPr>
-        <a:xfrm>
-          <a:off x="0" y="0"/>
-          <a:ext cx="0" cy="0"/>
-          <a:chOff x="0" y="0"/>
-          <a:chExt cx="0" cy="0"/>
-        </a:xfrm>
-      </p:grpSpPr>
-      <p:sp>
-        <p:nvSpPr>
-          <p:cNvPr id="3" name="Content Placeholder 2"/>
-          <p:cNvSpPr>
-            <a:spLocks noGrp="1"/>
-          </p:cNvSpPr>
-          <p:nvPr>
-            <p:ph idx="1"/>
-          </p:nvPr>
-        </p:nvSpPr>
-        <p:spPr/>
-        <p:txBody>
-          <a:bodyPr/>
-          <a:lstStyle/>
-          <a:p>
-            <a:r>
-              <a:rPr lang="en-US" dirty="0"/>
-              <a:t>Classification is one of the most widely used models</a:t>
-            </a:r>
-          </a:p>
-          <a:p>
-            <a:r>
-              <a:rPr lang="en-US" dirty="0"/>
-              <a:t>It is supervised</a:t>
-            </a:r>
-          </a:p>
-          <a:p>
-            <a:r>
-              <a:rPr lang="en-US" dirty="0"/>
-              <a:t>Good at predicting either/or or multiple-choice categories</a:t>
-            </a:r>
-          </a:p>
-          <a:p>
-            <a:r>
-              <a:rPr lang="en-US" dirty="0"/>
-              <a:t>Lots of algorithms </a:t>
-            </a:r>
-          </a:p>
-          <a:p>
-            <a:r>
-              <a:rPr lang="en-US" dirty="0"/>
-              <a:t>No one algorithm is best for all situations so often it involves running many of them, documenting the results, and choosing the best for your data and business case</a:t>
-            </a:r>
-          </a:p>
-          <a:p>
-            <a:r>
-              <a:rPr lang="en-US" dirty="0"/>
-              <a:t>Can save the results of a lengthy training to a file and reload it for use with the predict function when needed</a:t>
-            </a:r>
-          </a:p>
-        </p:txBody>
-      </p:sp>
-      <p:sp>
-        <p:nvSpPr>
-          <p:cNvPr id="2" name="Title 1"/>
-          <p:cNvSpPr>
-            <a:spLocks noGrp="1"/>
-          </p:cNvSpPr>
-          <p:nvPr>
-            <p:ph type="title"/>
-          </p:nvPr>
-        </p:nvSpPr>
-        <p:spPr/>
-        <p:txBody>
-          <a:bodyPr/>
-          <a:lstStyle/>
-          <a:p>
-            <a:r>
-              <a:rPr lang="en-US" dirty="0"/>
-              <a:t>Classification Review</a:t>
-            </a:r>
-          </a:p>
-        </p:txBody>
-      </p:sp>
-    </p:spTree>
-    <p:extLst>
-      <p:ext uri="{BB962C8B-B14F-4D97-AF65-F5344CB8AC3E}">
-        <p14:creationId xmlns:p14="http://schemas.microsoft.com/office/powerpoint/2010/main" val="1177833274"/>
-      </p:ext>
-    </p:extLst>
-  </p:cSld>
-  <p:clrMapOvr>
-    <a:masterClrMapping/>
-  </p:clrMapOvr>
-</p:sld>
-</file>
-
-<file path=ppt/slides/slide27.xml><?xml version="1.0" encoding="utf-8"?>
-<p:sld xmlns:a="http://schemas.openxmlformats.org/drawingml/2006/main" xmlns:r="http://schemas.openxmlformats.org/officeDocument/2006/relationships" xmlns:p="http://schemas.openxmlformats.org/presentationml/2006/main">
-  <p:cSld>
-    <p:spTree>
-      <p:nvGrpSpPr>
-        <p:cNvPr id="1" name=""/>
-        <p:cNvGrpSpPr/>
-        <p:nvPr/>
-      </p:nvGrpSpPr>
-      <p:grpSpPr>
-        <a:xfrm>
-          <a:off x="0" y="0"/>
-          <a:ext cx="0" cy="0"/>
-          <a:chOff x="0" y="0"/>
-          <a:chExt cx="0" cy="0"/>
-        </a:xfrm>
-      </p:grpSpPr>
-      <p:sp>
-        <p:nvSpPr>
-          <p:cNvPr id="3" name="Content Placeholder 2"/>
-          <p:cNvSpPr>
-            <a:spLocks noGrp="1"/>
-          </p:cNvSpPr>
-          <p:nvPr>
-            <p:ph idx="1"/>
-          </p:nvPr>
-        </p:nvSpPr>
-        <p:spPr/>
-        <p:txBody>
-          <a:bodyPr/>
-          <a:lstStyle/>
-          <a:p>
-            <a:r>
-              <a:rPr lang="en-US" dirty="0"/>
-              <a:t>Classification is one of the most useful models</a:t>
-            </a:r>
-          </a:p>
-          <a:p>
-            <a:r>
-              <a:rPr lang="en-US" dirty="0"/>
-              <a:t>We have explored several different algorithms here and there are tons more, each with its own strengths and weaknesses</a:t>
-            </a:r>
-          </a:p>
-        </p:txBody>
-      </p:sp>
-      <p:sp>
-        <p:nvSpPr>
-          <p:cNvPr id="2" name="Title 1"/>
-          <p:cNvSpPr>
-            <a:spLocks noGrp="1"/>
-          </p:cNvSpPr>
-          <p:nvPr>
-            <p:ph type="title"/>
-          </p:nvPr>
-        </p:nvSpPr>
-        <p:spPr/>
-        <p:txBody>
-          <a:bodyPr/>
-          <a:lstStyle/>
-          <a:p>
-            <a:r>
-              <a:rPr lang="en-US" dirty="0"/>
-              <a:t>Next Steps</a:t>
-            </a:r>
-          </a:p>
-        </p:txBody>
-      </p:sp>
-    </p:spTree>
-    <p:extLst>
-      <p:ext uri="{BB962C8B-B14F-4D97-AF65-F5344CB8AC3E}">
-        <p14:creationId xmlns:p14="http://schemas.microsoft.com/office/powerpoint/2010/main" val="861507163"/>
-      </p:ext>
-    </p:extLst>
-  </p:cSld>
-  <p:clrMapOvr>
-    <a:masterClrMapping/>
-  </p:clrMapOvr>
-</p:sld>
-</file>
-
-<file path=ppt/slides/slide28.xml><?xml version="1.0" encoding="utf-8"?>
-<p:sld xmlns:a="http://schemas.openxmlformats.org/drawingml/2006/main" xmlns:r="http://schemas.openxmlformats.org/officeDocument/2006/relationships" xmlns:p="http://schemas.openxmlformats.org/presentationml/2006/main">
-  <p:cSld>
-    <p:spTree>
-      <p:nvGrpSpPr>
-        <p:cNvPr id="1" name=""/>
-        <p:cNvGrpSpPr/>
-        <p:nvPr/>
-      </p:nvGrpSpPr>
-      <p:grpSpPr>
-        <a:xfrm>
-          <a:off x="0" y="0"/>
-          <a:ext cx="0" cy="0"/>
-          <a:chOff x="0" y="0"/>
-          <a:chExt cx="0" cy="0"/>
-        </a:xfrm>
-      </p:grpSpPr>
-      <p:sp>
-        <p:nvSpPr>
-          <p:cNvPr id="5" name="Content Placeholder 4"/>
-          <p:cNvSpPr>
-            <a:spLocks noGrp="1"/>
-          </p:cNvSpPr>
-          <p:nvPr>
-            <p:ph idx="1"/>
-          </p:nvPr>
-        </p:nvSpPr>
-        <p:spPr/>
-        <p:txBody>
-          <a:bodyPr/>
-          <a:lstStyle/>
-          <a:p>
-            <a:pPr marL="0" indent="0">
-              <a:buNone/>
-            </a:pPr>
-            <a:r>
-              <a:rPr lang="en-US" dirty="0"/>
-              <a:t>In this chapter, we have:</a:t>
-            </a:r>
-          </a:p>
-          <a:p>
-            <a:r>
-              <a:rPr lang="en-US" dirty="0"/>
-              <a:t>Understood the use cases for Classification models</a:t>
-            </a:r>
-          </a:p>
-          <a:p>
-            <a:r>
-              <a:rPr lang="en-US" dirty="0"/>
-              <a:t>Discussed and compared various algorithms</a:t>
-            </a:r>
-          </a:p>
-          <a:p>
-            <a:pPr lvl="1"/>
-            <a:r>
-              <a:rPr lang="en-US" dirty="0"/>
-              <a:t>Naive Bayes</a:t>
-            </a:r>
-          </a:p>
-          <a:p>
-            <a:pPr lvl="1"/>
-            <a:r>
-              <a:rPr lang="en-US" dirty="0"/>
-              <a:t>Decision Tree</a:t>
-            </a:r>
-          </a:p>
-          <a:p>
-            <a:pPr lvl="1"/>
-            <a:r>
-              <a:rPr lang="en-US" dirty="0"/>
-              <a:t>Logistic Regression</a:t>
-            </a:r>
-          </a:p>
-          <a:p>
-            <a:pPr lvl="1"/>
-            <a:r>
-              <a:rPr lang="en-US" dirty="0"/>
-              <a:t>Neural Network</a:t>
-            </a:r>
-          </a:p>
-          <a:p>
-            <a:pPr marL="0" indent="0">
-              <a:buNone/>
-            </a:pPr>
-            <a:endParaRPr lang="en-US" dirty="0"/>
-          </a:p>
-          <a:p>
-            <a:endParaRPr lang="en-US" dirty="0"/>
-          </a:p>
-          <a:p>
-            <a:pPr marL="0" indent="0">
-              <a:buNone/>
-            </a:pPr>
-            <a:endParaRPr lang="en-US" dirty="0"/>
-          </a:p>
-        </p:txBody>
-      </p:sp>
-      <p:sp>
-        <p:nvSpPr>
-          <p:cNvPr id="4" name="Title 3"/>
-          <p:cNvSpPr>
-            <a:spLocks noGrp="1"/>
-          </p:cNvSpPr>
-          <p:nvPr>
-            <p:ph type="title"/>
-          </p:nvPr>
-        </p:nvSpPr>
-        <p:spPr/>
-        <p:txBody>
-          <a:bodyPr/>
-          <a:lstStyle/>
-          <a:p>
-            <a:r>
-              <a:rPr lang="en-US" dirty="0"/>
-              <a:t>Chapter Summary</a:t>
-            </a:r>
-          </a:p>
-        </p:txBody>
-      </p:sp>
-    </p:spTree>
-    <p:extLst>
-      <p:ext uri="{BB962C8B-B14F-4D97-AF65-F5344CB8AC3E}">
-        <p14:creationId xmlns:p14="http://schemas.microsoft.com/office/powerpoint/2010/main" val="23848925"/>
-      </p:ext>
-    </p:extLst>
-  </p:cSld>
-  <p:clrMapOvr>
-    <a:masterClrMapping/>
-  </p:clrMapOvr>
-</p:sld>
-</file>
-
 <file path=ppt/slides/slide3.xml><?xml version="1.0" encoding="utf-8"?>
 <p:sld xmlns:a="http://schemas.openxmlformats.org/drawingml/2006/main" xmlns:r="http://schemas.openxmlformats.org/officeDocument/2006/relationships" xmlns:p="http://schemas.openxmlformats.org/presentationml/2006/main">
   <p:cSld>
@@ -14770,14 +16001,14 @@
           <p:nvPr>
             <p:extLst>
               <p:ext uri="{D42A27DB-BD31-4B8C-83A1-F6EECF244321}">
-                <p14:modId xmlns:p14="http://schemas.microsoft.com/office/powerpoint/2010/main" val="996577973"/>
+                <p14:modId xmlns:p14="http://schemas.microsoft.com/office/powerpoint/2010/main" val="2055237658"/>
               </p:ext>
             </p:extLst>
           </p:nvPr>
         </p:nvGraphicFramePr>
         <p:xfrm>
           <a:off x="2880360" y="1447543"/>
-          <a:ext cx="3383280" cy="1645920"/>
+          <a:ext cx="3383280" cy="2194560"/>
         </p:xfrm>
         <a:graphic>
           <a:graphicData uri="http://schemas.openxmlformats.org/drawingml/2006/table">
@@ -14814,11 +16045,67 @@
                             <a:schemeClr val="tx1"/>
                           </a:solidFill>
                         </a:rPr>
+                        <a:t>Pipelines</a:t>
+                      </a:r>
+                    </a:p>
+                  </a:txBody>
+                  <a:tcPr anchor="ctr">
+                    <a:lnB w="12700" cap="flat" cmpd="sng" algn="ctr">
+                      <a:solidFill>
+                        <a:schemeClr val="bg1">
+                          <a:lumMod val="65000"/>
+                        </a:schemeClr>
+                      </a:solidFill>
+                      <a:prstDash val="solid"/>
+                      <a:round/>
+                      <a:headEnd type="none" w="med" len="med"/>
+                      <a:tailEnd type="none" w="med" len="med"/>
+                    </a:lnB>
+                    <a:noFill/>
+                  </a:tcPr>
+                </a:tc>
+                <a:extLst>
+                  <a:ext uri="{0D108BD9-81ED-4DB2-BD59-A6C34878D82A}">
+                    <a16:rowId xmlns:a16="http://schemas.microsoft.com/office/drawing/2014/main" val="991167891"/>
+                  </a:ext>
+                </a:extLst>
+              </a:tr>
+              <a:tr h="548640">
+                <a:tc>
+                  <a:txBody>
+                    <a:bodyPr/>
+                    <a:lstStyle/>
+                    <a:p>
+                      <a:pPr>
+                        <a:lnSpc>
+                          <a:spcPct val="100000"/>
+                        </a:lnSpc>
+                        <a:spcAft>
+                          <a:spcPts val="0"/>
+                        </a:spcAft>
+                      </a:pPr>
+                      <a:r>
+                        <a:rPr lang="en-US" sz="2000" b="0" dirty="0">
+                          <a:solidFill>
+                            <a:schemeClr val="tx1"/>
+                          </a:solidFill>
+                        </a:rPr>
                         <a:t>Classification Model</a:t>
                       </a:r>
                     </a:p>
                   </a:txBody>
                   <a:tcPr anchor="ctr">
+                    <a:lnT w="12700" cap="flat" cmpd="sng" algn="ctr">
+                      <a:solidFill>
+                        <a:schemeClr val="bg1">
+                          <a:lumMod val="65000"/>
+                        </a:schemeClr>
+                      </a:solidFill>
+                      <a:prstDash val="solid"/>
+                      <a:round/>
+                      <a:headEnd type="none" w="med" len="med"/>
+                      <a:tailEnd type="none" w="med" len="med"/>
+                    </a:lnT>
                     <a:lnB w="12700" cap="flat" cmpd="sng" algn="ctr">
                       <a:solidFill>
                         <a:schemeClr val="bg1">
@@ -14972,6 +16259,648 @@
 </p:sld>
 </file>
 
+<file path=ppt/slides/slide30.xml><?xml version="1.0" encoding="utf-8"?>
+<p:sld xmlns:a="http://schemas.openxmlformats.org/drawingml/2006/main" xmlns:r="http://schemas.openxmlformats.org/officeDocument/2006/relationships" xmlns:p="http://schemas.openxmlformats.org/presentationml/2006/main">
+  <p:cSld>
+    <p:spTree>
+      <p:nvGrpSpPr>
+        <p:cNvPr id="1" name=""/>
+        <p:cNvGrpSpPr/>
+        <p:nvPr/>
+      </p:nvGrpSpPr>
+      <p:grpSpPr>
+        <a:xfrm>
+          <a:off x="0" y="0"/>
+          <a:ext cx="0" cy="0"/>
+          <a:chOff x="0" y="0"/>
+          <a:chExt cx="0" cy="0"/>
+        </a:xfrm>
+      </p:grpSpPr>
+      <p:sp>
+        <p:nvSpPr>
+          <p:cNvPr id="2" name="Title 1"/>
+          <p:cNvSpPr>
+            <a:spLocks noGrp="1"/>
+          </p:cNvSpPr>
+          <p:nvPr>
+            <p:ph type="title"/>
+          </p:nvPr>
+        </p:nvSpPr>
+        <p:spPr/>
+        <p:txBody>
+          <a:bodyPr/>
+          <a:lstStyle/>
+          <a:p>
+            <a:r>
+              <a:rPr lang="en-US" dirty="0"/>
+              <a:t>Chapter Concepts</a:t>
+            </a:r>
+          </a:p>
+        </p:txBody>
+      </p:sp>
+      <p:graphicFrame>
+        <p:nvGraphicFramePr>
+          <p:cNvPr id="9" name="Table 8">
+            <a:extLst>
+              <a:ext uri="{FF2B5EF4-FFF2-40B4-BE49-F238E27FC236}">
+                <a16:creationId xmlns:a16="http://schemas.microsoft.com/office/drawing/2014/main" id="{6570BA12-CA1C-48F9-87A2-FF2840B5C427}"/>
+              </a:ext>
+            </a:extLst>
+          </p:cNvPr>
+          <p:cNvGraphicFramePr>
+            <a:graphicFrameLocks noGrp="1"/>
+          </p:cNvGraphicFramePr>
+          <p:nvPr>
+            <p:extLst>
+              <p:ext uri="{D42A27DB-BD31-4B8C-83A1-F6EECF244321}">
+                <p14:modId xmlns:p14="http://schemas.microsoft.com/office/powerpoint/2010/main" val="626095892"/>
+              </p:ext>
+            </p:extLst>
+          </p:nvPr>
+        </p:nvGraphicFramePr>
+        <p:xfrm>
+          <a:off x="2880360" y="1447543"/>
+          <a:ext cx="3383280" cy="2194560"/>
+        </p:xfrm>
+        <a:graphic>
+          <a:graphicData uri="http://schemas.openxmlformats.org/drawingml/2006/table">
+            <a:tbl>
+              <a:tblPr>
+                <a:tableStyleId>{00A15C55-8517-42AA-B614-E9B94910E393}</a:tableStyleId>
+              </a:tblPr>
+              <a:tblGrid>
+                <a:gridCol w="3383280">
+                  <a:extLst>
+                    <a:ext uri="{9D8B030D-6E8A-4147-A177-3AD203B41FA5}">
+                      <a16:colId xmlns:a16="http://schemas.microsoft.com/office/drawing/2014/main" val="1695728431"/>
+                    </a:ext>
+                  </a:extLst>
+                </a:gridCol>
+              </a:tblGrid>
+              <a:tr h="548640">
+                <a:tc>
+                  <a:txBody>
+                    <a:bodyPr/>
+                    <a:lstStyle/>
+                    <a:p>
+                      <a:pPr>
+                        <a:lnSpc>
+                          <a:spcPct val="100000"/>
+                        </a:lnSpc>
+                        <a:spcAft>
+                          <a:spcPts val="0"/>
+                        </a:spcAft>
+                      </a:pPr>
+                      <a:r>
+                        <a:rPr lang="en-US" sz="2000" kern="1200" dirty="0">
+                          <a:solidFill>
+                            <a:schemeClr val="bg1">
+                              <a:lumMod val="65000"/>
+                            </a:schemeClr>
+                          </a:solidFill>
+                          <a:latin typeface="+mn-lt"/>
+                          <a:ea typeface="+mn-ea"/>
+                          <a:cs typeface="+mn-cs"/>
+                        </a:rPr>
+                        <a:t>Pipelines</a:t>
+                      </a:r>
+                    </a:p>
+                  </a:txBody>
+                  <a:tcPr anchor="ctr">
+                    <a:lnB w="12700" cap="flat" cmpd="sng" algn="ctr">
+                      <a:solidFill>
+                        <a:schemeClr val="bg1">
+                          <a:lumMod val="65000"/>
+                        </a:schemeClr>
+                      </a:solidFill>
+                      <a:prstDash val="solid"/>
+                      <a:round/>
+                      <a:headEnd type="none" w="med" len="med"/>
+                      <a:tailEnd type="none" w="med" len="med"/>
+                    </a:lnB>
+                    <a:noFill/>
+                  </a:tcPr>
+                </a:tc>
+                <a:extLst>
+                  <a:ext uri="{0D108BD9-81ED-4DB2-BD59-A6C34878D82A}">
+                    <a16:rowId xmlns:a16="http://schemas.microsoft.com/office/drawing/2014/main" val="509350390"/>
+                  </a:ext>
+                </a:extLst>
+              </a:tr>
+              <a:tr h="548640">
+                <a:tc>
+                  <a:txBody>
+                    <a:bodyPr/>
+                    <a:lstStyle/>
+                    <a:p>
+                      <a:pPr>
+                        <a:lnSpc>
+                          <a:spcPct val="100000"/>
+                        </a:lnSpc>
+                        <a:spcAft>
+                          <a:spcPts val="0"/>
+                        </a:spcAft>
+                      </a:pPr>
+                      <a:r>
+                        <a:rPr lang="en-US" sz="2000" kern="1200" dirty="0">
+                          <a:solidFill>
+                            <a:schemeClr val="bg1">
+                              <a:lumMod val="65000"/>
+                            </a:schemeClr>
+                          </a:solidFill>
+                          <a:latin typeface="+mn-lt"/>
+                          <a:ea typeface="+mn-ea"/>
+                          <a:cs typeface="+mn-cs"/>
+                        </a:rPr>
+                        <a:t>Classification Model</a:t>
+                      </a:r>
+                    </a:p>
+                  </a:txBody>
+                  <a:tcPr anchor="ctr">
+                    <a:lnT w="12700" cap="flat" cmpd="sng" algn="ctr">
+                      <a:solidFill>
+                        <a:schemeClr val="bg1">
+                          <a:lumMod val="65000"/>
+                        </a:schemeClr>
+                      </a:solidFill>
+                      <a:prstDash val="solid"/>
+                      <a:round/>
+                      <a:headEnd type="none" w="med" len="med"/>
+                      <a:tailEnd type="none" w="med" len="med"/>
+                    </a:lnT>
+                    <a:lnB w="12700" cap="flat" cmpd="sng" algn="ctr">
+                      <a:solidFill>
+                        <a:schemeClr val="bg1">
+                          <a:lumMod val="65000"/>
+                        </a:schemeClr>
+                      </a:solidFill>
+                      <a:prstDash val="solid"/>
+                      <a:round/>
+                      <a:headEnd type="none" w="med" len="med"/>
+                      <a:tailEnd type="none" w="med" len="med"/>
+                    </a:lnB>
+                    <a:noFill/>
+                  </a:tcPr>
+                </a:tc>
+                <a:extLst>
+                  <a:ext uri="{0D108BD9-81ED-4DB2-BD59-A6C34878D82A}">
+                    <a16:rowId xmlns:a16="http://schemas.microsoft.com/office/drawing/2014/main" val="2307098774"/>
+                  </a:ext>
+                </a:extLst>
+              </a:tr>
+              <a:tr h="548640">
+                <a:tc>
+                  <a:txBody>
+                    <a:bodyPr/>
+                    <a:lstStyle/>
+                    <a:p>
+                      <a:pPr>
+                        <a:lnSpc>
+                          <a:spcPct val="100000"/>
+                        </a:lnSpc>
+                        <a:spcAft>
+                          <a:spcPts val="0"/>
+                        </a:spcAft>
+                      </a:pPr>
+                      <a:r>
+                        <a:rPr lang="en-US" sz="2000" dirty="0">
+                          <a:solidFill>
+                            <a:schemeClr val="bg1">
+                              <a:lumMod val="65000"/>
+                            </a:schemeClr>
+                          </a:solidFill>
+                        </a:rPr>
+                        <a:t>Algorithms</a:t>
+                      </a:r>
+                    </a:p>
+                  </a:txBody>
+                  <a:tcPr anchor="ctr">
+                    <a:lnT w="12700" cap="flat" cmpd="sng" algn="ctr">
+                      <a:solidFill>
+                        <a:schemeClr val="bg1">
+                          <a:lumMod val="65000"/>
+                        </a:schemeClr>
+                      </a:solidFill>
+                      <a:prstDash val="solid"/>
+                      <a:round/>
+                      <a:headEnd type="none" w="med" len="med"/>
+                      <a:tailEnd type="none" w="med" len="med"/>
+                    </a:lnT>
+                    <a:lnB w="12700" cap="flat" cmpd="sng" algn="ctr">
+                      <a:solidFill>
+                        <a:schemeClr val="bg1">
+                          <a:lumMod val="65000"/>
+                        </a:schemeClr>
+                      </a:solidFill>
+                      <a:prstDash val="solid"/>
+                      <a:round/>
+                      <a:headEnd type="none" w="med" len="med"/>
+                      <a:tailEnd type="none" w="med" len="med"/>
+                    </a:lnB>
+                    <a:noFill/>
+                  </a:tcPr>
+                </a:tc>
+                <a:extLst>
+                  <a:ext uri="{0D108BD9-81ED-4DB2-BD59-A6C34878D82A}">
+                    <a16:rowId xmlns:a16="http://schemas.microsoft.com/office/drawing/2014/main" val="1466711860"/>
+                  </a:ext>
+                </a:extLst>
+              </a:tr>
+              <a:tr h="548640">
+                <a:tc>
+                  <a:txBody>
+                    <a:bodyPr/>
+                    <a:lstStyle/>
+                    <a:p>
+                      <a:pPr>
+                        <a:lnSpc>
+                          <a:spcPct val="100000"/>
+                        </a:lnSpc>
+                        <a:spcAft>
+                          <a:spcPts val="0"/>
+                        </a:spcAft>
+                      </a:pPr>
+                      <a:r>
+                        <a:rPr lang="en-US" sz="2000" b="1" dirty="0">
+                          <a:solidFill>
+                            <a:schemeClr val="tx1"/>
+                          </a:solidFill>
+                        </a:rPr>
+                        <a:t>Chapter Summary</a:t>
+                      </a:r>
+                    </a:p>
+                  </a:txBody>
+                  <a:tcPr anchor="ctr">
+                    <a:lnT w="12700" cap="flat" cmpd="sng" algn="ctr">
+                      <a:solidFill>
+                        <a:schemeClr val="bg1">
+                          <a:lumMod val="65000"/>
+                        </a:schemeClr>
+                      </a:solidFill>
+                      <a:prstDash val="solid"/>
+                      <a:round/>
+                      <a:headEnd type="none" w="med" len="med"/>
+                      <a:tailEnd type="none" w="med" len="med"/>
+                    </a:lnT>
+                    <a:lnB w="12700" cap="flat" cmpd="sng" algn="ctr">
+                      <a:solidFill>
+                        <a:schemeClr val="bg1">
+                          <a:lumMod val="65000"/>
+                        </a:schemeClr>
+                      </a:solidFill>
+                      <a:prstDash val="solid"/>
+                      <a:round/>
+                      <a:headEnd type="none" w="med" len="med"/>
+                      <a:tailEnd type="none" w="med" len="med"/>
+                    </a:lnB>
+                    <a:noFill/>
+                  </a:tcPr>
+                </a:tc>
+                <a:extLst>
+                  <a:ext uri="{0D108BD9-81ED-4DB2-BD59-A6C34878D82A}">
+                    <a16:rowId xmlns:a16="http://schemas.microsoft.com/office/drawing/2014/main" val="376303497"/>
+                  </a:ext>
+                </a:extLst>
+              </a:tr>
+            </a:tbl>
+          </a:graphicData>
+        </a:graphic>
+      </p:graphicFrame>
+    </p:spTree>
+    <p:extLst>
+      <p:ext uri="{BB962C8B-B14F-4D97-AF65-F5344CB8AC3E}">
+        <p14:creationId xmlns:p14="http://schemas.microsoft.com/office/powerpoint/2010/main" val="1695838917"/>
+      </p:ext>
+    </p:extLst>
+  </p:cSld>
+  <p:clrMapOvr>
+    <a:masterClrMapping/>
+  </p:clrMapOvr>
+</p:sld>
+</file>
+
+<file path=ppt/slides/slide31.xml><?xml version="1.0" encoding="utf-8"?>
+<p:sld xmlns:a="http://schemas.openxmlformats.org/drawingml/2006/main" xmlns:r="http://schemas.openxmlformats.org/officeDocument/2006/relationships" xmlns:p="http://schemas.openxmlformats.org/presentationml/2006/main">
+  <p:cSld>
+    <p:spTree>
+      <p:nvGrpSpPr>
+        <p:cNvPr id="1" name=""/>
+        <p:cNvGrpSpPr/>
+        <p:nvPr/>
+      </p:nvGrpSpPr>
+      <p:grpSpPr>
+        <a:xfrm>
+          <a:off x="0" y="0"/>
+          <a:ext cx="0" cy="0"/>
+          <a:chOff x="0" y="0"/>
+          <a:chExt cx="0" cy="0"/>
+        </a:xfrm>
+      </p:grpSpPr>
+      <p:sp>
+        <p:nvSpPr>
+          <p:cNvPr id="3" name="Content Placeholder 2"/>
+          <p:cNvSpPr>
+            <a:spLocks noGrp="1"/>
+          </p:cNvSpPr>
+          <p:nvPr>
+            <p:ph idx="1"/>
+          </p:nvPr>
+        </p:nvSpPr>
+        <p:spPr/>
+        <p:txBody>
+          <a:bodyPr/>
+          <a:lstStyle/>
+          <a:p>
+            <a:r>
+              <a:rPr lang="en-US" dirty="0"/>
+              <a:t>Classification is one of the most widely used models</a:t>
+            </a:r>
+          </a:p>
+          <a:p>
+            <a:r>
+              <a:rPr lang="en-US" dirty="0"/>
+              <a:t>It is supervised</a:t>
+            </a:r>
+          </a:p>
+          <a:p>
+            <a:r>
+              <a:rPr lang="en-US" dirty="0"/>
+              <a:t>Good at predicting either/or or multiple-choice categories</a:t>
+            </a:r>
+          </a:p>
+          <a:p>
+            <a:r>
+              <a:rPr lang="en-US" dirty="0"/>
+              <a:t>Lots of algorithms </a:t>
+            </a:r>
+          </a:p>
+          <a:p>
+            <a:r>
+              <a:rPr lang="en-US" dirty="0"/>
+              <a:t>No one algorithm is best for all situations so often it involves running many of them, documenting the results, and choosing the best for your data and business case</a:t>
+            </a:r>
+          </a:p>
+          <a:p>
+            <a:r>
+              <a:rPr lang="en-US" dirty="0"/>
+              <a:t>Can save the results of a lengthy training to a file and reload it for use with the predict function when needed</a:t>
+            </a:r>
+          </a:p>
+        </p:txBody>
+      </p:sp>
+      <p:sp>
+        <p:nvSpPr>
+          <p:cNvPr id="2" name="Title 1"/>
+          <p:cNvSpPr>
+            <a:spLocks noGrp="1"/>
+          </p:cNvSpPr>
+          <p:nvPr>
+            <p:ph type="title"/>
+          </p:nvPr>
+        </p:nvSpPr>
+        <p:spPr/>
+        <p:txBody>
+          <a:bodyPr/>
+          <a:lstStyle/>
+          <a:p>
+            <a:r>
+              <a:rPr lang="en-US" dirty="0"/>
+              <a:t>Classification Review</a:t>
+            </a:r>
+          </a:p>
+        </p:txBody>
+      </p:sp>
+    </p:spTree>
+    <p:extLst>
+      <p:ext uri="{BB962C8B-B14F-4D97-AF65-F5344CB8AC3E}">
+        <p14:creationId xmlns:p14="http://schemas.microsoft.com/office/powerpoint/2010/main" val="1177833274"/>
+      </p:ext>
+    </p:extLst>
+  </p:cSld>
+  <p:clrMapOvr>
+    <a:masterClrMapping/>
+  </p:clrMapOvr>
+</p:sld>
+</file>
+
+<file path=ppt/slides/slide32.xml><?xml version="1.0" encoding="utf-8"?>
+<p:sld xmlns:a="http://schemas.openxmlformats.org/drawingml/2006/main" xmlns:r="http://schemas.openxmlformats.org/officeDocument/2006/relationships" xmlns:p="http://schemas.openxmlformats.org/presentationml/2006/main">
+  <p:cSld>
+    <p:spTree>
+      <p:nvGrpSpPr>
+        <p:cNvPr id="1" name=""/>
+        <p:cNvGrpSpPr/>
+        <p:nvPr/>
+      </p:nvGrpSpPr>
+      <p:grpSpPr>
+        <a:xfrm>
+          <a:off x="0" y="0"/>
+          <a:ext cx="0" cy="0"/>
+          <a:chOff x="0" y="0"/>
+          <a:chExt cx="0" cy="0"/>
+        </a:xfrm>
+      </p:grpSpPr>
+      <p:sp>
+        <p:nvSpPr>
+          <p:cNvPr id="3" name="Content Placeholder 2"/>
+          <p:cNvSpPr>
+            <a:spLocks noGrp="1"/>
+          </p:cNvSpPr>
+          <p:nvPr>
+            <p:ph idx="1"/>
+          </p:nvPr>
+        </p:nvSpPr>
+        <p:spPr/>
+        <p:txBody>
+          <a:bodyPr/>
+          <a:lstStyle/>
+          <a:p>
+            <a:r>
+              <a:rPr lang="en-US" dirty="0"/>
+              <a:t>Classification is one of the most useful models</a:t>
+            </a:r>
+          </a:p>
+          <a:p>
+            <a:r>
+              <a:rPr lang="en-US" dirty="0"/>
+              <a:t>We have explored several different algorithms here and there are tons more, each with its own strengths and weaknesses</a:t>
+            </a:r>
+          </a:p>
+        </p:txBody>
+      </p:sp>
+      <p:sp>
+        <p:nvSpPr>
+          <p:cNvPr id="2" name="Title 1"/>
+          <p:cNvSpPr>
+            <a:spLocks noGrp="1"/>
+          </p:cNvSpPr>
+          <p:nvPr>
+            <p:ph type="title"/>
+          </p:nvPr>
+        </p:nvSpPr>
+        <p:spPr/>
+        <p:txBody>
+          <a:bodyPr/>
+          <a:lstStyle/>
+          <a:p>
+            <a:r>
+              <a:rPr lang="en-US" dirty="0"/>
+              <a:t>Next Steps</a:t>
+            </a:r>
+          </a:p>
+        </p:txBody>
+      </p:sp>
+    </p:spTree>
+    <p:extLst>
+      <p:ext uri="{BB962C8B-B14F-4D97-AF65-F5344CB8AC3E}">
+        <p14:creationId xmlns:p14="http://schemas.microsoft.com/office/powerpoint/2010/main" val="861507163"/>
+      </p:ext>
+    </p:extLst>
+  </p:cSld>
+  <p:clrMapOvr>
+    <a:masterClrMapping/>
+  </p:clrMapOvr>
+</p:sld>
+</file>
+
+<file path=ppt/slides/slide33.xml><?xml version="1.0" encoding="utf-8"?>
+<p:sld xmlns:a="http://schemas.openxmlformats.org/drawingml/2006/main" xmlns:r="http://schemas.openxmlformats.org/officeDocument/2006/relationships" xmlns:p="http://schemas.openxmlformats.org/presentationml/2006/main">
+  <p:cSld>
+    <p:spTree>
+      <p:nvGrpSpPr>
+        <p:cNvPr id="1" name=""/>
+        <p:cNvGrpSpPr/>
+        <p:nvPr/>
+      </p:nvGrpSpPr>
+      <p:grpSpPr>
+        <a:xfrm>
+          <a:off x="0" y="0"/>
+          <a:ext cx="0" cy="0"/>
+          <a:chOff x="0" y="0"/>
+          <a:chExt cx="0" cy="0"/>
+        </a:xfrm>
+      </p:grpSpPr>
+      <p:sp>
+        <p:nvSpPr>
+          <p:cNvPr id="5" name="Content Placeholder 4"/>
+          <p:cNvSpPr>
+            <a:spLocks noGrp="1"/>
+          </p:cNvSpPr>
+          <p:nvPr>
+            <p:ph idx="1"/>
+          </p:nvPr>
+        </p:nvSpPr>
+        <p:spPr/>
+        <p:txBody>
+          <a:bodyPr/>
+          <a:lstStyle/>
+          <a:p>
+            <a:pPr marL="0" indent="0">
+              <a:buNone/>
+            </a:pPr>
+            <a:r>
+              <a:rPr lang="en-US" dirty="0"/>
+              <a:t>In this chapter, we have:</a:t>
+            </a:r>
+          </a:p>
+          <a:p>
+            <a:r>
+              <a:rPr lang="en-US" dirty="0"/>
+              <a:t>Introduced Pipelines for efficient transformations</a:t>
+            </a:r>
+          </a:p>
+          <a:p>
+            <a:r>
+              <a:rPr lang="en-US" dirty="0"/>
+              <a:t>Understood the use cases for Classification models</a:t>
+            </a:r>
+          </a:p>
+          <a:p>
+            <a:r>
+              <a:rPr lang="en-US" dirty="0"/>
+              <a:t>Discussed and compared various algorithms</a:t>
+            </a:r>
+          </a:p>
+          <a:p>
+            <a:pPr lvl="1"/>
+            <a:r>
+              <a:rPr lang="en-US" dirty="0"/>
+              <a:t>Naive Bayes</a:t>
+            </a:r>
+          </a:p>
+          <a:p>
+            <a:pPr lvl="1"/>
+            <a:r>
+              <a:rPr lang="en-US" dirty="0"/>
+              <a:t>Decision Tree</a:t>
+            </a:r>
+          </a:p>
+          <a:p>
+            <a:pPr lvl="1"/>
+            <a:r>
+              <a:rPr lang="en-US" dirty="0"/>
+              <a:t>Logistic Regression</a:t>
+            </a:r>
+          </a:p>
+          <a:p>
+            <a:pPr lvl="1"/>
+            <a:r>
+              <a:rPr lang="en-US" dirty="0"/>
+              <a:t>Neural Network</a:t>
+            </a:r>
+          </a:p>
+          <a:p>
+            <a:pPr marL="0" indent="0">
+              <a:buNone/>
+            </a:pPr>
+            <a:endParaRPr lang="en-US" dirty="0"/>
+          </a:p>
+          <a:p>
+            <a:endParaRPr lang="en-US" dirty="0"/>
+          </a:p>
+          <a:p>
+            <a:pPr marL="0" indent="0">
+              <a:buNone/>
+            </a:pPr>
+            <a:endParaRPr lang="en-US" dirty="0"/>
+          </a:p>
+        </p:txBody>
+      </p:sp>
+      <p:sp>
+        <p:nvSpPr>
+          <p:cNvPr id="4" name="Title 3"/>
+          <p:cNvSpPr>
+            <a:spLocks noGrp="1"/>
+          </p:cNvSpPr>
+          <p:nvPr>
+            <p:ph type="title"/>
+          </p:nvPr>
+        </p:nvSpPr>
+        <p:spPr/>
+        <p:txBody>
+          <a:bodyPr/>
+          <a:lstStyle/>
+          <a:p>
+            <a:r>
+              <a:rPr lang="en-US" dirty="0"/>
+              <a:t>Chapter Summary</a:t>
+            </a:r>
+          </a:p>
+        </p:txBody>
+      </p:sp>
+    </p:spTree>
+    <p:extLst>
+      <p:ext uri="{BB962C8B-B14F-4D97-AF65-F5344CB8AC3E}">
+        <p14:creationId xmlns:p14="http://schemas.microsoft.com/office/powerpoint/2010/main" val="23848925"/>
+      </p:ext>
+    </p:extLst>
+  </p:cSld>
+  <p:clrMapOvr>
+    <a:masterClrMapping/>
+  </p:clrMapOvr>
+</p:sld>
+</file>
+
 <file path=ppt/slides/slide4.xml><?xml version="1.0" encoding="utf-8"?>
 <p:sld xmlns:a="http://schemas.openxmlformats.org/drawingml/2006/main" xmlns:r="http://schemas.openxmlformats.org/officeDocument/2006/relationships" xmlns:p="http://schemas.openxmlformats.org/presentationml/2006/main">
   <p:cSld>
@@ -15006,63 +16935,38 @@
           <a:p>
             <a:r>
               <a:rPr lang="en-US" sz="1700" dirty="0"/>
-              <a:t>There are many business use cases for wanting to predict whether a record will fall into one category or another</a:t>
-            </a:r>
-          </a:p>
-          <a:p>
-            <a:pPr lvl="1"/>
+              <a:t>Most transformation occurs on one column at a time in a DataFrame</a:t>
+            </a:r>
+          </a:p>
+          <a:p>
             <a:r>
               <a:rPr lang="en-US" sz="1700" dirty="0"/>
-              <a:t>Is a credit card swipe fraudulent or not?</a:t>
-            </a:r>
-          </a:p>
-          <a:p>
-            <a:pPr lvl="1"/>
+              <a:t>Because the data are partitioned among many nodes it means that wide operations have to shuffle around a lot of data to process that one column</a:t>
+            </a:r>
+          </a:p>
+          <a:p>
             <a:r>
               <a:rPr lang="en-US" sz="1700" dirty="0"/>
-              <a:t>Does a patient have a disease?</a:t>
-            </a:r>
-          </a:p>
-          <a:p>
-            <a:pPr lvl="1"/>
+              <a:t>Then you do a transformation on another column and the whole process starts all over again</a:t>
+            </a:r>
+          </a:p>
+          <a:p>
             <a:r>
               <a:rPr lang="en-US" sz="1700" dirty="0"/>
-              <a:t>Will an applicant be a profitable customer?</a:t>
+              <a:t>If you have a lot of categorical columns to OneHotEncode, each one is done sequentially after the other, then you do the same thing again to scale the numeric features, and again to bundle them all up into a Vector</a:t>
             </a:r>
           </a:p>
           <a:p>
             <a:r>
               <a:rPr lang="en-US" sz="1700" dirty="0"/>
-              <a:t>Classification can make such predictions by using historical data to train the model to look for patterns</a:t>
+              <a:t>Pipelines allow a more elegant and efficient mechanism to chain together many transformation steps so that they can be optimized and run together in parallel instead of sequentially</a:t>
             </a:r>
           </a:p>
           <a:p>
             <a:r>
               <a:rPr lang="en-US" sz="1700" dirty="0"/>
-              <a:t>To see how good a job the model does, you test it with another set of data that was not used to train the model</a:t>
-            </a:r>
-          </a:p>
-          <a:p>
-            <a:pPr lvl="1"/>
-            <a:r>
-              <a:rPr lang="en-US" sz="1700" dirty="0"/>
-              <a:t>By comparing the known values to the predicted ones, you can judge how well the model performs</a:t>
-            </a:r>
-          </a:p>
-          <a:p>
-            <a:r>
-              <a:rPr lang="en-US" sz="1700" dirty="0"/>
-              <a:t>If the model guesses better than a coin flip or random guess, it may not be perfect, but it’s better than nothing and could be used to create actionable business decisions with a best guess</a:t>
-            </a:r>
-          </a:p>
-          <a:p>
-            <a:r>
-              <a:rPr lang="en-US" sz="1700" dirty="0"/>
-              <a:t>There are many different algorithms that can do classification, so it’s best to run the same data through many different models to see which works best for your data</a:t>
-            </a:r>
-          </a:p>
-          <a:p>
-            <a:endParaRPr lang="en-US" sz="1700" dirty="0"/>
+              <a:t>Also they allow you to save the entire chain of transformations so they can be reused when you need to encode new data to make predictions on</a:t>
+            </a:r>
           </a:p>
         </p:txBody>
       </p:sp>
@@ -15076,14 +16980,19 @@
             <p:ph type="title"/>
           </p:nvPr>
         </p:nvSpPr>
-        <p:spPr/>
+        <p:spPr>
+          <a:xfrm>
+            <a:off x="757647" y="290495"/>
+            <a:ext cx="7295742" cy="627062"/>
+          </a:xfrm>
+        </p:spPr>
         <p:txBody>
           <a:bodyPr/>
           <a:lstStyle/>
           <a:p>
             <a:r>
               <a:rPr lang="en-US" dirty="0"/>
-              <a:t>Classification</a:t>
+              <a:t>Problem with Existing Transformations</a:t>
             </a:r>
           </a:p>
         </p:txBody>
@@ -15091,7 +17000,7 @@
     </p:spTree>
     <p:extLst>
       <p:ext uri="{BB962C8B-B14F-4D97-AF65-F5344CB8AC3E}">
-        <p14:creationId xmlns:p14="http://schemas.microsoft.com/office/powerpoint/2010/main" val="3309313356"/>
+        <p14:creationId xmlns:p14="http://schemas.microsoft.com/office/powerpoint/2010/main" val="1285261680"/>
       </p:ext>
     </p:extLst>
   </p:cSld>
@@ -15140,44 +17049,76 @@
           <a:p>
             <a:r>
               <a:rPr lang="en-US" dirty="0"/>
-              <a:t>There are some consistent steps you need to do regardless of which algorithm you use, although some models have different requirements</a:t>
+              <a:t>Pipelines are composed of Transformers and Estimators</a:t>
             </a:r>
           </a:p>
           <a:p>
             <a:r>
               <a:rPr lang="en-US" dirty="0"/>
-              <a:t>Usually, categorical data needs to be re-encoded as a vector that is OneHotEncoded </a:t>
-            </a:r>
-          </a:p>
-          <a:p>
+              <a:t>Transformers</a:t>
+            </a:r>
+          </a:p>
+          <a:p>
+            <a:pPr lvl="1"/>
             <a:r>
               <a:rPr lang="en-US" dirty="0"/>
-              <a:t>All models should take the data set and split it into a training and testing set</a:t>
-            </a:r>
-          </a:p>
-          <a:p>
+              <a:t>Implement a </a:t>
+            </a:r>
+            <a:r>
+              <a:rPr lang="en-US" dirty="0">
+                <a:latin typeface="Courier New" panose="02070309020205020404" pitchFamily="49" charset="0"/>
+                <a:cs typeface="Courier New" panose="02070309020205020404" pitchFamily="49" charset="0"/>
+              </a:rPr>
+              <a:t>transform()</a:t>
+            </a:r>
             <a:r>
               <a:rPr lang="en-US" dirty="0"/>
-              <a:t>First, you fit the model with the training set</a:t>
+              <a:t> method </a:t>
             </a:r>
           </a:p>
           <a:p>
             <a:pPr lvl="1"/>
             <a:r>
               <a:rPr lang="en-US" dirty="0"/>
-              <a:t>Can take some time for large datasets</a:t>
+              <a:t>Convert one DataFrame into another, generally by adding one or more columns</a:t>
             </a:r>
           </a:p>
           <a:p>
             <a:r>
               <a:rPr lang="en-US" dirty="0"/>
-              <a:t>Once the model is trained, you can see how good it is at making predictions by using a predict function and comparing those values to known values for the variable you are trying to predict</a:t>
-            </a:r>
-          </a:p>
-          <a:p>
+              <a:t>Estimators</a:t>
+            </a:r>
+          </a:p>
+          <a:p>
+            <a:pPr lvl="1"/>
             <a:r>
               <a:rPr lang="en-US" dirty="0"/>
-              <a:t>After you’ve picked the model that does the best job, you can use it to predict values either individually or in a batch for new data as it comes in</a:t>
+              <a:t>Implement as </a:t>
+            </a:r>
+            <a:r>
+              <a:rPr lang="en-US" dirty="0">
+                <a:latin typeface="Courier New" panose="02070309020205020404" pitchFamily="49" charset="0"/>
+                <a:cs typeface="Courier New" panose="02070309020205020404" pitchFamily="49" charset="0"/>
+              </a:rPr>
+              <a:t>fit()</a:t>
+            </a:r>
+            <a:r>
+              <a:rPr lang="en-US" dirty="0">
+                <a:latin typeface="+mj-lt"/>
+                <a:cs typeface="Courier New" panose="02070309020205020404" pitchFamily="49" charset="0"/>
+              </a:rPr>
+              <a:t> </a:t>
+            </a:r>
+            <a:r>
+              <a:rPr lang="en-US" dirty="0"/>
+              <a:t>methods</a:t>
+            </a:r>
+          </a:p>
+          <a:p>
+            <a:pPr lvl="1"/>
+            <a:r>
+              <a:rPr lang="en-US" dirty="0"/>
+              <a:t>Take a DataFrame object and return a Model object</a:t>
             </a:r>
           </a:p>
         </p:txBody>
@@ -15199,7 +17140,7 @@
           <a:p>
             <a:r>
               <a:rPr lang="en-US" dirty="0"/>
-              <a:t>Steps to Classification</a:t>
+              <a:t>Pipeline Components</a:t>
             </a:r>
           </a:p>
         </p:txBody>
@@ -15207,7 +17148,7 @@
     </p:spTree>
     <p:extLst>
       <p:ext uri="{BB962C8B-B14F-4D97-AF65-F5344CB8AC3E}">
-        <p14:creationId xmlns:p14="http://schemas.microsoft.com/office/powerpoint/2010/main" val="494064200"/>
+        <p14:creationId xmlns:p14="http://schemas.microsoft.com/office/powerpoint/2010/main" val="65638570"/>
       </p:ext>
     </p:extLst>
   </p:cSld>
@@ -15244,59 +17185,82 @@
             <p:ph idx="1"/>
           </p:nvPr>
         </p:nvSpPr>
-        <p:spPr/>
+        <p:spPr>
+          <a:xfrm>
+            <a:off x="581024" y="1155614"/>
+            <a:ext cx="8142351" cy="5072616"/>
+          </a:xfrm>
+        </p:spPr>
         <p:txBody>
           <a:bodyPr/>
           <a:lstStyle/>
           <a:p>
             <a:r>
               <a:rPr lang="en-US" dirty="0"/>
-              <a:t>Often you are trying to predict an either/or value</a:t>
-            </a:r>
-          </a:p>
-          <a:p>
-            <a:pPr lvl="1"/>
+              <a:t>Create a Python </a:t>
+            </a:r>
+            <a:r>
+              <a:rPr lang="en-US" dirty="0">
+                <a:latin typeface="Courier New" panose="02070309020205020404" pitchFamily="49" charset="0"/>
+                <a:cs typeface="Courier New" panose="02070309020205020404" pitchFamily="49" charset="0"/>
+              </a:rPr>
+              <a:t>list</a:t>
+            </a:r>
             <a:r>
               <a:rPr lang="en-US" dirty="0"/>
-              <a:t>Is a card swipe fraudulent or legitimate?</a:t>
-            </a:r>
-          </a:p>
-          <a:p>
-            <a:pPr lvl="1"/>
+              <a:t> of the steps you want to do in the order you want them done</a:t>
+            </a:r>
+          </a:p>
+          <a:p>
             <a:r>
               <a:rPr lang="en-US" dirty="0"/>
-              <a:t>Does a patient have cancer or not?</a:t>
+              <a:t>Create a pipeline object and pass it the list of stages</a:t>
             </a:r>
           </a:p>
           <a:p>
             <a:r>
               <a:rPr lang="en-US" dirty="0"/>
-              <a:t>Not limited to just two choices, you could predict whether a record falls into a category with many different values</a:t>
-            </a:r>
-          </a:p>
-          <a:p>
-            <a:pPr lvl="1"/>
+              <a:t>Call </a:t>
+            </a:r>
+            <a:r>
+              <a:rPr lang="en-US" dirty="0">
+                <a:latin typeface="Courier New" panose="02070309020205020404" pitchFamily="49" charset="0"/>
+                <a:cs typeface="Courier New" panose="02070309020205020404" pitchFamily="49" charset="0"/>
+              </a:rPr>
+              <a:t>fit</a:t>
+            </a:r>
             <a:r>
               <a:rPr lang="en-US" dirty="0"/>
-              <a:t>It just gets trickier sometimes to interpret the results</a:t>
+              <a:t> on the pipeline object to train the model</a:t>
             </a:r>
           </a:p>
           <a:p>
             <a:r>
               <a:rPr lang="en-US" dirty="0"/>
-              <a:t>The math and techniques behind the scenes can get complicated, but you don’t really need to know any of it to use the algorithms</a:t>
-            </a:r>
-          </a:p>
-          <a:p>
+              <a:t>Call </a:t>
+            </a:r>
+            <a:r>
+              <a:rPr lang="en-US" dirty="0">
+                <a:latin typeface="Courier New" panose="02070309020205020404" pitchFamily="49" charset="0"/>
+                <a:cs typeface="Courier New" panose="02070309020205020404" pitchFamily="49" charset="0"/>
+              </a:rPr>
+              <a:t>transform</a:t>
+            </a:r>
             <a:r>
               <a:rPr lang="en-US" dirty="0"/>
-              <a:t>Just knowing how to identify that you need a classification model and how to prep the data and interpret the results is often good enough to get started</a:t>
+              <a:t> on the model object to get the predictions</a:t>
             </a:r>
           </a:p>
           <a:p>
             <a:r>
               <a:rPr lang="en-US" dirty="0"/>
-              <a:t>As you get more sophisticated, you can learn the math behind the scenes to tweak the results and try to get better results</a:t>
+              <a:t>Watch the performance improvement</a:t>
+            </a:r>
+          </a:p>
+          <a:p>
+            <a:r>
+              <a:rPr lang="en-US" dirty="0"/>
+              <a:t>As always, a custom helper function makes things easier to use instead of building it from scratch each time</a:t>
             </a:r>
           </a:p>
         </p:txBody>
@@ -15318,7 +17282,7 @@
           <a:p>
             <a:r>
               <a:rPr lang="en-US" dirty="0"/>
-              <a:t>Notes on Classification</a:t>
+              <a:t>Steps to Pipeline</a:t>
             </a:r>
           </a:p>
         </p:txBody>
@@ -15326,7 +17290,7 @@
     </p:spTree>
     <p:extLst>
       <p:ext uri="{BB962C8B-B14F-4D97-AF65-F5344CB8AC3E}">
-        <p14:creationId xmlns:p14="http://schemas.microsoft.com/office/powerpoint/2010/main" val="1938783940"/>
+        <p14:creationId xmlns:p14="http://schemas.microsoft.com/office/powerpoint/2010/main" val="3349868013"/>
       </p:ext>
     </p:extLst>
   </p:cSld>
@@ -15355,60 +17319,6 @@
       </p:grpSpPr>
       <p:sp>
         <p:nvSpPr>
-          <p:cNvPr id="3" name="Content Placeholder 2"/>
-          <p:cNvSpPr>
-            <a:spLocks noGrp="1"/>
-          </p:cNvSpPr>
-          <p:nvPr>
-            <p:ph idx="1"/>
-          </p:nvPr>
-        </p:nvSpPr>
-        <p:spPr/>
-        <p:txBody>
-          <a:bodyPr/>
-          <a:lstStyle/>
-          <a:p>
-            <a:r>
-              <a:rPr lang="en-US" dirty="0"/>
-              <a:t>Let’s look at some data first, and use this with several different algorithms</a:t>
-            </a:r>
-          </a:p>
-          <a:p>
-            <a:r>
-              <a:rPr lang="en-US" dirty="0"/>
-              <a:t>The dataset is whether borrowers defaulted on a loan or not</a:t>
-            </a:r>
-          </a:p>
-          <a:p>
-            <a:endParaRPr lang="en-US" dirty="0"/>
-          </a:p>
-          <a:p>
-            <a:endParaRPr lang="en-US" dirty="0"/>
-          </a:p>
-          <a:p>
-            <a:endParaRPr lang="en-US" dirty="0"/>
-          </a:p>
-          <a:p>
-            <a:pPr lvl="1"/>
-            <a:endParaRPr lang="en-US" sz="1200" dirty="0"/>
-          </a:p>
-          <a:p>
-            <a:r>
-              <a:rPr lang="en-US" dirty="0"/>
-              <a:t>Let’s keep the following numerical and categorical features and try to predict whether they default yes/no</a:t>
-            </a:r>
-          </a:p>
-          <a:p>
-            <a:endParaRPr lang="en-US" dirty="0"/>
-          </a:p>
-          <a:p>
-            <a:pPr lvl="1"/>
-            <a:endParaRPr lang="en-US" dirty="0"/>
-          </a:p>
-        </p:txBody>
-      </p:sp>
-      <p:sp>
-        <p:nvSpPr>
           <p:cNvPr id="2" name="Title 1"/>
           <p:cNvSpPr>
             <a:spLocks noGrp="1"/>
@@ -15424,7 +17334,7 @@
           <a:p>
             <a:r>
               <a:rPr lang="en-US" dirty="0"/>
-              <a:t>Preparing the Data</a:t>
+              <a:t>Pipeline Example</a:t>
             </a:r>
           </a:p>
         </p:txBody>
@@ -15434,7 +17344,7 @@
           <p:cNvPr id="4" name="TextBox 3">
             <a:extLst>
               <a:ext uri="{FF2B5EF4-FFF2-40B4-BE49-F238E27FC236}">
-                <a16:creationId xmlns:a16="http://schemas.microsoft.com/office/drawing/2014/main" id="{B25BD5BC-E8B9-4540-A404-A5C6B4AFC25D}"/>
+                <a16:creationId xmlns:a16="http://schemas.microsoft.com/office/drawing/2014/main" id="{E7FB91B7-B630-7F4D-AD55-0AF768DA615B}"/>
               </a:ext>
             </a:extLst>
           </p:cNvPr>
@@ -15443,8 +17353,8 @@
         </p:nvSpPr>
         <p:spPr>
           <a:xfrm>
-            <a:off x="741851" y="2059887"/>
-            <a:ext cx="7660298" cy="1169551"/>
+            <a:off x="361050" y="1350910"/>
+            <a:ext cx="8582298" cy="2677656"/>
           </a:xfrm>
           <a:prstGeom prst="rect">
             <a:avLst/>
@@ -15580,204 +17490,145 @@
           <a:p>
             <a:r>
               <a:rPr lang="en-US" b="1" dirty="0"/>
-              <a:t>filename = 'bank.csv'</a:t>
+              <a:t>tokenizer = Tokenizer(inputCol="text", outputCol="words")</a:t>
             </a:r>
           </a:p>
           <a:p>
             <a:r>
               <a:rPr lang="en-US" b="1" dirty="0"/>
-              <a:t>df = spark.read.csv(f'/home/student/ROI/Spark/datasets/finance/{filename}', header = True, inferSchema = True)</a:t>
+              <a:t>hashingTF = HashingTF(inputCol=tokenizer.getOutputCol(), outputCol="features")</a:t>
             </a:r>
           </a:p>
           <a:p>
             <a:r>
               <a:rPr lang="en-US" b="1" dirty="0"/>
-              <a:t>display(df)</a:t>
+              <a:t>lr = LogisticRegression(maxIter=10, regParam=0.001)</a:t>
+            </a:r>
+          </a:p>
+          <a:p>
+            <a:r>
+              <a:rPr lang="en-US" b="1" dirty="0"/>
+              <a:t>pipeline = Pipeline(stages=[tokenizer, hashingTF, lr])</a:t>
+            </a:r>
+          </a:p>
+          <a:p>
+            <a:endParaRPr lang="en-US" b="1" dirty="0"/>
+          </a:p>
+          <a:p>
+            <a:r>
+              <a:rPr lang="en-US" b="1" dirty="0"/>
+              <a:t># Fit the pipeline to training documents.</a:t>
+            </a:r>
+          </a:p>
+          <a:p>
+            <a:r>
+              <a:rPr lang="en-US" b="1" dirty="0"/>
+              <a:t>model = pipeline.fit(training)</a:t>
+            </a:r>
+          </a:p>
+          <a:p>
+            <a:endParaRPr lang="en-US" b="1" dirty="0"/>
+          </a:p>
+          <a:p>
+            <a:r>
+              <a:rPr lang="en-US" b="1" dirty="0"/>
+              <a:t># Prepare test documents, which are unlabeled (id, text) tuples.</a:t>
+            </a:r>
+          </a:p>
+          <a:p>
+            <a:endParaRPr lang="en-US" b="1" dirty="0"/>
+          </a:p>
+          <a:p>
+            <a:r>
+              <a:rPr lang="en-US" b="1" dirty="0"/>
+              <a:t># Make predictions on test documents and print columns of interest.</a:t>
+            </a:r>
+          </a:p>
+          <a:p>
+            <a:r>
+              <a:rPr lang="en-US" b="1" dirty="0"/>
+              <a:t>prediction = model.transform(test)</a:t>
             </a:r>
           </a:p>
         </p:txBody>
       </p:sp>
       <p:sp>
         <p:nvSpPr>
-          <p:cNvPr id="5" name="TextBox 4">
+          <p:cNvPr id="5" name="Content Placeholder 2">
             <a:extLst>
               <a:ext uri="{FF2B5EF4-FFF2-40B4-BE49-F238E27FC236}">
-                <a16:creationId xmlns:a16="http://schemas.microsoft.com/office/drawing/2014/main" id="{10612803-6614-AD49-83F2-D3BC541C0055}"/>
+                <a16:creationId xmlns:a16="http://schemas.microsoft.com/office/drawing/2014/main" id="{9401A5FC-0193-DB40-A68B-B254333FFBB2}"/>
               </a:ext>
             </a:extLst>
           </p:cNvPr>
-          <p:cNvSpPr txBox="1"/>
-          <p:nvPr/>
+          <p:cNvSpPr>
+            <a:spLocks noGrp="1"/>
+          </p:cNvSpPr>
+          <p:nvPr>
+            <p:ph idx="1"/>
+          </p:nvPr>
         </p:nvSpPr>
         <p:spPr>
           <a:xfrm>
-            <a:off x="741851" y="4244398"/>
-            <a:ext cx="7660298" cy="1600438"/>
+            <a:off x="581024" y="1155614"/>
+            <a:ext cx="8142351" cy="5072616"/>
           </a:xfrm>
-          <a:prstGeom prst="rect">
-            <a:avLst/>
-          </a:prstGeom>
-          <a:noFill/>
-          <a:ln w="28575" algn="ctr">
-            <a:solidFill>
-              <a:schemeClr val="accent2">
-                <a:lumMod val="20000"/>
-                <a:lumOff val="80000"/>
-              </a:schemeClr>
-            </a:solidFill>
-            <a:miter lim="800000"/>
-            <a:headEnd/>
-            <a:tailEnd/>
-          </a:ln>
-          <a:effectLst/>
         </p:spPr>
         <p:txBody>
-          <a:bodyPr wrap="square">
-            <a:spAutoFit/>
-          </a:bodyPr>
-          <a:lstStyle>
-            <a:defPPr>
-              <a:defRPr lang="en-US"/>
-            </a:defPPr>
-            <a:lvl1pPr marL="0" defTabSz="914400" eaLnBrk="1" latinLnBrk="0" hangingPunct="1">
-              <a:defRPr sz="1400">
-                <a:solidFill>
-                  <a:schemeClr val="tx1"/>
-                </a:solidFill>
-                <a:latin typeface="Courier New" pitchFamily="49" charset="0"/>
-                <a:cs typeface="+mn-cs"/>
-              </a:defRPr>
-            </a:lvl1pPr>
-            <a:lvl2pPr marL="742950" indent="-285750" defTabSz="914400" latinLnBrk="0">
-              <a:defRPr sz="1400">
-                <a:solidFill>
-                  <a:schemeClr val="tx1"/>
-                </a:solidFill>
-                <a:latin typeface="Arial" charset="0"/>
-                <a:cs typeface="+mn-cs"/>
-              </a:defRPr>
-            </a:lvl2pPr>
-            <a:lvl3pPr marL="1143000" indent="-228600" defTabSz="914400" latinLnBrk="0">
-              <a:defRPr sz="1400">
-                <a:solidFill>
-                  <a:schemeClr val="tx1"/>
-                </a:solidFill>
-                <a:latin typeface="Arial" charset="0"/>
-                <a:cs typeface="+mn-cs"/>
-              </a:defRPr>
-            </a:lvl3pPr>
-            <a:lvl4pPr marL="1600200" indent="-228600" defTabSz="914400" latinLnBrk="0">
-              <a:defRPr sz="1400">
-                <a:solidFill>
-                  <a:schemeClr val="tx1"/>
-                </a:solidFill>
-                <a:latin typeface="Arial" charset="0"/>
-                <a:cs typeface="+mn-cs"/>
-              </a:defRPr>
-            </a:lvl4pPr>
-            <a:lvl5pPr marL="2057400" indent="-228600" defTabSz="914400" latinLnBrk="0">
-              <a:defRPr sz="1400">
-                <a:solidFill>
-                  <a:schemeClr val="tx1"/>
-                </a:solidFill>
-                <a:latin typeface="Arial" charset="0"/>
-                <a:cs typeface="+mn-cs"/>
-              </a:defRPr>
-            </a:lvl5pPr>
-            <a:lvl6pPr marL="2514600" indent="-228600" eaLnBrk="0" fontAlgn="base" hangingPunct="0">
-              <a:spcBef>
-                <a:spcPct val="0"/>
-              </a:spcBef>
-              <a:spcAft>
-                <a:spcPct val="0"/>
-              </a:spcAft>
-              <a:defRPr sz="1400">
-                <a:solidFill>
-                  <a:schemeClr val="tx1"/>
-                </a:solidFill>
-                <a:latin typeface="Arial" charset="0"/>
-                <a:cs typeface="+mn-cs"/>
-              </a:defRPr>
-            </a:lvl6pPr>
-            <a:lvl7pPr marL="2971800" indent="-228600" eaLnBrk="0" fontAlgn="base" hangingPunct="0">
-              <a:spcBef>
-                <a:spcPct val="0"/>
-              </a:spcBef>
-              <a:spcAft>
-                <a:spcPct val="0"/>
-              </a:spcAft>
-              <a:defRPr sz="1400">
-                <a:solidFill>
-                  <a:schemeClr val="tx1"/>
-                </a:solidFill>
-                <a:latin typeface="Arial" charset="0"/>
-                <a:cs typeface="+mn-cs"/>
-              </a:defRPr>
-            </a:lvl7pPr>
-            <a:lvl8pPr marL="3429000" indent="-228600" eaLnBrk="0" fontAlgn="base" hangingPunct="0">
-              <a:spcBef>
-                <a:spcPct val="0"/>
-              </a:spcBef>
-              <a:spcAft>
-                <a:spcPct val="0"/>
-              </a:spcAft>
-              <a:defRPr sz="1400">
-                <a:solidFill>
-                  <a:schemeClr val="tx1"/>
-                </a:solidFill>
-                <a:latin typeface="Arial" charset="0"/>
-                <a:cs typeface="+mn-cs"/>
-              </a:defRPr>
-            </a:lvl8pPr>
-            <a:lvl9pPr marL="3886200" indent="-228600" eaLnBrk="0" fontAlgn="base" hangingPunct="0">
-              <a:spcBef>
-                <a:spcPct val="0"/>
-              </a:spcBef>
-              <a:spcAft>
-                <a:spcPct val="0"/>
-              </a:spcAft>
-              <a:defRPr sz="1400">
-                <a:solidFill>
-                  <a:schemeClr val="tx1"/>
-                </a:solidFill>
-                <a:latin typeface="Arial" charset="0"/>
-                <a:cs typeface="+mn-cs"/>
-              </a:defRPr>
-            </a:lvl9pPr>
-          </a:lstStyle>
-          <a:p>
-            <a:r>
-              <a:rPr lang="en-US" b="1" dirty="0"/>
-              <a:t>numeric_features = ['age','balance', 'duration', 'pdays']</a:t>
-            </a:r>
-          </a:p>
-          <a:p>
-            <a:r>
-              <a:rPr lang="en-US" b="1" dirty="0"/>
-              <a:t>categorical_features = ['job', 'marital', 'education', 'housing', 'loan', 'contact', 'campaign', 'poutcome', 'deposit']</a:t>
-            </a:r>
-          </a:p>
-          <a:p>
-            <a:r>
-              <a:rPr lang="en-US" b="1" dirty="0"/>
-              <a:t>target_label = 'default'</a:t>
-            </a:r>
-          </a:p>
-          <a:p>
-            <a:endParaRPr lang="en-US" b="1" dirty="0"/>
-          </a:p>
-          <a:p>
-            <a:r>
-              <a:rPr lang="en-US" b="1" dirty="0"/>
-              <a:t>df = dfRawFile.select(numeric_features + categorical_features + [target_label])</a:t>
-            </a:r>
+          <a:bodyPr/>
+          <a:lstStyle/>
+          <a:p>
+            <a:endParaRPr lang="en-US" dirty="0"/>
+          </a:p>
+          <a:p>
+            <a:endParaRPr lang="en-US" dirty="0"/>
+          </a:p>
+          <a:p>
+            <a:endParaRPr lang="en-US" dirty="0"/>
+          </a:p>
+          <a:p>
+            <a:endParaRPr lang="en-US" dirty="0"/>
+          </a:p>
+          <a:p>
+            <a:endParaRPr lang="en-US" dirty="0"/>
+          </a:p>
+          <a:p>
+            <a:endParaRPr lang="en-US" dirty="0"/>
+          </a:p>
+          <a:p>
+            <a:endParaRPr lang="en-US" dirty="0"/>
+          </a:p>
+          <a:p>
+            <a:r>
+              <a:rPr lang="en-US" dirty="0"/>
+              <a:t>As usual a good helper function makes all this easier so we will use the one we wrote in </a:t>
+            </a:r>
+            <a:r>
+              <a:rPr lang="en-US" dirty="0" err="1"/>
+              <a:t>pyspark_helpers</a:t>
+            </a:r>
+            <a:r>
+              <a:rPr lang="en-US" dirty="0"/>
+              <a:t> called </a:t>
+            </a:r>
+            <a:r>
+              <a:rPr lang="en-US" dirty="0" err="1">
+                <a:latin typeface="Courier New" panose="02070309020205020404" pitchFamily="49" charset="0"/>
+                <a:cs typeface="Courier New" panose="02070309020205020404" pitchFamily="49" charset="0"/>
+              </a:rPr>
+              <a:t>MakeMLPipeline</a:t>
+            </a:r>
+            <a:endParaRPr lang="en-US" dirty="0">
+              <a:latin typeface="Courier New" panose="02070309020205020404" pitchFamily="49" charset="0"/>
+              <a:cs typeface="Courier New" panose="02070309020205020404" pitchFamily="49" charset="0"/>
+            </a:endParaRPr>
           </a:p>
         </p:txBody>
       </p:sp>
     </p:spTree>
     <p:extLst>
       <p:ext uri="{BB962C8B-B14F-4D97-AF65-F5344CB8AC3E}">
-        <p14:creationId xmlns:p14="http://schemas.microsoft.com/office/powerpoint/2010/main" val="1222681029"/>
+        <p14:creationId xmlns:p14="http://schemas.microsoft.com/office/powerpoint/2010/main" val="3354166666"/>
       </p:ext>
     </p:extLst>
   </p:cSld>
@@ -15806,52 +17657,6 @@
       </p:grpSpPr>
       <p:sp>
         <p:nvSpPr>
-          <p:cNvPr id="3" name="Content Placeholder 2"/>
-          <p:cNvSpPr>
-            <a:spLocks noGrp="1"/>
-          </p:cNvSpPr>
-          <p:nvPr>
-            <p:ph idx="1"/>
-          </p:nvPr>
-        </p:nvSpPr>
-        <p:spPr>
-          <a:xfrm>
-            <a:off x="581025" y="1155614"/>
-            <a:ext cx="8210278" cy="3690706"/>
-          </a:xfrm>
-        </p:spPr>
-        <p:txBody>
-          <a:bodyPr/>
-          <a:lstStyle/>
-          <a:p>
-            <a:r>
-              <a:rPr lang="en-US" dirty="0"/>
-              <a:t>Scatter plots are helpful to explore the numerical data</a:t>
-            </a:r>
-          </a:p>
-          <a:p>
-            <a:endParaRPr lang="en-US" dirty="0"/>
-          </a:p>
-          <a:p>
-            <a:endParaRPr lang="en-US" dirty="0"/>
-          </a:p>
-          <a:p>
-            <a:endParaRPr lang="en-US" dirty="0"/>
-          </a:p>
-          <a:p>
-            <a:pPr lvl="1"/>
-            <a:endParaRPr lang="en-US" dirty="0"/>
-          </a:p>
-          <a:p>
-            <a:pPr marL="228600" lvl="1" indent="0">
-              <a:buNone/>
-            </a:pPr>
-            <a:endParaRPr lang="en-US" dirty="0"/>
-          </a:p>
-        </p:txBody>
-      </p:sp>
-      <p:sp>
-        <p:nvSpPr>
           <p:cNvPr id="2" name="Title 1"/>
           <p:cNvSpPr>
             <a:spLocks noGrp="1"/>
@@ -15867,218 +17672,275 @@
           <a:p>
             <a:r>
               <a:rPr lang="en-US" dirty="0"/>
-              <a:t>Explore Numerical Features</a:t>
+              <a:t>Chapter Concepts</a:t>
             </a:r>
           </a:p>
         </p:txBody>
       </p:sp>
-      <p:sp>
-        <p:nvSpPr>
-          <p:cNvPr id="4" name="TextBox 3">
+      <p:graphicFrame>
+        <p:nvGraphicFramePr>
+          <p:cNvPr id="8" name="Table 7">
             <a:extLst>
               <a:ext uri="{FF2B5EF4-FFF2-40B4-BE49-F238E27FC236}">
-                <a16:creationId xmlns:a16="http://schemas.microsoft.com/office/drawing/2014/main" id="{B25BD5BC-E8B9-4540-A404-A5C6B4AFC25D}"/>
+                <a16:creationId xmlns:a16="http://schemas.microsoft.com/office/drawing/2014/main" id="{F6AE25A8-0110-43FB-ADB2-0BB756303142}"/>
               </a:ext>
             </a:extLst>
           </p:cNvPr>
-          <p:cNvSpPr txBox="1"/>
-          <p:nvPr/>
-        </p:nvSpPr>
-        <p:spPr>
-          <a:xfrm>
-            <a:off x="1341926" y="1624841"/>
-            <a:ext cx="6460148" cy="584775"/>
-          </a:xfrm>
-          <a:prstGeom prst="rect">
-            <a:avLst/>
-          </a:prstGeom>
-          <a:noFill/>
-          <a:ln w="28575" algn="ctr">
-            <a:solidFill>
-              <a:schemeClr val="accent2">
-                <a:lumMod val="20000"/>
-                <a:lumOff val="80000"/>
-              </a:schemeClr>
-            </a:solidFill>
-            <a:miter lim="800000"/>
-            <a:headEnd/>
-            <a:tailEnd/>
-          </a:ln>
-          <a:effectLst/>
-        </p:spPr>
-        <p:txBody>
-          <a:bodyPr wrap="square">
-            <a:spAutoFit/>
-          </a:bodyPr>
-          <a:lstStyle>
-            <a:defPPr>
-              <a:defRPr lang="en-US"/>
-            </a:defPPr>
-            <a:lvl1pPr marL="0" defTabSz="914400" eaLnBrk="1" latinLnBrk="0" hangingPunct="1">
-              <a:defRPr sz="1400">
-                <a:solidFill>
-                  <a:schemeClr val="tx1"/>
-                </a:solidFill>
-                <a:latin typeface="Courier New" pitchFamily="49" charset="0"/>
-                <a:cs typeface="+mn-cs"/>
-              </a:defRPr>
-            </a:lvl1pPr>
-            <a:lvl2pPr marL="742950" indent="-285750" defTabSz="914400" latinLnBrk="0">
-              <a:defRPr sz="1400">
-                <a:solidFill>
-                  <a:schemeClr val="tx1"/>
-                </a:solidFill>
-                <a:latin typeface="Arial" charset="0"/>
-                <a:cs typeface="+mn-cs"/>
-              </a:defRPr>
-            </a:lvl2pPr>
-            <a:lvl3pPr marL="1143000" indent="-228600" defTabSz="914400" latinLnBrk="0">
-              <a:defRPr sz="1400">
-                <a:solidFill>
-                  <a:schemeClr val="tx1"/>
-                </a:solidFill>
-                <a:latin typeface="Arial" charset="0"/>
-                <a:cs typeface="+mn-cs"/>
-              </a:defRPr>
-            </a:lvl3pPr>
-            <a:lvl4pPr marL="1600200" indent="-228600" defTabSz="914400" latinLnBrk="0">
-              <a:defRPr sz="1400">
-                <a:solidFill>
-                  <a:schemeClr val="tx1"/>
-                </a:solidFill>
-                <a:latin typeface="Arial" charset="0"/>
-                <a:cs typeface="+mn-cs"/>
-              </a:defRPr>
-            </a:lvl4pPr>
-            <a:lvl5pPr marL="2057400" indent="-228600" defTabSz="914400" latinLnBrk="0">
-              <a:defRPr sz="1400">
-                <a:solidFill>
-                  <a:schemeClr val="tx1"/>
-                </a:solidFill>
-                <a:latin typeface="Arial" charset="0"/>
-                <a:cs typeface="+mn-cs"/>
-              </a:defRPr>
-            </a:lvl5pPr>
-            <a:lvl6pPr marL="2514600" indent="-228600" eaLnBrk="0" fontAlgn="base" hangingPunct="0">
-              <a:spcBef>
-                <a:spcPct val="0"/>
-              </a:spcBef>
-              <a:spcAft>
-                <a:spcPct val="0"/>
-              </a:spcAft>
-              <a:defRPr sz="1400">
-                <a:solidFill>
-                  <a:schemeClr val="tx1"/>
-                </a:solidFill>
-                <a:latin typeface="Arial" charset="0"/>
-                <a:cs typeface="+mn-cs"/>
-              </a:defRPr>
-            </a:lvl6pPr>
-            <a:lvl7pPr marL="2971800" indent="-228600" eaLnBrk="0" fontAlgn="base" hangingPunct="0">
-              <a:spcBef>
-                <a:spcPct val="0"/>
-              </a:spcBef>
-              <a:spcAft>
-                <a:spcPct val="0"/>
-              </a:spcAft>
-              <a:defRPr sz="1400">
-                <a:solidFill>
-                  <a:schemeClr val="tx1"/>
-                </a:solidFill>
-                <a:latin typeface="Arial" charset="0"/>
-                <a:cs typeface="+mn-cs"/>
-              </a:defRPr>
-            </a:lvl7pPr>
-            <a:lvl8pPr marL="3429000" indent="-228600" eaLnBrk="0" fontAlgn="base" hangingPunct="0">
-              <a:spcBef>
-                <a:spcPct val="0"/>
-              </a:spcBef>
-              <a:spcAft>
-                <a:spcPct val="0"/>
-              </a:spcAft>
-              <a:defRPr sz="1400">
-                <a:solidFill>
-                  <a:schemeClr val="tx1"/>
-                </a:solidFill>
-                <a:latin typeface="Arial" charset="0"/>
-                <a:cs typeface="+mn-cs"/>
-              </a:defRPr>
-            </a:lvl8pPr>
-            <a:lvl9pPr marL="3886200" indent="-228600" eaLnBrk="0" fontAlgn="base" hangingPunct="0">
-              <a:spcBef>
-                <a:spcPct val="0"/>
-              </a:spcBef>
-              <a:spcAft>
-                <a:spcPct val="0"/>
-              </a:spcAft>
-              <a:defRPr sz="1400">
-                <a:solidFill>
-                  <a:schemeClr val="tx1"/>
-                </a:solidFill>
-                <a:latin typeface="Arial" charset="0"/>
-                <a:cs typeface="+mn-cs"/>
-              </a:defRPr>
-            </a:lvl9pPr>
-          </a:lstStyle>
-          <a:p>
-            <a:r>
-              <a:rPr lang="en-US" sz="1600" b="1" dirty="0"/>
-              <a:t>pyh.describe_numeric_features(df, numeric_features)</a:t>
-            </a:r>
-          </a:p>
-          <a:p>
-            <a:r>
-              <a:rPr lang="en-US" sz="1600" b="1" dirty="0"/>
-              <a:t>pyh.scatter_matrix(df, numeric_features)</a:t>
-            </a:r>
-          </a:p>
-        </p:txBody>
-      </p:sp>
-      <p:pic>
-        <p:nvPicPr>
-          <p:cNvPr id="6" name="Picture 5">
-            <a:extLst>
-              <a:ext uri="{FF2B5EF4-FFF2-40B4-BE49-F238E27FC236}">
-                <a16:creationId xmlns:a16="http://schemas.microsoft.com/office/drawing/2014/main" id="{13CEDCC9-373A-C04A-8EB8-C5E359BC16F5}"/>
-              </a:ext>
-            </a:extLst>
-          </p:cNvPr>
-          <p:cNvPicPr>
-            <a:picLocks noChangeAspect="1"/>
-          </p:cNvPicPr>
-          <p:nvPr/>
-        </p:nvPicPr>
-        <p:blipFill>
-          <a:blip r:embed="rId3" cstate="print">
-            <a:extLst>
-              <a:ext uri="{28A0092B-C50C-407E-A947-70E740481C1C}">
-                <a14:useLocalDpi xmlns:a14="http://schemas.microsoft.com/office/drawing/2010/main" val="0"/>
-              </a:ext>
-            </a:extLst>
-          </a:blip>
-          <a:stretch>
-            <a:fillRect/>
-          </a:stretch>
-        </p:blipFill>
-        <p:spPr>
-          <a:xfrm>
-            <a:off x="1341926" y="2454821"/>
-            <a:ext cx="3221980" cy="3709851"/>
-          </a:xfrm>
-          <a:prstGeom prst="rect">
-            <a:avLst/>
-          </a:prstGeom>
-          <a:ln>
-            <a:solidFill>
-              <a:schemeClr val="bg2"/>
-            </a:solidFill>
-          </a:ln>
-        </p:spPr>
-      </p:pic>
+          <p:cNvGraphicFramePr>
+            <a:graphicFrameLocks noGrp="1"/>
+          </p:cNvGraphicFramePr>
+          <p:nvPr>
+            <p:extLst>
+              <p:ext uri="{D42A27DB-BD31-4B8C-83A1-F6EECF244321}">
+                <p14:modId xmlns:p14="http://schemas.microsoft.com/office/powerpoint/2010/main" val="2793451197"/>
+              </p:ext>
+            </p:extLst>
+          </p:nvPr>
+        </p:nvGraphicFramePr>
+        <p:xfrm>
+          <a:off x="2880360" y="1447543"/>
+          <a:ext cx="3383280" cy="2194560"/>
+        </p:xfrm>
+        <a:graphic>
+          <a:graphicData uri="http://schemas.openxmlformats.org/drawingml/2006/table">
+            <a:tbl>
+              <a:tblPr>
+                <a:tableStyleId>{00A15C55-8517-42AA-B614-E9B94910E393}</a:tableStyleId>
+              </a:tblPr>
+              <a:tblGrid>
+                <a:gridCol w="3383280">
+                  <a:extLst>
+                    <a:ext uri="{9D8B030D-6E8A-4147-A177-3AD203B41FA5}">
+                      <a16:colId xmlns:a16="http://schemas.microsoft.com/office/drawing/2014/main" val="1695728431"/>
+                    </a:ext>
+                  </a:extLst>
+                </a:gridCol>
+              </a:tblGrid>
+              <a:tr h="548640">
+                <a:tc>
+                  <a:txBody>
+                    <a:bodyPr/>
+                    <a:lstStyle/>
+                    <a:p>
+                      <a:pPr>
+                        <a:lnSpc>
+                          <a:spcPct val="100000"/>
+                        </a:lnSpc>
+                        <a:spcAft>
+                          <a:spcPts val="0"/>
+                        </a:spcAft>
+                      </a:pPr>
+                      <a:r>
+                        <a:rPr lang="en-US" sz="2000" b="0" dirty="0">
+                          <a:solidFill>
+                            <a:schemeClr val="tx1"/>
+                          </a:solidFill>
+                        </a:rPr>
+                        <a:t>Pipelines</a:t>
+                      </a:r>
+                    </a:p>
+                  </a:txBody>
+                  <a:tcPr anchor="ctr">
+                    <a:lnB w="12700" cap="flat" cmpd="sng" algn="ctr">
+                      <a:solidFill>
+                        <a:schemeClr val="bg1">
+                          <a:lumMod val="65000"/>
+                        </a:schemeClr>
+                      </a:solidFill>
+                      <a:prstDash val="solid"/>
+                      <a:round/>
+                      <a:headEnd type="none" w="med" len="med"/>
+                      <a:tailEnd type="none" w="med" len="med"/>
+                    </a:lnB>
+                    <a:noFill/>
+                  </a:tcPr>
+                </a:tc>
+                <a:extLst>
+                  <a:ext uri="{0D108BD9-81ED-4DB2-BD59-A6C34878D82A}">
+                    <a16:rowId xmlns:a16="http://schemas.microsoft.com/office/drawing/2014/main" val="727175177"/>
+                  </a:ext>
+                </a:extLst>
+              </a:tr>
+              <a:tr h="548640">
+                <a:tc>
+                  <a:txBody>
+                    <a:bodyPr/>
+                    <a:lstStyle/>
+                    <a:p>
+                      <a:pPr>
+                        <a:lnSpc>
+                          <a:spcPct val="100000"/>
+                        </a:lnSpc>
+                        <a:spcAft>
+                          <a:spcPts val="0"/>
+                        </a:spcAft>
+                      </a:pPr>
+                      <a:r>
+                        <a:rPr lang="en-US" sz="2000" b="1" dirty="0">
+                          <a:solidFill>
+                            <a:schemeClr val="tx1"/>
+                          </a:solidFill>
+                        </a:rPr>
+                        <a:t>Classification Model</a:t>
+                      </a:r>
+                    </a:p>
+                  </a:txBody>
+                  <a:tcPr anchor="ctr">
+                    <a:lnT w="12700" cap="flat" cmpd="sng" algn="ctr">
+                      <a:solidFill>
+                        <a:schemeClr val="bg1">
+                          <a:lumMod val="65000"/>
+                        </a:schemeClr>
+                      </a:solidFill>
+                      <a:prstDash val="solid"/>
+                      <a:round/>
+                      <a:headEnd type="none" w="med" len="med"/>
+                      <a:tailEnd type="none" w="med" len="med"/>
+                    </a:lnT>
+                    <a:lnB w="12700" cap="flat" cmpd="sng" algn="ctr">
+                      <a:solidFill>
+                        <a:schemeClr val="bg1">
+                          <a:lumMod val="65000"/>
+                        </a:schemeClr>
+                      </a:solidFill>
+                      <a:prstDash val="solid"/>
+                      <a:round/>
+                      <a:headEnd type="none" w="med" len="med"/>
+                      <a:tailEnd type="none" w="med" len="med"/>
+                    </a:lnB>
+                    <a:noFill/>
+                  </a:tcPr>
+                </a:tc>
+                <a:extLst>
+                  <a:ext uri="{0D108BD9-81ED-4DB2-BD59-A6C34878D82A}">
+                    <a16:rowId xmlns:a16="http://schemas.microsoft.com/office/drawing/2014/main" val="2307098774"/>
+                  </a:ext>
+                </a:extLst>
+              </a:tr>
+              <a:tr h="548640">
+                <a:tc>
+                  <a:txBody>
+                    <a:bodyPr/>
+                    <a:lstStyle/>
+                    <a:p>
+                      <a:pPr>
+                        <a:lnSpc>
+                          <a:spcPct val="100000"/>
+                        </a:lnSpc>
+                        <a:spcAft>
+                          <a:spcPts val="0"/>
+                        </a:spcAft>
+                      </a:pPr>
+                      <a:r>
+                        <a:rPr lang="en-US" sz="2000" dirty="0">
+                          <a:solidFill>
+                            <a:schemeClr val="bg1">
+                              <a:lumMod val="65000"/>
+                            </a:schemeClr>
+                          </a:solidFill>
+                        </a:rPr>
+                        <a:t>Algorithms</a:t>
+                      </a:r>
+                    </a:p>
+                  </a:txBody>
+                  <a:tcPr anchor="ctr">
+                    <a:lnT w="12700" cap="flat" cmpd="sng" algn="ctr">
+                      <a:solidFill>
+                        <a:schemeClr val="bg1">
+                          <a:lumMod val="65000"/>
+                        </a:schemeClr>
+                      </a:solidFill>
+                      <a:prstDash val="solid"/>
+                      <a:round/>
+                      <a:headEnd type="none" w="med" len="med"/>
+                      <a:tailEnd type="none" w="med" len="med"/>
+                    </a:lnT>
+                    <a:lnB w="12700" cap="flat" cmpd="sng" algn="ctr">
+                      <a:solidFill>
+                        <a:schemeClr val="bg1">
+                          <a:lumMod val="65000"/>
+                        </a:schemeClr>
+                      </a:solidFill>
+                      <a:prstDash val="solid"/>
+                      <a:round/>
+                      <a:headEnd type="none" w="med" len="med"/>
+                      <a:tailEnd type="none" w="med" len="med"/>
+                    </a:lnB>
+                    <a:noFill/>
+                  </a:tcPr>
+                </a:tc>
+                <a:extLst>
+                  <a:ext uri="{0D108BD9-81ED-4DB2-BD59-A6C34878D82A}">
+                    <a16:rowId xmlns:a16="http://schemas.microsoft.com/office/drawing/2014/main" val="1466711860"/>
+                  </a:ext>
+                </a:extLst>
+              </a:tr>
+              <a:tr h="548640">
+                <a:tc>
+                  <a:txBody>
+                    <a:bodyPr/>
+                    <a:lstStyle/>
+                    <a:p>
+                      <a:pPr>
+                        <a:lnSpc>
+                          <a:spcPct val="100000"/>
+                        </a:lnSpc>
+                        <a:spcAft>
+                          <a:spcPts val="0"/>
+                        </a:spcAft>
+                      </a:pPr>
+                      <a:r>
+                        <a:rPr lang="en-US" sz="2000" dirty="0">
+                          <a:solidFill>
+                            <a:schemeClr val="bg1">
+                              <a:lumMod val="65000"/>
+                            </a:schemeClr>
+                          </a:solidFill>
+                        </a:rPr>
+                        <a:t>Chapter Summary</a:t>
+                      </a:r>
+                    </a:p>
+                  </a:txBody>
+                  <a:tcPr anchor="ctr">
+                    <a:lnT w="12700" cap="flat" cmpd="sng" algn="ctr">
+                      <a:solidFill>
+                        <a:schemeClr val="bg1">
+                          <a:lumMod val="65000"/>
+                        </a:schemeClr>
+                      </a:solidFill>
+                      <a:prstDash val="solid"/>
+                      <a:round/>
+                      <a:headEnd type="none" w="med" len="med"/>
+                      <a:tailEnd type="none" w="med" len="med"/>
+                    </a:lnT>
+                    <a:lnB w="12700" cap="flat" cmpd="sng" algn="ctr">
+                      <a:solidFill>
+                        <a:schemeClr val="bg1">
+                          <a:lumMod val="65000"/>
+                        </a:schemeClr>
+                      </a:solidFill>
+                      <a:prstDash val="solid"/>
+                      <a:round/>
+                      <a:headEnd type="none" w="med" len="med"/>
+                      <a:tailEnd type="none" w="med" len="med"/>
+                    </a:lnB>
+                    <a:noFill/>
+                  </a:tcPr>
+                </a:tc>
+                <a:extLst>
+                  <a:ext uri="{0D108BD9-81ED-4DB2-BD59-A6C34878D82A}">
+                    <a16:rowId xmlns:a16="http://schemas.microsoft.com/office/drawing/2014/main" val="376303497"/>
+                  </a:ext>
+                </a:extLst>
+              </a:tr>
+            </a:tbl>
+          </a:graphicData>
+        </a:graphic>
+      </p:graphicFrame>
     </p:spTree>
     <p:extLst>
       <p:ext uri="{BB962C8B-B14F-4D97-AF65-F5344CB8AC3E}">
-        <p14:creationId xmlns:p14="http://schemas.microsoft.com/office/powerpoint/2010/main" val="3200389685"/>
+        <p14:creationId xmlns:p14="http://schemas.microsoft.com/office/powerpoint/2010/main" val="3829166980"/>
       </p:ext>
     </p:extLst>
   </p:cSld>
@@ -16115,39 +17977,70 @@
             <p:ph idx="1"/>
           </p:nvPr>
         </p:nvSpPr>
-        <p:spPr>
-          <a:xfrm>
-            <a:off x="581025" y="1155614"/>
-            <a:ext cx="8210278" cy="3690706"/>
-          </a:xfrm>
-        </p:spPr>
+        <p:spPr/>
         <p:txBody>
           <a:bodyPr/>
           <a:lstStyle/>
           <a:p>
             <a:r>
-              <a:rPr lang="en-US" dirty="0"/>
-              <a:t>Use the helper function we saw earlier in the regression chapter</a:t>
-            </a:r>
-          </a:p>
-          <a:p>
-            <a:endParaRPr lang="en-US" dirty="0"/>
-          </a:p>
-          <a:p>
-            <a:endParaRPr lang="en-US" dirty="0"/>
-          </a:p>
-          <a:p>
-            <a:endParaRPr lang="en-US" dirty="0"/>
+              <a:rPr lang="en-US" sz="1700" dirty="0"/>
+              <a:t>There are many business use cases for wanting to predict whether a record will fall into one category or another</a:t>
+            </a:r>
           </a:p>
           <a:p>
             <a:pPr lvl="1"/>
-            <a:endParaRPr lang="en-US" dirty="0"/>
-          </a:p>
-          <a:p>
-            <a:pPr marL="228600" lvl="1" indent="0">
-              <a:buNone/>
-            </a:pPr>
-            <a:endParaRPr lang="en-US" dirty="0"/>
+            <a:r>
+              <a:rPr lang="en-US" sz="1700" dirty="0"/>
+              <a:t>Is a credit card swipe fraudulent or not?</a:t>
+            </a:r>
+          </a:p>
+          <a:p>
+            <a:pPr lvl="1"/>
+            <a:r>
+              <a:rPr lang="en-US" sz="1700" dirty="0"/>
+              <a:t>Does a patient have a disease?</a:t>
+            </a:r>
+          </a:p>
+          <a:p>
+            <a:pPr lvl="1"/>
+            <a:r>
+              <a:rPr lang="en-US" sz="1700" dirty="0"/>
+              <a:t>Will an applicant be a profitable customer?</a:t>
+            </a:r>
+          </a:p>
+          <a:p>
+            <a:r>
+              <a:rPr lang="en-US" sz="1700" dirty="0"/>
+              <a:t>Classification can make such predictions by using historical data to train the model to look for patterns</a:t>
+            </a:r>
+          </a:p>
+          <a:p>
+            <a:r>
+              <a:rPr lang="en-US" sz="1700" dirty="0"/>
+              <a:t>To see how good a job the model does, you test it with another set of data that was not used to train the model</a:t>
+            </a:r>
+          </a:p>
+          <a:p>
+            <a:pPr lvl="1"/>
+            <a:r>
+              <a:rPr lang="en-US" sz="1700" dirty="0"/>
+              <a:t>By comparing the known values to the predicted ones, you can judge how well the model performs</a:t>
+            </a:r>
+          </a:p>
+          <a:p>
+            <a:r>
+              <a:rPr lang="en-US" sz="1700" dirty="0"/>
+              <a:t>If the model guesses better than a coin flip or random guess, it may not be perfect, but it’s better than nothing and could be used to create actionable business decisions with a best guess</a:t>
+            </a:r>
+          </a:p>
+          <a:p>
+            <a:r>
+              <a:rPr lang="en-US" sz="1700" dirty="0"/>
+              <a:t>There are many different algorithms that can do classification, so it’s best to run the same data through many different models to see which works best for your data</a:t>
+            </a:r>
+          </a:p>
+          <a:p>
+            <a:endParaRPr lang="en-US" sz="1700" dirty="0"/>
           </a:p>
         </p:txBody>
       </p:sp>
@@ -16168,272 +18061,15 @@
           <a:p>
             <a:r>
               <a:rPr lang="en-US" dirty="0"/>
-              <a:t>Change Categorical Column</a:t>
+              <a:t>Classification</a:t>
             </a:r>
           </a:p>
         </p:txBody>
       </p:sp>
-      <p:sp>
-        <p:nvSpPr>
-          <p:cNvPr id="4" name="TextBox 3">
-            <a:extLst>
-              <a:ext uri="{FF2B5EF4-FFF2-40B4-BE49-F238E27FC236}">
-                <a16:creationId xmlns:a16="http://schemas.microsoft.com/office/drawing/2014/main" id="{B25BD5BC-E8B9-4540-A404-A5C6B4AFC25D}"/>
-              </a:ext>
-            </a:extLst>
-          </p:cNvPr>
-          <p:cNvSpPr txBox="1"/>
-          <p:nvPr/>
-        </p:nvSpPr>
-        <p:spPr>
-          <a:xfrm>
-            <a:off x="943344" y="1613118"/>
-            <a:ext cx="6624271" cy="1323439"/>
-          </a:xfrm>
-          <a:prstGeom prst="rect">
-            <a:avLst/>
-          </a:prstGeom>
-          <a:noFill/>
-          <a:ln w="28575" algn="ctr">
-            <a:solidFill>
-              <a:schemeClr val="accent2">
-                <a:lumMod val="20000"/>
-                <a:lumOff val="80000"/>
-              </a:schemeClr>
-            </a:solidFill>
-            <a:miter lim="800000"/>
-            <a:headEnd/>
-            <a:tailEnd/>
-          </a:ln>
-          <a:effectLst/>
-        </p:spPr>
-        <p:txBody>
-          <a:bodyPr wrap="square">
-            <a:spAutoFit/>
-          </a:bodyPr>
-          <a:lstStyle>
-            <a:defPPr>
-              <a:defRPr lang="en-US"/>
-            </a:defPPr>
-            <a:lvl1pPr marL="0" defTabSz="914400" eaLnBrk="1" latinLnBrk="0" hangingPunct="1">
-              <a:defRPr sz="1400">
-                <a:solidFill>
-                  <a:schemeClr val="tx1"/>
-                </a:solidFill>
-                <a:latin typeface="Courier New" pitchFamily="49" charset="0"/>
-                <a:cs typeface="+mn-cs"/>
-              </a:defRPr>
-            </a:lvl1pPr>
-            <a:lvl2pPr marL="742950" indent="-285750" defTabSz="914400" latinLnBrk="0">
-              <a:defRPr sz="1400">
-                <a:solidFill>
-                  <a:schemeClr val="tx1"/>
-                </a:solidFill>
-                <a:latin typeface="Arial" charset="0"/>
-                <a:cs typeface="+mn-cs"/>
-              </a:defRPr>
-            </a:lvl2pPr>
-            <a:lvl3pPr marL="1143000" indent="-228600" defTabSz="914400" latinLnBrk="0">
-              <a:defRPr sz="1400">
-                <a:solidFill>
-                  <a:schemeClr val="tx1"/>
-                </a:solidFill>
-                <a:latin typeface="Arial" charset="0"/>
-                <a:cs typeface="+mn-cs"/>
-              </a:defRPr>
-            </a:lvl3pPr>
-            <a:lvl4pPr marL="1600200" indent="-228600" defTabSz="914400" latinLnBrk="0">
-              <a:defRPr sz="1400">
-                <a:solidFill>
-                  <a:schemeClr val="tx1"/>
-                </a:solidFill>
-                <a:latin typeface="Arial" charset="0"/>
-                <a:cs typeface="+mn-cs"/>
-              </a:defRPr>
-            </a:lvl4pPr>
-            <a:lvl5pPr marL="2057400" indent="-228600" defTabSz="914400" latinLnBrk="0">
-              <a:defRPr sz="1400">
-                <a:solidFill>
-                  <a:schemeClr val="tx1"/>
-                </a:solidFill>
-                <a:latin typeface="Arial" charset="0"/>
-                <a:cs typeface="+mn-cs"/>
-              </a:defRPr>
-            </a:lvl5pPr>
-            <a:lvl6pPr marL="2514600" indent="-228600" eaLnBrk="0" fontAlgn="base" hangingPunct="0">
-              <a:spcBef>
-                <a:spcPct val="0"/>
-              </a:spcBef>
-              <a:spcAft>
-                <a:spcPct val="0"/>
-              </a:spcAft>
-              <a:defRPr sz="1400">
-                <a:solidFill>
-                  <a:schemeClr val="tx1"/>
-                </a:solidFill>
-                <a:latin typeface="Arial" charset="0"/>
-                <a:cs typeface="+mn-cs"/>
-              </a:defRPr>
-            </a:lvl6pPr>
-            <a:lvl7pPr marL="2971800" indent="-228600" eaLnBrk="0" fontAlgn="base" hangingPunct="0">
-              <a:spcBef>
-                <a:spcPct val="0"/>
-              </a:spcBef>
-              <a:spcAft>
-                <a:spcPct val="0"/>
-              </a:spcAft>
-              <a:defRPr sz="1400">
-                <a:solidFill>
-                  <a:schemeClr val="tx1"/>
-                </a:solidFill>
-                <a:latin typeface="Arial" charset="0"/>
-                <a:cs typeface="+mn-cs"/>
-              </a:defRPr>
-            </a:lvl7pPr>
-            <a:lvl8pPr marL="3429000" indent="-228600" eaLnBrk="0" fontAlgn="base" hangingPunct="0">
-              <a:spcBef>
-                <a:spcPct val="0"/>
-              </a:spcBef>
-              <a:spcAft>
-                <a:spcPct val="0"/>
-              </a:spcAft>
-              <a:defRPr sz="1400">
-                <a:solidFill>
-                  <a:schemeClr val="tx1"/>
-                </a:solidFill>
-                <a:latin typeface="Arial" charset="0"/>
-                <a:cs typeface="+mn-cs"/>
-              </a:defRPr>
-            </a:lvl8pPr>
-            <a:lvl9pPr marL="3886200" indent="-228600" eaLnBrk="0" fontAlgn="base" hangingPunct="0">
-              <a:spcBef>
-                <a:spcPct val="0"/>
-              </a:spcBef>
-              <a:spcAft>
-                <a:spcPct val="0"/>
-              </a:spcAft>
-              <a:defRPr sz="1400">
-                <a:solidFill>
-                  <a:schemeClr val="tx1"/>
-                </a:solidFill>
-                <a:latin typeface="Arial" charset="0"/>
-                <a:cs typeface="+mn-cs"/>
-              </a:defRPr>
-            </a:lvl9pPr>
-          </a:lstStyle>
-          <a:p>
-            <a:r>
-              <a:rPr lang="en-US" sz="1600" b="1" dirty="0"/>
-              <a:t>dfML = pyh.MakeMLDataFrame(df, categorical_features, numeric_features, target_label)</a:t>
-            </a:r>
-          </a:p>
-          <a:p>
-            <a:r>
-              <a:rPr lang="en-US" sz="1600" b="1" dirty="0"/>
-              <a:t>display(dfML)</a:t>
-            </a:r>
-          </a:p>
-          <a:p>
-            <a:r>
-              <a:rPr lang="en-US" sz="1600" b="1" dirty="0"/>
-              <a:t>dfML.printSchema()</a:t>
-            </a:r>
-          </a:p>
-          <a:p>
-            <a:r>
-              <a:rPr lang="en-US" sz="1600" b="1" dirty="0"/>
-              <a:t>display(dfML.groupBy('label').count())</a:t>
-            </a:r>
-            <a:endParaRPr lang="en-US" sz="1600" dirty="0"/>
-          </a:p>
-        </p:txBody>
-      </p:sp>
-      <p:pic>
-        <p:nvPicPr>
-          <p:cNvPr id="7" name="Picture 6">
-            <a:extLst>
-              <a:ext uri="{FF2B5EF4-FFF2-40B4-BE49-F238E27FC236}">
-                <a16:creationId xmlns:a16="http://schemas.microsoft.com/office/drawing/2014/main" id="{BD685758-E743-0548-AEB2-62DAB78C003E}"/>
-              </a:ext>
-            </a:extLst>
-          </p:cNvPr>
-          <p:cNvPicPr>
-            <a:picLocks noChangeAspect="1"/>
-          </p:cNvPicPr>
-          <p:nvPr/>
-        </p:nvPicPr>
-        <p:blipFill>
-          <a:blip r:embed="rId3">
-            <a:extLst>
-              <a:ext uri="{28A0092B-C50C-407E-A947-70E740481C1C}">
-                <a14:useLocalDpi xmlns:a14="http://schemas.microsoft.com/office/drawing/2010/main" val="0"/>
-              </a:ext>
-            </a:extLst>
-          </a:blip>
-          <a:stretch>
-            <a:fillRect/>
-          </a:stretch>
-        </p:blipFill>
-        <p:spPr>
-          <a:xfrm>
-            <a:off x="4166388" y="3178293"/>
-            <a:ext cx="4394200" cy="2298700"/>
-          </a:xfrm>
-          <a:prstGeom prst="rect">
-            <a:avLst/>
-          </a:prstGeom>
-          <a:ln>
-            <a:solidFill>
-              <a:schemeClr val="bg2"/>
-            </a:solidFill>
-          </a:ln>
-        </p:spPr>
-      </p:pic>
-      <p:pic>
-        <p:nvPicPr>
-          <p:cNvPr id="9" name="Picture 8">
-            <a:extLst>
-              <a:ext uri="{FF2B5EF4-FFF2-40B4-BE49-F238E27FC236}">
-                <a16:creationId xmlns:a16="http://schemas.microsoft.com/office/drawing/2014/main" id="{A1CB7B0A-54C6-2046-8030-F495E6416314}"/>
-              </a:ext>
-            </a:extLst>
-          </p:cNvPr>
-          <p:cNvPicPr>
-            <a:picLocks noChangeAspect="1"/>
-          </p:cNvPicPr>
-          <p:nvPr/>
-        </p:nvPicPr>
-        <p:blipFill>
-          <a:blip r:embed="rId4">
-            <a:extLst>
-              <a:ext uri="{28A0092B-C50C-407E-A947-70E740481C1C}">
-                <a14:useLocalDpi xmlns:a14="http://schemas.microsoft.com/office/drawing/2010/main" val="0"/>
-              </a:ext>
-            </a:extLst>
-          </a:blip>
-          <a:stretch>
-            <a:fillRect/>
-          </a:stretch>
-        </p:blipFill>
-        <p:spPr>
-          <a:xfrm>
-            <a:off x="943344" y="3178293"/>
-            <a:ext cx="2965625" cy="3023774"/>
-          </a:xfrm>
-          <a:prstGeom prst="rect">
-            <a:avLst/>
-          </a:prstGeom>
-          <a:ln>
-            <a:solidFill>
-              <a:schemeClr val="bg2"/>
-            </a:solidFill>
-          </a:ln>
-        </p:spPr>
-      </p:pic>
     </p:spTree>
     <p:extLst>
       <p:ext uri="{BB962C8B-B14F-4D97-AF65-F5344CB8AC3E}">
-        <p14:creationId xmlns:p14="http://schemas.microsoft.com/office/powerpoint/2010/main" val="899484718"/>
+        <p14:creationId xmlns:p14="http://schemas.microsoft.com/office/powerpoint/2010/main" val="3309313356"/>
       </p:ext>
     </p:extLst>
   </p:cSld>

--- a/Day7-ClassificationAnalysis/Ch08-ClassificationModels.pptx
+++ b/Day7-ClassificationAnalysis/Ch08-ClassificationModels.pptx
@@ -357,7 +357,7 @@
                 <a:ea typeface="Tahoma" pitchFamily="34" charset="0"/>
                 <a:cs typeface="Tahoma" pitchFamily="34" charset="0"/>
               </a:rPr>
-              <a:t>Chapter 9</a:t>
+              <a:t>Chapter 8</a:t>
             </a:r>
           </a:p>
         </p:txBody>
@@ -747,7 +747,7 @@
                 </a:solidFill>
                 <a:latin typeface="Tahoma" pitchFamily="34" charset="0"/>
               </a:rPr>
-              <a:t>Chapter 9-</a:t>
+              <a:t>Chapter 8-</a:t>
             </a:r>
             <a:fld id="{9C58707A-6F60-4D20-8A8B-4F90B88EA4F7}" type="slidenum">
               <a:rPr lang="en-US" sz="1200" smtClean="0">
@@ -7549,7 +7549,7 @@
                 </a:solidFill>
                 <a:latin typeface="Tahoma" charset="0"/>
               </a:rPr>
-              <a:t>© 2019</a:t>
+              <a:t>© 2020</a:t>
             </a:r>
             <a:r>
               <a:rPr lang="en-US" sz="700" b="0" baseline="0" dirty="0">
@@ -8490,7 +8490,7 @@
           <a:p>
             <a:r>
               <a:rPr lang="en-US" dirty="0"/>
-              <a:t>All models should take the data set and split it into a training and testing set</a:t>
+              <a:t>All models should take the dataset and split it into a training and testing set</a:t>
             </a:r>
           </a:p>
           <a:p>
@@ -9465,7 +9465,7 @@
           <a:p>
             <a:r>
               <a:rPr lang="en-US" dirty="0"/>
-              <a:t>Use the helper function we saw earlier in the regression chapter</a:t>
+              <a:t>Use the helper function we saw earlier in the Regression chapter</a:t>
             </a:r>
           </a:p>
           <a:p>
@@ -9662,75 +9662,19 @@
           <a:p>
             <a:r>
               <a:rPr lang="en-US" sz="1600" b="1" dirty="0"/>
-              <a:t>pipeline = </a:t>
-            </a:r>
-            <a:r>
-              <a:rPr lang="en-US" sz="1600" b="1" dirty="0" err="1"/>
-              <a:t>MakeMLPipeline</a:t>
-            </a:r>
+              <a:t>pipeline = MakeMLPipeline(df, categorical_features, numeric_features, target_label)</a:t>
+            </a:r>
+          </a:p>
+          <a:p>
             <a:r>
               <a:rPr lang="en-US" sz="1600" b="1" dirty="0"/>
-              <a:t>(df, categorical_features, numeric_features, </a:t>
-            </a:r>
-            <a:r>
-              <a:rPr lang="en-US" sz="1600" b="1" dirty="0" err="1"/>
-              <a:t>target_label</a:t>
-            </a:r>
+              <a:t>pipelineModel = pipeline.fit(df)</a:t>
+            </a:r>
+          </a:p>
+          <a:p>
             <a:r>
               <a:rPr lang="en-US" sz="1600" b="1" dirty="0"/>
-              <a:t>)</a:t>
-            </a:r>
-          </a:p>
-          <a:p>
-            <a:r>
-              <a:rPr lang="en-US" sz="1600" b="1" dirty="0" err="1"/>
-              <a:t>pipelineModel</a:t>
-            </a:r>
-            <a:r>
-              <a:rPr lang="en-US" sz="1600" b="1" dirty="0"/>
-              <a:t> = </a:t>
-            </a:r>
-            <a:r>
-              <a:rPr lang="en-US" sz="1600" b="1" dirty="0" err="1"/>
-              <a:t>pipeline.fit</a:t>
-            </a:r>
-            <a:r>
-              <a:rPr lang="en-US" sz="1600" b="1" dirty="0"/>
-              <a:t>(</a:t>
-            </a:r>
-            <a:r>
-              <a:rPr lang="en-US" sz="1600" b="1" dirty="0" err="1"/>
-              <a:t>df</a:t>
-            </a:r>
-            <a:r>
-              <a:rPr lang="en-US" sz="1600" b="1" dirty="0"/>
-              <a:t>)</a:t>
-            </a:r>
-          </a:p>
-          <a:p>
-            <a:r>
-              <a:rPr lang="en-US" sz="1600" b="1" dirty="0" err="1"/>
-              <a:t>dfML</a:t>
-            </a:r>
-            <a:r>
-              <a:rPr lang="en-US" sz="1600" b="1" dirty="0"/>
-              <a:t> = </a:t>
-            </a:r>
-            <a:r>
-              <a:rPr lang="en-US" sz="1600" b="1" dirty="0" err="1"/>
-              <a:t>pipelineModel.transform</a:t>
-            </a:r>
-            <a:r>
-              <a:rPr lang="en-US" sz="1600" b="1" dirty="0"/>
-              <a:t>(</a:t>
-            </a:r>
-            <a:r>
-              <a:rPr lang="en-US" sz="1600" b="1" dirty="0" err="1"/>
-              <a:t>df</a:t>
-            </a:r>
-            <a:r>
-              <a:rPr lang="en-US" sz="1600" b="1" dirty="0"/>
-              <a:t>)</a:t>
+              <a:t>dfML = pipelineModel.transform(df)</a:t>
             </a:r>
           </a:p>
           <a:p>
@@ -12870,7 +12814,7 @@
           <a:p>
             <a:r>
               <a:rPr lang="en-US" dirty="0"/>
-              <a:t>Shows the tradeoff between accuracy and sensitivity in adjusting the False Positives</a:t>
+              <a:t>Shows the tradeoff between accuracy and sensitivity in adjusting the false positives</a:t>
             </a:r>
           </a:p>
           <a:p>
@@ -13194,7 +13138,7 @@
           <a:p>
             <a:r>
               <a:rPr lang="en-US" dirty="0"/>
-              <a:t>Load the module, create a model and train it</a:t>
+              <a:t>Load the module, create a model, and train it</a:t>
             </a:r>
           </a:p>
         </p:txBody>
@@ -16001,7 +15945,7 @@
           <p:nvPr>
             <p:extLst>
               <p:ext uri="{D42A27DB-BD31-4B8C-83A1-F6EECF244321}">
-                <p14:modId xmlns:p14="http://schemas.microsoft.com/office/powerpoint/2010/main" val="2055237658"/>
+                <p14:modId xmlns:p14="http://schemas.microsoft.com/office/powerpoint/2010/main" val="935319257"/>
               </p:ext>
             </p:extLst>
           </p:nvPr>
@@ -16076,7 +16020,7 @@
                     <a:bodyPr/>
                     <a:lstStyle/>
                     <a:p>
-                      <a:pPr>
+                      <a:pPr marL="0" algn="l" defTabSz="914400" rtl="0" eaLnBrk="1" latinLnBrk="0" hangingPunct="1">
                         <a:lnSpc>
                           <a:spcPct val="100000"/>
                         </a:lnSpc>
@@ -16085,10 +16029,15 @@
                         </a:spcAft>
                       </a:pPr>
                       <a:r>
-                        <a:rPr lang="en-US" sz="2000" b="0" dirty="0">
+                        <a:rPr lang="en-US" sz="2000" kern="1200" dirty="0">
                           <a:solidFill>
-                            <a:schemeClr val="tx1"/>
+                            <a:schemeClr val="bg1">
+                              <a:lumMod val="65000"/>
+                            </a:schemeClr>
                           </a:solidFill>
+                          <a:latin typeface="+mn-lt"/>
+                          <a:ea typeface="+mn-ea"/>
+                          <a:cs typeface="+mn-cs"/>
                         </a:rPr>
                         <a:t>Classification Model</a:t>
                       </a:r>
@@ -16941,7 +16890,7 @@
           <a:p>
             <a:r>
               <a:rPr lang="en-US" sz="1700" dirty="0"/>
-              <a:t>Because the data are partitioned among many nodes it means that wide operations have to shuffle around a lot of data to process that one column</a:t>
+              <a:t>Because the data is partitioned among many nodes it means that wide operations have to shuffle around a lot of data to process that one column</a:t>
             </a:r>
           </a:p>
           <a:p>
@@ -16965,7 +16914,7 @@
           <a:p>
             <a:r>
               <a:rPr lang="en-US" sz="1700" dirty="0"/>
-              <a:t>Also they allow you to save the entire chain of transformations so they can be reused when you need to encode new data to make predictions on</a:t>
+              <a:t>Also, they allow you to save the entire chain of transformations so they can be reused when you need to encode new data to make predictions on</a:t>
             </a:r>
           </a:p>
         </p:txBody>
@@ -17601,10 +17550,13 @@
           <a:p>
             <a:r>
               <a:rPr lang="en-US" dirty="0"/>
-              <a:t>As usual a good helper function makes all this easier so we will use the one we wrote in </a:t>
-            </a:r>
-            <a:r>
-              <a:rPr lang="en-US" dirty="0" err="1"/>
+              <a:t>As usual, a good helper function makes all this easier so we will use the one we wrote in </a:t>
+            </a:r>
+            <a:r>
+              <a:rPr lang="en-US" dirty="0">
+                <a:latin typeface="Courier New" panose="02070309020205020404" pitchFamily="49" charset="0"/>
+                <a:cs typeface="Courier New" panose="02070309020205020404" pitchFamily="49" charset="0"/>
+              </a:rPr>
               <a:t>pyspark_helpers</a:t>
             </a:r>
             <a:r>
@@ -17612,16 +17564,12 @@
               <a:t> called </a:t>
             </a:r>
             <a:r>
-              <a:rPr lang="en-US" dirty="0" err="1">
+              <a:rPr lang="en-US" dirty="0">
                 <a:latin typeface="Courier New" panose="02070309020205020404" pitchFamily="49" charset="0"/>
                 <a:cs typeface="Courier New" panose="02070309020205020404" pitchFamily="49" charset="0"/>
               </a:rPr>
               <a:t>MakeMLPipeline</a:t>
             </a:r>
-            <a:endParaRPr lang="en-US" dirty="0">
-              <a:latin typeface="Courier New" panose="02070309020205020404" pitchFamily="49" charset="0"/>
-              <a:cs typeface="Courier New" panose="02070309020205020404" pitchFamily="49" charset="0"/>
-            </a:endParaRPr>
           </a:p>
         </p:txBody>
       </p:sp>
@@ -17692,7 +17640,7 @@
           <p:nvPr>
             <p:extLst>
               <p:ext uri="{D42A27DB-BD31-4B8C-83A1-F6EECF244321}">
-                <p14:modId xmlns:p14="http://schemas.microsoft.com/office/powerpoint/2010/main" val="2793451197"/>
+                <p14:modId xmlns:p14="http://schemas.microsoft.com/office/powerpoint/2010/main" val="3373120178"/>
               </p:ext>
             </p:extLst>
           </p:nvPr>
@@ -17722,7 +17670,7 @@
                     <a:bodyPr/>
                     <a:lstStyle/>
                     <a:p>
-                      <a:pPr>
+                      <a:pPr marL="0" algn="l" defTabSz="914400" rtl="0" eaLnBrk="1" latinLnBrk="0" hangingPunct="1">
                         <a:lnSpc>
                           <a:spcPct val="100000"/>
                         </a:lnSpc>
@@ -17731,10 +17679,15 @@
                         </a:spcAft>
                       </a:pPr>
                       <a:r>
-                        <a:rPr lang="en-US" sz="2000" b="0" dirty="0">
+                        <a:rPr lang="en-US" sz="2000" kern="1200" dirty="0">
                           <a:solidFill>
-                            <a:schemeClr val="tx1"/>
+                            <a:schemeClr val="bg1">
+                              <a:lumMod val="65000"/>
+                            </a:schemeClr>
                           </a:solidFill>
+                          <a:latin typeface="+mn-lt"/>
+                          <a:ea typeface="+mn-ea"/>
+                          <a:cs typeface="+mn-cs"/>
                         </a:rPr>
                         <a:t>Pipelines</a:t>
                       </a:r>
@@ -19282,15 +19235,6 @@
 </file>
 
 <file path=customXml/item1.xml><?xml version="1.0" encoding="utf-8"?>
-<?mso-contentType ?>
-<FormTemplates xmlns="http://schemas.microsoft.com/sharepoint/v3/contenttype/forms">
-  <Display>DocumentLibraryForm</Display>
-  <Edit>DocumentLibraryForm</Edit>
-  <New>DocumentLibraryForm</New>
-</FormTemplates>
-</file>
-
-<file path=customXml/item2.xml><?xml version="1.0" encoding="utf-8"?>
 <ct:contentTypeSchema xmlns:ct="http://schemas.microsoft.com/office/2006/metadata/contentType" xmlns:ma="http://schemas.microsoft.com/office/2006/metadata/properties/metaAttributes" ct:_="" ma:_="" ma:contentTypeName="Document" ma:contentTypeID="0x0101004C58D7A746750E48B9E257CBBD401C71" ma:contentTypeVersion="5" ma:contentTypeDescription="Create a new document." ma:contentTypeScope="" ma:versionID="9b104746e7bcdc89d5c9d8909bc79033">
   <xsd:schema xmlns:xsd="http://www.w3.org/2001/XMLSchema" xmlns:xs="http://www.w3.org/2001/XMLSchema" xmlns:p="http://schemas.microsoft.com/office/2006/metadata/properties" xmlns:ns2="3f1ded34-099e-46dd-b0de-95a90e7e1e5f" targetNamespace="http://schemas.microsoft.com/office/2006/metadata/properties" ma:root="true" ma:fieldsID="39039af933a2d9dca5a96354c4c2b0ed" ns2:_="">
     <xsd:import namespace="3f1ded34-099e-46dd-b0de-95a90e7e1e5f"/>
@@ -19442,6 +19386,15 @@
 </ct:contentTypeSchema>
 </file>
 
+<file path=customXml/item2.xml><?xml version="1.0" encoding="utf-8"?>
+<?mso-contentType ?>
+<FormTemplates xmlns="http://schemas.microsoft.com/sharepoint/v3/contenttype/forms">
+  <Display>DocumentLibraryForm</Display>
+  <Edit>DocumentLibraryForm</Edit>
+  <New>DocumentLibraryForm</New>
+</FormTemplates>
+</file>
+
 <file path=customXml/item3.xml><?xml version="1.0" encoding="utf-8"?>
 <p:properties xmlns:p="http://schemas.microsoft.com/office/2006/metadata/properties" xmlns:xsi="http://www.w3.org/2001/XMLSchema-instance" xmlns:pc="http://schemas.microsoft.com/office/infopath/2007/PartnerControls">
   <documentManagement/>
@@ -19449,14 +19402,6 @@
 </file>
 
 <file path=customXml/itemProps1.xml><?xml version="1.0" encoding="utf-8"?>
-<ds:datastoreItem xmlns:ds="http://schemas.openxmlformats.org/officeDocument/2006/customXml" ds:itemID="{2DA015F3-603C-4688-A5F3-81D587DAB8C9}">
-  <ds:schemaRefs>
-    <ds:schemaRef ds:uri="http://schemas.microsoft.com/sharepoint/v3/contenttype/forms"/>
-  </ds:schemaRefs>
-</ds:datastoreItem>
-</file>
-
-<file path=customXml/itemProps2.xml><?xml version="1.0" encoding="utf-8"?>
 <ds:datastoreItem xmlns:ds="http://schemas.openxmlformats.org/officeDocument/2006/customXml" ds:itemID="{6751EBC6-C433-43E6-8F46-C6D6D677BF51}">
   <ds:schemaRefs>
     <ds:schemaRef ds:uri="http://schemas.microsoft.com/office/2006/metadata/contentType"/>
@@ -19470,6 +19415,14 @@
     <ds:schemaRef ds:uri="http://purl.org/dc/elements/1.1/"/>
     <ds:schemaRef ds:uri="http://purl.org/dc/terms/"/>
     <ds:schemaRef ds:uri="http://schemas.microsoft.com/internal/obd"/>
+  </ds:schemaRefs>
+</ds:datastoreItem>
+</file>
+
+<file path=customXml/itemProps2.xml><?xml version="1.0" encoding="utf-8"?>
+<ds:datastoreItem xmlns:ds="http://schemas.openxmlformats.org/officeDocument/2006/customXml" ds:itemID="{2DA015F3-603C-4688-A5F3-81D587DAB8C9}">
+  <ds:schemaRefs>
+    <ds:schemaRef ds:uri="http://schemas.microsoft.com/sharepoint/v3/contenttype/forms"/>
   </ds:schemaRefs>
 </ds:datastoreItem>
 </file>
